--- a/predavanja/prezentacije/UVIT01-01-Uvod u racunarske mreze.pptx
+++ b/predavanja/prezentacije/UVIT01-01-Uvod u racunarske mreze.pptx
@@ -274,7 +274,7 @@
           <a:p>
             <a:fld id="{6B3683FA-0560-4266-A2CA-8A7D404C35FD}" type="datetimeFigureOut">
               <a:rPr lang="en-US" smtClean="0"/>
-              <a:t>9/30/2018</a:t>
+              <a:t>10/3/2018</a:t>
             </a:fld>
             <a:endParaRPr lang="en-US"/>
           </a:p>
@@ -2083,7 +2083,7 @@
                 <a:latin typeface="Times New Roman" pitchFamily="18" charset="0"/>
                 <a:cs typeface="Arial" charset="0"/>
               </a:rPr>
-              <a:t>50</a:t>
+              <a:t>53</a:t>
             </a:r>
             <a:endParaRPr lang="en-US" sz="800" dirty="0" smtClean="0">
               <a:solidFill>
@@ -3282,7 +3282,7 @@
         </p:nvSpPr>
         <p:spPr bwMode="auto">
           <a:xfrm>
-            <a:off x="540543" y="260648"/>
+            <a:off x="540543" y="484212"/>
             <a:ext cx="7343825" cy="1144588"/>
           </a:xfrm>
           <a:prstGeom prst="rect">
@@ -3598,8 +3598,20 @@
               <a:t> </a:t>
             </a:r>
             <a:r>
+              <a:rPr lang="sr-Latn-RS" altLang="en-US" dirty="0" smtClean="0"/>
+              <a:t>desktop </a:t>
+            </a:r>
+            <a:r>
+              <a:rPr lang="en-US" altLang="en-US" dirty="0" err="1" smtClean="0"/>
+              <a:t>ra</a:t>
+            </a:r>
+            <a:r>
+              <a:rPr lang="sr-Latn-RS" altLang="en-US" dirty="0"/>
+              <a:t>č</a:t>
+            </a:r>
+            <a:r>
               <a:rPr lang="en-US" altLang="en-US" dirty="0" err="1"/>
-              <a:t>stoni</a:t>
+              <a:t>unari</a:t>
             </a:r>
             <a:r>
               <a:rPr lang="en-US" altLang="en-US" dirty="0"/>
@@ -3607,15 +3619,7 @@
             </a:r>
             <a:r>
               <a:rPr lang="en-US" altLang="en-US" dirty="0" err="1"/>
-              <a:t>ra</a:t>
-            </a:r>
-            <a:r>
-              <a:rPr lang="sr-Latn-RS" altLang="en-US" dirty="0"/>
-              <a:t>č</a:t>
-            </a:r>
-            <a:r>
-              <a:rPr lang="en-US" altLang="en-US" dirty="0" err="1"/>
-              <a:t>unari</a:t>
+              <a:t>imaju</a:t>
             </a:r>
             <a:r>
               <a:rPr lang="en-US" altLang="en-US" dirty="0"/>
@@ -3623,42 +3627,30 @@
             </a:r>
             <a:r>
               <a:rPr lang="en-US" altLang="en-US" dirty="0" err="1"/>
-              <a:t>imaju</a:t>
+              <a:t>ugra</a:t>
+            </a:r>
+            <a:r>
+              <a:rPr lang="sr-Latn-RS" altLang="en-US" dirty="0"/>
+              <a:t>đ</a:t>
+            </a:r>
+            <a:r>
+              <a:rPr lang="en-US" altLang="en-US" dirty="0"/>
+              <a:t></a:t>
+            </a:r>
+            <a:r>
+              <a:rPr lang="en-US" altLang="en-US" dirty="0" err="1"/>
+              <a:t>enu</a:t>
             </a:r>
             <a:r>
               <a:rPr lang="en-US" altLang="en-US" dirty="0"/>
               <a:t> </a:t>
             </a:r>
             <a:r>
-              <a:rPr lang="en-US" altLang="en-US" dirty="0" err="1"/>
-              <a:t>ugra</a:t>
-            </a:r>
-            <a:r>
-              <a:rPr lang="sr-Latn-RS" altLang="en-US" dirty="0"/>
-              <a:t>đ</a:t>
-            </a:r>
-            <a:r>
-              <a:rPr lang="en-US" altLang="en-US" dirty="0"/>
-              <a:t></a:t>
-            </a:r>
-            <a:r>
-              <a:rPr lang="en-US" altLang="en-US" dirty="0" err="1"/>
-              <a:t>enu</a:t>
-            </a:r>
-            <a:r>
-              <a:rPr lang="en-US" altLang="en-US" dirty="0"/>
-              <a:t> </a:t>
-            </a:r>
-            <a:r>
-              <a:rPr lang="en-US" altLang="en-US" dirty="0" err="1"/>
-              <a:t>ovu</a:t>
-            </a:r>
-            <a:r>
-              <a:rPr lang="en-US" altLang="en-US" dirty="0"/>
-              <a:t> </a:t>
-            </a:r>
-            <a:r>
-              <a:rPr lang="en-US" altLang="en-US" dirty="0" err="1"/>
+              <a:rPr lang="sr-Latn-RS" altLang="en-US" dirty="0" smtClean="0"/>
+              <a:t>NIC </a:t>
+            </a:r>
+            <a:r>
+              <a:rPr lang="en-US" altLang="en-US" dirty="0" err="1" smtClean="0"/>
               <a:t>karticu</a:t>
             </a:r>
             <a:r>
@@ -3777,11 +3769,7 @@
             <a:pPr eaLnBrk="1" hangingPunct="1"/>
             <a:r>
               <a:rPr lang="sr-Latn-RS" altLang="en-US" dirty="0" smtClean="0"/>
-              <a:t>Svaku </a:t>
-            </a:r>
-            <a:r>
-              <a:rPr lang="sr-Latn-RS" altLang="en-US" dirty="0" smtClean="0"/>
-              <a:t>mre</a:t>
+              <a:t>Svaku mre</a:t>
             </a:r>
             <a:r>
               <a:rPr lang="sr-Latn-RS" altLang="en-US" dirty="0"/>
@@ -3804,8 +3792,18 @@
               <a:t>jedinstvena </a:t>
             </a:r>
             <a:r>
-              <a:rPr lang="sr-Latn-RS" altLang="en-US" dirty="0" smtClean="0"/>
-              <a:t>fizička </a:t>
+              <a:rPr lang="sr-Latn-RS" altLang="en-US" dirty="0" smtClean="0">
+                <a:solidFill>
+                  <a:schemeClr val="accent1">
+                    <a:lumMod val="25000"/>
+                  </a:schemeClr>
+                </a:solidFill>
+              </a:rPr>
+              <a:t>fizička</a:t>
+            </a:r>
+            <a:r>
+              <a:rPr lang="sr-Latn-RS" altLang="en-US" dirty="0" smtClean="0"/>
+              <a:t> </a:t>
             </a:r>
             <a:r>
               <a:rPr lang="sr-Latn-RS" altLang="en-US" dirty="0"/>
@@ -3832,11 +3830,7 @@
             <a:pPr eaLnBrk="1" hangingPunct="1"/>
             <a:r>
               <a:rPr lang="sr-Latn-RS" altLang="en-US" dirty="0" smtClean="0"/>
-              <a:t>Osim </a:t>
-            </a:r>
-            <a:r>
-              <a:rPr lang="sr-Latn-RS" altLang="en-US" dirty="0" smtClean="0"/>
-              <a:t>mre</a:t>
+              <a:t>Osim mre</a:t>
             </a:r>
             <a:r>
               <a:rPr lang="sr-Latn-RS" altLang="en-US" dirty="0"/>
@@ -4323,8 +4317,18 @@
           <a:p>
             <a:pPr eaLnBrk="1" hangingPunct="1"/>
             <a:r>
+              <a:rPr lang="en-US" altLang="en-US" dirty="0">
+                <a:solidFill>
+                  <a:schemeClr val="accent1">
+                    <a:lumMod val="25000"/>
+                  </a:schemeClr>
+                </a:solidFill>
+              </a:rPr>
+              <a:t>Modem</a:t>
+            </a:r>
+            <a:r>
               <a:rPr lang="en-US" altLang="en-US" dirty="0"/>
-              <a:t>Modem (modulator-demodulator) je </a:t>
+              <a:t> (modulator-demodulator) je </a:t>
             </a:r>
             <a:r>
               <a:rPr lang="en-US" altLang="en-US" dirty="0" err="1"/>
@@ -4904,7 +4908,11 @@
                                           </p:stCondLst>
                                         </p:cTn>
                                         <p:tgtEl>
-                                          <p:spTgt spid="2"/>
+                                          <p:spTgt spid="29701">
+                                            <p:txEl>
+                                              <p:pRg st="1" end="1"/>
+                                            </p:txEl>
+                                          </p:spTgt>
                                         </p:tgtEl>
                                         <p:attrNameLst>
                                           <p:attrName>style.visibility</p:attrName>
@@ -4918,7 +4926,11 @@
                                       <p:cBhvr>
                                         <p:cTn id="12" dur="500"/>
                                         <p:tgtEl>
-                                          <p:spTgt spid="2"/>
+                                          <p:spTgt spid="29701">
+                                            <p:txEl>
+                                              <p:pRg st="1" end="1"/>
+                                            </p:txEl>
+                                          </p:spTgt>
                                         </p:tgtEl>
                                       </p:cBhvr>
                                     </p:animEffect>
@@ -4939,7 +4951,11 @@
                                           </p:stCondLst>
                                         </p:cTn>
                                         <p:tgtEl>
-                                          <p:spTgt spid="3"/>
+                                          <p:spTgt spid="29701">
+                                            <p:txEl>
+                                              <p:pRg st="2" end="2"/>
+                                            </p:txEl>
+                                          </p:spTgt>
                                         </p:tgtEl>
                                         <p:attrNameLst>
                                           <p:attrName>style.visibility</p:attrName>
@@ -4953,40 +4969,26 @@
                                       <p:cBhvr>
                                         <p:cTn id="15" dur="500"/>
                                         <p:tgtEl>
-                                          <p:spTgt spid="3"/>
+                                          <p:spTgt spid="29701">
+                                            <p:txEl>
+                                              <p:pRg st="2" end="2"/>
+                                            </p:txEl>
+                                          </p:spTgt>
                                         </p:tgtEl>
                                       </p:cBhvr>
                                     </p:animEffect>
                                   </p:childTnLst>
                                 </p:cTn>
                               </p:par>
-                            </p:childTnLst>
-                          </p:cTn>
-                        </p:par>
-                      </p:childTnLst>
-                    </p:cTn>
-                  </p:par>
-                  <p:par>
-                    <p:cTn id="16" fill="hold">
-                      <p:stCondLst>
-                        <p:cond delay="indefinite"/>
-                      </p:stCondLst>
-                      <p:childTnLst>
-                        <p:par>
-                          <p:cTn id="17" fill="hold">
-                            <p:stCondLst>
-                              <p:cond delay="0"/>
-                            </p:stCondLst>
-                            <p:childTnLst>
                               <p:par>
-                                <p:cTn id="18" presetID="10" presetClass="entr" presetSubtype="0" fill="hold" nodeType="clickEffect">
+                                <p:cTn id="16" presetID="10" presetClass="entr" presetSubtype="0" fill="hold" nodeType="withEffect">
                                   <p:stCondLst>
                                     <p:cond delay="0"/>
                                   </p:stCondLst>
                                   <p:childTnLst>
                                     <p:set>
                                       <p:cBhvr>
-                                        <p:cTn id="19" dur="1" fill="hold">
+                                        <p:cTn id="17" dur="1" fill="hold">
                                           <p:stCondLst>
                                             <p:cond delay="0"/>
                                           </p:stCondLst>
@@ -4994,7 +4996,7 @@
                                         <p:tgtEl>
                                           <p:spTgt spid="29701">
                                             <p:txEl>
-                                              <p:pRg st="1" end="1"/>
+                                              <p:pRg st="3" end="3"/>
                                             </p:txEl>
                                           </p:spTgt>
                                         </p:tgtEl>
@@ -5008,11 +5010,11 @@
                                     </p:set>
                                     <p:animEffect transition="in" filter="fade">
                                       <p:cBhvr>
-                                        <p:cTn id="20" dur="500"/>
-                                        <p:tgtEl>
-                                          <p:spTgt spid="29701">
-                                            <p:txEl>
-                                              <p:pRg st="1" end="1"/>
+                                        <p:cTn id="18" dur="500"/>
+                                        <p:tgtEl>
+                                          <p:spTgt spid="29701">
+                                            <p:txEl>
+                                              <p:pRg st="3" end="3"/>
                                             </p:txEl>
                                           </p:spTgt>
                                         </p:tgtEl>
@@ -5022,14 +5024,14 @@
                                 </p:cTn>
                               </p:par>
                               <p:par>
-                                <p:cTn id="21" presetID="10" presetClass="entr" presetSubtype="0" fill="hold" nodeType="withEffect">
+                                <p:cTn id="19" presetID="10" presetClass="entr" presetSubtype="0" fill="hold" nodeType="withEffect">
                                   <p:stCondLst>
                                     <p:cond delay="0"/>
                                   </p:stCondLst>
                                   <p:childTnLst>
                                     <p:set>
                                       <p:cBhvr>
-                                        <p:cTn id="22" dur="1" fill="hold">
+                                        <p:cTn id="20" dur="1" fill="hold">
                                           <p:stCondLst>
                                             <p:cond delay="0"/>
                                           </p:stCondLst>
@@ -5037,7 +5039,7 @@
                                         <p:tgtEl>
                                           <p:spTgt spid="29701">
                                             <p:txEl>
-                                              <p:pRg st="2" end="2"/>
+                                              <p:pRg st="4" end="4"/>
                                             </p:txEl>
                                           </p:spTgt>
                                         </p:tgtEl>
@@ -5051,11 +5053,11 @@
                                     </p:set>
                                     <p:animEffect transition="in" filter="fade">
                                       <p:cBhvr>
-                                        <p:cTn id="23" dur="500"/>
-                                        <p:tgtEl>
-                                          <p:spTgt spid="29701">
-                                            <p:txEl>
-                                              <p:pRg st="2" end="2"/>
+                                        <p:cTn id="21" dur="500"/>
+                                        <p:tgtEl>
+                                          <p:spTgt spid="29701">
+                                            <p:txEl>
+                                              <p:pRg st="4" end="4"/>
                                             </p:txEl>
                                           </p:spTgt>
                                         </p:tgtEl>
@@ -5065,24 +5067,20 @@
                                 </p:cTn>
                               </p:par>
                               <p:par>
-                                <p:cTn id="24" presetID="10" presetClass="entr" presetSubtype="0" fill="hold" nodeType="withEffect">
+                                <p:cTn id="22" presetID="10" presetClass="entr" presetSubtype="0" fill="hold" nodeType="withEffect">
                                   <p:stCondLst>
                                     <p:cond delay="0"/>
                                   </p:stCondLst>
                                   <p:childTnLst>
                                     <p:set>
                                       <p:cBhvr>
-                                        <p:cTn id="25" dur="1" fill="hold">
+                                        <p:cTn id="23" dur="1" fill="hold">
                                           <p:stCondLst>
                                             <p:cond delay="0"/>
                                           </p:stCondLst>
                                         </p:cTn>
                                         <p:tgtEl>
-                                          <p:spTgt spid="29701">
-                                            <p:txEl>
-                                              <p:pRg st="3" end="3"/>
-                                            </p:txEl>
-                                          </p:spTgt>
+                                          <p:spTgt spid="2"/>
                                         </p:tgtEl>
                                         <p:attrNameLst>
                                           <p:attrName>style.visibility</p:attrName>
@@ -5094,13 +5092,9 @@
                                     </p:set>
                                     <p:animEffect transition="in" filter="fade">
                                       <p:cBhvr>
-                                        <p:cTn id="26" dur="500"/>
-                                        <p:tgtEl>
-                                          <p:spTgt spid="29701">
-                                            <p:txEl>
-                                              <p:pRg st="3" end="3"/>
-                                            </p:txEl>
-                                          </p:spTgt>
+                                        <p:cTn id="24" dur="500"/>
+                                        <p:tgtEl>
+                                          <p:spTgt spid="2"/>
                                         </p:tgtEl>
                                       </p:cBhvr>
                                     </p:animEffect>
@@ -5108,24 +5102,20 @@
                                 </p:cTn>
                               </p:par>
                               <p:par>
-                                <p:cTn id="27" presetID="10" presetClass="entr" presetSubtype="0" fill="hold" nodeType="withEffect">
+                                <p:cTn id="25" presetID="10" presetClass="entr" presetSubtype="0" fill="hold" nodeType="withEffect">
                                   <p:stCondLst>
                                     <p:cond delay="0"/>
                                   </p:stCondLst>
                                   <p:childTnLst>
                                     <p:set>
                                       <p:cBhvr>
-                                        <p:cTn id="28" dur="1" fill="hold">
+                                        <p:cTn id="26" dur="1" fill="hold">
                                           <p:stCondLst>
                                             <p:cond delay="0"/>
                                           </p:stCondLst>
                                         </p:cTn>
                                         <p:tgtEl>
-                                          <p:spTgt spid="29701">
-                                            <p:txEl>
-                                              <p:pRg st="4" end="4"/>
-                                            </p:txEl>
-                                          </p:spTgt>
+                                          <p:spTgt spid="3"/>
                                         </p:tgtEl>
                                         <p:attrNameLst>
                                           <p:attrName>style.visibility</p:attrName>
@@ -5137,13 +5127,9 @@
                                     </p:set>
                                     <p:animEffect transition="in" filter="fade">
                                       <p:cBhvr>
-                                        <p:cTn id="29" dur="500"/>
-                                        <p:tgtEl>
-                                          <p:spTgt spid="29701">
-                                            <p:txEl>
-                                              <p:pRg st="4" end="4"/>
-                                            </p:txEl>
-                                          </p:spTgt>
+                                        <p:cTn id="27" dur="500"/>
+                                        <p:tgtEl>
+                                          <p:spTgt spid="3"/>
                                         </p:tgtEl>
                                       </p:cBhvr>
                                     </p:animEffect>
@@ -5301,16 +5287,52 @@
           <a:p>
             <a:pPr eaLnBrk="1" hangingPunct="1"/>
             <a:r>
+              <a:rPr lang="en-US" altLang="en-US" dirty="0" smtClean="0"/>
+              <a:t>Hab</a:t>
+            </a:r>
+            <a:r>
+              <a:rPr lang="sr-Latn-RS" altLang="en-US" dirty="0" smtClean="0"/>
+              <a:t>, most, svič i ruter – mrežni hardver koji služi za prosleđivanje komunikacije između računara u mreži </a:t>
+            </a:r>
+            <a:r>
+              <a:rPr lang="en-US" altLang="en-US" dirty="0" smtClean="0"/>
+              <a:t>re</a:t>
+            </a:r>
+            <a:r>
+              <a:rPr lang="sr-Latn-RS" altLang="en-US" dirty="0"/>
+              <a:t>ž</a:t>
+            </a:r>
+            <a:r>
+              <a:rPr lang="en-US" altLang="en-US" dirty="0" smtClean="0"/>
+              <a:t>a </a:t>
+            </a:r>
+            <a:r>
               <a:rPr lang="en-US" altLang="en-US" dirty="0" err="1"/>
-              <a:t>Hab</a:t>
+              <a:t>i</a:t>
             </a:r>
             <a:r>
               <a:rPr lang="en-US" altLang="en-US" dirty="0"/>
-              <a:t> (hub) </a:t>
-            </a:r>
-            <a:r>
-              <a:rPr lang="sr-Latn-RS" altLang="en-US" dirty="0" smtClean="0"/>
-              <a:t>-</a:t>
+              <a:t> </a:t>
+            </a:r>
+            <a:r>
+              <a:rPr lang="en-US" altLang="en-US" dirty="0" err="1"/>
+              <a:t>povezivanju</a:t>
+            </a:r>
+            <a:r>
+              <a:rPr lang="en-US" altLang="en-US" dirty="0"/>
+              <a:t> </a:t>
+            </a:r>
+            <a:r>
+              <a:rPr lang="en-US" altLang="en-US" dirty="0" err="1" smtClean="0"/>
+              <a:t>mre</a:t>
+            </a:r>
+            <a:r>
+              <a:rPr lang="sr-Latn-RS" altLang="en-US" dirty="0" err="1" smtClean="0"/>
+              <a:t>ž</a:t>
+            </a:r>
+            <a:r>
+              <a:rPr lang="sr-Latn-RS" altLang="en-US" dirty="0" err="1"/>
+              <a:t>e</a:t>
             </a:r>
             <a:r>
               <a:rPr lang="en-US" altLang="en-US" dirty="0" smtClean="0"/>
@@ -5318,552 +5340,399 @@
             </a:r>
             <a:r>
               <a:rPr lang="en-US" altLang="en-US" dirty="0" err="1"/>
-              <a:t>dobijene</a:t>
+              <a:t>sa</a:t>
             </a:r>
             <a:r>
               <a:rPr lang="en-US" altLang="en-US" dirty="0"/>
               <a:t> </a:t>
             </a:r>
             <a:r>
-              <a:rPr lang="en-US" altLang="en-US" dirty="0" err="1"/>
-              <a:t>poruke</a:t>
-            </a:r>
-            <a:r>
-              <a:rPr lang="en-US" altLang="en-US" dirty="0"/>
-              <a:t> </a:t>
-            </a:r>
-            <a:r>
               <a:rPr lang="en-US" altLang="en-US" dirty="0" err="1" smtClean="0"/>
-              <a:t>prosle</a:t>
-            </a:r>
-            <a:r>
-              <a:rPr lang="sr-Latn-RS" altLang="en-US" dirty="0" smtClean="0"/>
-              <a:t>đ</a:t>
-            </a:r>
-            <a:r>
-              <a:rPr lang="en-US" altLang="en-US" dirty="0" smtClean="0"/>
-              <a:t></a:t>
-            </a:r>
-            <a:r>
-              <a:rPr lang="en-US" altLang="en-US" dirty="0" err="1"/>
-              <a:t>uje</a:t>
-            </a:r>
-            <a:r>
-              <a:rPr lang="en-US" altLang="en-US" dirty="0"/>
-              <a:t> </a:t>
-            </a:r>
-            <a:r>
-              <a:rPr lang="en-US" altLang="en-US" dirty="0" err="1"/>
-              <a:t>svim</a:t>
-            </a:r>
-            <a:r>
-              <a:rPr lang="en-US" altLang="en-US" dirty="0"/>
-              <a:t> </a:t>
-            </a:r>
-            <a:r>
-              <a:rPr lang="en-US" altLang="en-US" dirty="0" err="1" smtClean="0"/>
-              <a:t>priklju</a:t>
-            </a:r>
-            <a:r>
-              <a:rPr lang="sr-Latn-RS" altLang="en-US" dirty="0"/>
-              <a:t>č</a:t>
-            </a:r>
-            <a:r>
-              <a:rPr lang="en-US" altLang="en-US" dirty="0" err="1" smtClean="0"/>
-              <a:t>enim</a:t>
-            </a:r>
-            <a:r>
-              <a:rPr lang="en-US" altLang="en-US" dirty="0" smtClean="0"/>
-              <a:t> </a:t>
-            </a:r>
-            <a:r>
-              <a:rPr lang="en-US" altLang="en-US" dirty="0" err="1"/>
-              <a:t>ure</a:t>
-            </a:r>
-            <a:r>
-              <a:rPr lang="en-US" altLang="en-US" dirty="0" smtClean="0"/>
-              <a:t></a:t>
-            </a:r>
-            <a:r>
-              <a:rPr lang="sr-Latn-RS" altLang="en-US" dirty="0" smtClean="0"/>
-              <a:t>đ</a:t>
-            </a:r>
-            <a:r>
-              <a:rPr lang="en-US" altLang="en-US" dirty="0" err="1" smtClean="0"/>
-              <a:t>ajima</a:t>
-            </a:r>
-            <a:endParaRPr lang="en-US" altLang="en-US" dirty="0"/>
+              <a:t>Internetom</a:t>
+            </a:r>
+            <a:endParaRPr lang="sr-Latn-RS" altLang="en-US" dirty="0" smtClean="0"/>
           </a:p>
           <a:p>
             <a:pPr eaLnBrk="1" hangingPunct="1"/>
-            <a:r>
-              <a:rPr lang="en-US" altLang="en-US" dirty="0"/>
-              <a:t>Most (bridge) </a:t>
-            </a:r>
-            <a:r>
-              <a:rPr lang="sr-Latn-RS" altLang="en-US" dirty="0" smtClean="0"/>
-              <a:t>-</a:t>
-            </a:r>
-            <a:r>
-              <a:rPr lang="en-US" altLang="en-US" dirty="0" smtClean="0"/>
-              <a:t> </a:t>
-            </a:r>
-            <a:r>
-              <a:rPr lang="en-US" altLang="en-US" dirty="0" err="1"/>
-              <a:t>povezuje</a:t>
-            </a:r>
-            <a:r>
-              <a:rPr lang="en-US" altLang="en-US" dirty="0"/>
-              <a:t> </a:t>
-            </a:r>
-            <a:r>
-              <a:rPr lang="en-US" altLang="en-US" dirty="0" smtClean="0"/>
-              <a:t>v</a:t>
-            </a:r>
-            <a:r>
-              <a:rPr lang="sr-Latn-RS" altLang="en-US" dirty="0" smtClean="0"/>
-              <a:t>iš</a:t>
-            </a:r>
-            <a:r>
-              <a:rPr lang="en-US" altLang="en-US" dirty="0" smtClean="0"/>
-              <a:t>e </a:t>
-            </a:r>
-            <a:r>
-              <a:rPr lang="en-US" altLang="en-US" dirty="0"/>
-              <a:t>od </a:t>
-            </a:r>
-            <a:r>
-              <a:rPr lang="en-US" altLang="en-US" dirty="0" err="1"/>
-              <a:t>dva</a:t>
-            </a:r>
-            <a:r>
-              <a:rPr lang="en-US" altLang="en-US" dirty="0"/>
-              <a:t> </a:t>
-            </a:r>
-            <a:r>
-              <a:rPr lang="en-US" altLang="en-US" dirty="0" err="1"/>
-              <a:t>nezavisna</a:t>
-            </a:r>
-            <a:r>
-              <a:rPr lang="en-US" altLang="en-US" dirty="0"/>
-              <a:t> </a:t>
-            </a:r>
-            <a:r>
-              <a:rPr lang="en-US" altLang="en-US" dirty="0" err="1"/>
-              <a:t>ure</a:t>
-            </a:r>
-            <a:r>
-              <a:rPr lang="en-US" altLang="en-US" dirty="0" smtClean="0"/>
-              <a:t></a:t>
-            </a:r>
-            <a:r>
-              <a:rPr lang="sr-Latn-RS" altLang="en-US" dirty="0" smtClean="0"/>
-              <a:t>đ</a:t>
-            </a:r>
-            <a:r>
-              <a:rPr lang="en-US" altLang="en-US" dirty="0" err="1" smtClean="0"/>
-              <a:t>aja</a:t>
-            </a:r>
-            <a:r>
-              <a:rPr lang="en-US" altLang="en-US" dirty="0" smtClean="0"/>
-              <a:t> </a:t>
-            </a:r>
-            <a:r>
-              <a:rPr lang="en-US" altLang="en-US" dirty="0" err="1"/>
-              <a:t>ili</a:t>
-            </a:r>
-            <a:r>
-              <a:rPr lang="en-US" altLang="en-US" dirty="0"/>
-              <a:t> </a:t>
-            </a:r>
-            <a:r>
-              <a:rPr lang="en-US" altLang="en-US" dirty="0" err="1" smtClean="0"/>
-              <a:t>mre</a:t>
-            </a:r>
-            <a:r>
-              <a:rPr lang="sr-Latn-RS" altLang="en-US" dirty="0"/>
-              <a:t>ž</a:t>
-            </a:r>
-            <a:r>
-              <a:rPr lang="en-US" altLang="en-US" dirty="0" smtClean="0"/>
-              <a:t>e;</a:t>
-            </a:r>
-            <a:r>
-              <a:rPr lang="sr-Latn-RS" altLang="en-US" dirty="0" smtClean="0"/>
-              <a:t> </a:t>
-            </a:r>
-            <a:r>
-              <a:rPr lang="en-US" altLang="en-US" dirty="0" err="1" smtClean="0"/>
-              <a:t>poruka</a:t>
-            </a:r>
-            <a:r>
-              <a:rPr lang="en-US" altLang="en-US" dirty="0" smtClean="0"/>
-              <a:t> </a:t>
-            </a:r>
-            <a:r>
-              <a:rPr lang="en-US" altLang="en-US" dirty="0"/>
-              <a:t>se </a:t>
-            </a:r>
-            <a:r>
-              <a:rPr lang="sr-Latn-RS" altLang="en-US" dirty="0"/>
-              <a:t>š</a:t>
-            </a:r>
-            <a:r>
-              <a:rPr lang="en-US" altLang="en-US" dirty="0" err="1" smtClean="0"/>
-              <a:t>alje</a:t>
-            </a:r>
-            <a:r>
-              <a:rPr lang="en-US" altLang="en-US" dirty="0" smtClean="0"/>
-              <a:t> </a:t>
-            </a:r>
-            <a:r>
-              <a:rPr lang="en-US" altLang="en-US" dirty="0" err="1"/>
-              <a:t>samo</a:t>
-            </a:r>
-            <a:r>
-              <a:rPr lang="en-US" altLang="en-US" dirty="0"/>
-              <a:t> </a:t>
-            </a:r>
-            <a:r>
-              <a:rPr lang="en-US" altLang="en-US" dirty="0" err="1"/>
-              <a:t>ure</a:t>
-            </a:r>
-            <a:r>
-              <a:rPr lang="en-US" altLang="en-US" dirty="0" smtClean="0"/>
-              <a:t></a:t>
-            </a:r>
-            <a:r>
-              <a:rPr lang="sr-Latn-RS" altLang="en-US" dirty="0" smtClean="0"/>
-              <a:t>đ</a:t>
-            </a:r>
-            <a:r>
-              <a:rPr lang="en-US" altLang="en-US" dirty="0" err="1" smtClean="0"/>
-              <a:t>ajima</a:t>
-            </a:r>
-            <a:r>
-              <a:rPr lang="en-US" altLang="en-US" dirty="0" smtClean="0"/>
-              <a:t> </a:t>
-            </a:r>
-            <a:r>
-              <a:rPr lang="en-US" altLang="en-US" dirty="0"/>
-              <a:t>u </a:t>
-            </a:r>
-            <a:r>
-              <a:rPr lang="en-US" altLang="en-US" dirty="0" err="1" smtClean="0"/>
-              <a:t>mre</a:t>
-            </a:r>
-            <a:r>
-              <a:rPr lang="sr-Latn-RS" altLang="en-US" dirty="0"/>
-              <a:t>ž</a:t>
-            </a:r>
-            <a:r>
-              <a:rPr lang="en-US" altLang="en-US" dirty="0" err="1" smtClean="0"/>
-              <a:t>i</a:t>
-            </a:r>
-            <a:r>
-              <a:rPr lang="en-US" altLang="en-US" dirty="0" smtClean="0"/>
-              <a:t> </a:t>
-            </a:r>
-            <a:r>
-              <a:rPr lang="en-US" altLang="en-US" dirty="0" err="1"/>
-              <a:t>primaoca</a:t>
-            </a:r>
-            <a:endParaRPr lang="en-US" altLang="en-US" dirty="0"/>
+            <a:endParaRPr lang="sr-Latn-RS" altLang="en-US" sz="2200" dirty="0"/>
           </a:p>
           <a:p>
             <a:pPr eaLnBrk="1" hangingPunct="1"/>
-            <a:r>
-              <a:rPr lang="en-US" altLang="en-US" dirty="0" err="1" smtClean="0"/>
-              <a:t>Svi</a:t>
-            </a:r>
-            <a:r>
-              <a:rPr lang="sr-Latn-RS" altLang="en-US" dirty="0"/>
-              <a:t>ć</a:t>
-            </a:r>
-            <a:r>
-              <a:rPr lang="en-US" altLang="en-US" dirty="0" smtClean="0"/>
-              <a:t> </a:t>
-            </a:r>
-            <a:r>
-              <a:rPr lang="en-US" altLang="en-US" dirty="0"/>
-              <a:t>(switch) </a:t>
-            </a:r>
-            <a:r>
-              <a:rPr lang="sr-Latn-RS" altLang="en-US" dirty="0" smtClean="0"/>
-              <a:t>- </a:t>
-            </a:r>
-            <a:r>
-              <a:rPr lang="en-US" altLang="en-US" dirty="0" err="1" smtClean="0"/>
-              <a:t>povezuje</a:t>
-            </a:r>
-            <a:r>
-              <a:rPr lang="en-US" altLang="en-US" dirty="0" smtClean="0"/>
-              <a:t> vi</a:t>
-            </a:r>
-            <a:r>
-              <a:rPr lang="sr-Latn-RS" altLang="en-US" dirty="0" smtClean="0"/>
-              <a:t>š</a:t>
-            </a:r>
-            <a:r>
-              <a:rPr lang="en-US" altLang="en-US" dirty="0" smtClean="0"/>
-              <a:t>e </a:t>
-            </a:r>
-            <a:r>
-              <a:rPr lang="en-US" altLang="en-US" dirty="0"/>
-              <a:t>od </a:t>
-            </a:r>
-            <a:r>
-              <a:rPr lang="en-US" altLang="en-US" dirty="0" err="1"/>
-              <a:t>dve</a:t>
-            </a:r>
-            <a:r>
-              <a:rPr lang="en-US" altLang="en-US" dirty="0"/>
-              <a:t> </a:t>
-            </a:r>
-            <a:r>
-              <a:rPr lang="en-US" altLang="en-US" dirty="0" err="1"/>
-              <a:t>nezavisne</a:t>
-            </a:r>
-            <a:r>
-              <a:rPr lang="en-US" altLang="en-US" dirty="0"/>
-              <a:t> </a:t>
-            </a:r>
-            <a:r>
-              <a:rPr lang="en-US" altLang="en-US" dirty="0" err="1" smtClean="0"/>
-              <a:t>mre</a:t>
-            </a:r>
-            <a:r>
-              <a:rPr lang="sr-Latn-RS" altLang="en-US" dirty="0"/>
-              <a:t>ž</a:t>
-            </a:r>
-            <a:r>
-              <a:rPr lang="en-US" altLang="en-US" dirty="0" smtClean="0"/>
-              <a:t>e </a:t>
-            </a:r>
-            <a:r>
-              <a:rPr lang="en-US" altLang="en-US" dirty="0" err="1"/>
-              <a:t>i</a:t>
-            </a:r>
-            <a:r>
-              <a:rPr lang="en-US" altLang="en-US" dirty="0"/>
-              <a:t> </a:t>
-            </a:r>
-            <a:r>
-              <a:rPr lang="en-US" altLang="en-US" dirty="0" err="1" smtClean="0"/>
-              <a:t>pakete</a:t>
-            </a:r>
-            <a:r>
-              <a:rPr lang="sr-Latn-RS" altLang="en-US" dirty="0" smtClean="0"/>
-              <a:t> </a:t>
-            </a:r>
-            <a:r>
-              <a:rPr lang="en-US" altLang="en-US" dirty="0" err="1" smtClean="0"/>
-              <a:t>prosle</a:t>
-            </a:r>
-            <a:r>
-              <a:rPr lang="sr-Latn-RS" altLang="en-US" dirty="0" smtClean="0"/>
-              <a:t>đ</a:t>
-            </a:r>
-            <a:r>
-              <a:rPr lang="en-US" altLang="en-US" dirty="0" smtClean="0"/>
-              <a:t></a:t>
-            </a:r>
-            <a:r>
-              <a:rPr lang="en-US" altLang="en-US" dirty="0" err="1"/>
-              <a:t>uje</a:t>
-            </a:r>
-            <a:r>
-              <a:rPr lang="en-US" altLang="en-US" dirty="0"/>
-              <a:t> </a:t>
-            </a:r>
-            <a:r>
-              <a:rPr lang="en-US" altLang="en-US" dirty="0" err="1"/>
-              <a:t>samo</a:t>
-            </a:r>
-            <a:r>
-              <a:rPr lang="en-US" altLang="en-US" dirty="0"/>
-              <a:t> </a:t>
-            </a:r>
-            <a:r>
-              <a:rPr lang="en-US" altLang="en-US" dirty="0" err="1"/>
-              <a:t>primaocu</a:t>
-            </a:r>
-            <a:r>
-              <a:rPr lang="en-US" altLang="en-US" dirty="0"/>
-              <a:t> </a:t>
-            </a:r>
-            <a:r>
-              <a:rPr lang="en-US" altLang="en-US" dirty="0" err="1"/>
-              <a:t>ili</a:t>
-            </a:r>
-            <a:r>
-              <a:rPr lang="en-US" altLang="en-US" dirty="0"/>
-              <a:t> </a:t>
-            </a:r>
-            <a:r>
-              <a:rPr lang="en-US" altLang="en-US" dirty="0" err="1" smtClean="0"/>
-              <a:t>mre</a:t>
-            </a:r>
-            <a:r>
-              <a:rPr lang="sr-Latn-RS" altLang="en-US" dirty="0"/>
-              <a:t>ž</a:t>
-            </a:r>
-            <a:r>
-              <a:rPr lang="en-US" altLang="en-US" dirty="0" err="1" smtClean="0"/>
-              <a:t>i</a:t>
-            </a:r>
-            <a:r>
-              <a:rPr lang="en-US" altLang="en-US" dirty="0" smtClean="0"/>
-              <a:t> </a:t>
-            </a:r>
-            <a:r>
-              <a:rPr lang="en-US" altLang="en-US" dirty="0"/>
-              <a:t>u </a:t>
-            </a:r>
-            <a:r>
-              <a:rPr lang="en-US" altLang="en-US" dirty="0" err="1"/>
-              <a:t>kojoj</a:t>
-            </a:r>
-            <a:r>
-              <a:rPr lang="en-US" altLang="en-US" dirty="0"/>
-              <a:t> se </a:t>
-            </a:r>
-            <a:r>
-              <a:rPr lang="en-US" altLang="en-US" dirty="0" err="1"/>
-              <a:t>nalazi</a:t>
-            </a:r>
-            <a:r>
-              <a:rPr lang="en-US" altLang="en-US" dirty="0"/>
-              <a:t> </a:t>
-            </a:r>
-            <a:r>
-              <a:rPr lang="en-US" altLang="en-US" dirty="0" err="1"/>
-              <a:t>primalac</a:t>
-            </a:r>
-            <a:endParaRPr lang="en-US" altLang="en-US" dirty="0"/>
+            <a:endParaRPr lang="sr-Latn-RS" altLang="en-US" dirty="0" smtClean="0"/>
+          </a:p>
+          <a:p>
+            <a:pPr marL="0" indent="0" eaLnBrk="1" hangingPunct="1">
+              <a:buNone/>
+            </a:pPr>
+            <a:endParaRPr lang="sr-Latn-RS" altLang="en-US" dirty="0" smtClean="0"/>
+          </a:p>
+          <a:p>
+            <a:pPr marL="0" indent="0" eaLnBrk="1" hangingPunct="1">
+              <a:buNone/>
+            </a:pPr>
+            <a:endParaRPr lang="sr-Latn-RS" altLang="en-US" sz="1000" dirty="0" smtClean="0"/>
+          </a:p>
+          <a:p>
+            <a:r>
+              <a:rPr lang="sr-Latn-RS" dirty="0"/>
+              <a:t>Jedan uređaj može obavljati vise </a:t>
+            </a:r>
+            <a:r>
+              <a:rPr lang="sr-Latn-RS" dirty="0" smtClean="0"/>
+              <a:t>zadataka: npr. </a:t>
+            </a:r>
+            <a:r>
+              <a:rPr lang="sr-Latn-RS" sz="2200" dirty="0" smtClean="0"/>
+              <a:t>uređaj </a:t>
+            </a:r>
+            <a:r>
+              <a:rPr lang="sr-Latn-RS" sz="2200" dirty="0"/>
+              <a:t>za uspostavljanje bežične komunikacije ima ulogu pristupne </a:t>
+            </a:r>
+            <a:r>
+              <a:rPr lang="sr-Latn-RS" sz="2200" dirty="0" smtClean="0"/>
+              <a:t>tačke, </a:t>
+            </a:r>
+            <a:r>
+              <a:rPr lang="sr-Latn-RS" sz="2200" dirty="0"/>
+              <a:t>sviča </a:t>
+            </a:r>
+            <a:r>
+              <a:rPr lang="sr-Latn-RS" sz="2200" dirty="0" smtClean="0"/>
+              <a:t>i </a:t>
+            </a:r>
+            <a:r>
+              <a:rPr lang="sr-Latn-RS" sz="2200" dirty="0"/>
+              <a:t>rutera (omogućava dalju vezu sa Internetom)</a:t>
+            </a:r>
           </a:p>
           <a:p>
             <a:pPr eaLnBrk="1" hangingPunct="1"/>
-            <a:r>
-              <a:rPr lang="en-US" altLang="en-US" dirty="0" err="1"/>
-              <a:t>Ruter</a:t>
-            </a:r>
-            <a:r>
-              <a:rPr lang="en-US" altLang="en-US" dirty="0"/>
-              <a:t> (router) </a:t>
-            </a:r>
-            <a:r>
-              <a:rPr lang="sr-Latn-RS" altLang="en-US" dirty="0" smtClean="0"/>
-              <a:t>- </a:t>
-            </a:r>
-            <a:r>
-              <a:rPr lang="en-US" altLang="en-US" dirty="0" err="1" smtClean="0"/>
-              <a:t>kompleksniji</a:t>
-            </a:r>
-            <a:r>
-              <a:rPr lang="en-US" altLang="en-US" dirty="0" smtClean="0"/>
-              <a:t> </a:t>
-            </a:r>
-            <a:r>
-              <a:rPr lang="en-US" altLang="en-US" dirty="0" err="1" smtClean="0"/>
-              <a:t>ure</a:t>
-            </a:r>
-            <a:r>
-              <a:rPr lang="sr-Latn-RS" altLang="en-US" dirty="0" smtClean="0"/>
-              <a:t>đ</a:t>
-            </a:r>
-            <a:r>
-              <a:rPr lang="en-US" altLang="en-US" dirty="0" smtClean="0"/>
-              <a:t></a:t>
-            </a:r>
-            <a:r>
-              <a:rPr lang="en-US" altLang="en-US" dirty="0" err="1"/>
-              <a:t>aj</a:t>
-            </a:r>
-            <a:r>
-              <a:rPr lang="en-US" altLang="en-US" dirty="0"/>
-              <a:t> </a:t>
-            </a:r>
-            <a:r>
-              <a:rPr lang="en-US" altLang="en-US" dirty="0" err="1"/>
-              <a:t>namenjen</a:t>
-            </a:r>
-            <a:r>
-              <a:rPr lang="en-US" altLang="en-US" dirty="0"/>
-              <a:t> </a:t>
-            </a:r>
-            <a:r>
-              <a:rPr lang="en-US" altLang="en-US" dirty="0" err="1" smtClean="0"/>
-              <a:t>povezivanju</a:t>
-            </a:r>
-            <a:r>
-              <a:rPr lang="sr-Latn-RS" altLang="en-US" dirty="0" smtClean="0"/>
-              <a:t> </a:t>
-            </a:r>
-            <a:r>
-              <a:rPr lang="en-US" altLang="en-US" dirty="0" err="1" smtClean="0"/>
-              <a:t>raznorodnih</a:t>
-            </a:r>
-            <a:r>
-              <a:rPr lang="en-US" altLang="en-US" dirty="0" smtClean="0"/>
-              <a:t> </a:t>
-            </a:r>
-            <a:r>
-              <a:rPr lang="en-US" altLang="en-US" dirty="0" err="1" smtClean="0"/>
-              <a:t>mre</a:t>
-            </a:r>
-            <a:r>
-              <a:rPr lang="sr-Latn-RS" altLang="en-US" dirty="0"/>
-              <a:t>ž</a:t>
-            </a:r>
-            <a:r>
-              <a:rPr lang="en-US" altLang="en-US" dirty="0" smtClean="0"/>
-              <a:t>a </a:t>
-            </a:r>
-            <a:r>
-              <a:rPr lang="en-US" altLang="en-US" dirty="0" err="1"/>
-              <a:t>i</a:t>
-            </a:r>
-            <a:r>
-              <a:rPr lang="en-US" altLang="en-US" dirty="0"/>
-              <a:t> </a:t>
-            </a:r>
-            <a:r>
-              <a:rPr lang="en-US" altLang="en-US" dirty="0" err="1"/>
-              <a:t>povezivanju</a:t>
-            </a:r>
-            <a:r>
-              <a:rPr lang="en-US" altLang="en-US" dirty="0"/>
-              <a:t> </a:t>
-            </a:r>
-            <a:r>
-              <a:rPr lang="en-US" altLang="en-US" dirty="0" err="1" smtClean="0"/>
-              <a:t>mre</a:t>
-            </a:r>
-            <a:r>
-              <a:rPr lang="sr-Latn-RS" altLang="en-US" dirty="0"/>
-              <a:t>ž</a:t>
-            </a:r>
-            <a:r>
-              <a:rPr lang="en-US" altLang="en-US" dirty="0" smtClean="0"/>
-              <a:t>a </a:t>
-            </a:r>
-            <a:r>
-              <a:rPr lang="en-US" altLang="en-US" dirty="0" err="1"/>
-              <a:t>sa</a:t>
-            </a:r>
-            <a:r>
-              <a:rPr lang="en-US" altLang="en-US" dirty="0"/>
-              <a:t> </a:t>
-            </a:r>
-            <a:r>
-              <a:rPr lang="en-US" altLang="en-US" dirty="0" err="1"/>
-              <a:t>Internetom</a:t>
-            </a:r>
             <a:endParaRPr lang="en-US" altLang="en-US" sz="2200" dirty="0" smtClean="0"/>
           </a:p>
         </p:txBody>
       </p:sp>
+      <p:grpSp>
+        <p:nvGrpSpPr>
+          <p:cNvPr id="3" name="Group 2"/>
+          <p:cNvGrpSpPr/>
+          <p:nvPr/>
+        </p:nvGrpSpPr>
+        <p:grpSpPr>
+          <a:xfrm>
+            <a:off x="611560" y="2420888"/>
+            <a:ext cx="7896102" cy="1651967"/>
+            <a:chOff x="611560" y="4653137"/>
+            <a:chExt cx="7896102" cy="1651967"/>
+          </a:xfrm>
+        </p:grpSpPr>
+        <p:grpSp>
+          <p:nvGrpSpPr>
+            <p:cNvPr id="2" name="Group 1"/>
+            <p:cNvGrpSpPr/>
+            <p:nvPr/>
+          </p:nvGrpSpPr>
+          <p:grpSpPr>
+            <a:xfrm>
+              <a:off x="611560" y="4653137"/>
+              <a:ext cx="7896102" cy="1363616"/>
+              <a:chOff x="611560" y="4653137"/>
+              <a:chExt cx="7896102" cy="1363616"/>
+            </a:xfrm>
+          </p:grpSpPr>
+          <p:pic>
+            <p:nvPicPr>
+              <p:cNvPr id="2050" name="Picture 2"/>
+              <p:cNvPicPr>
+                <a:picLocks noChangeAspect="1" noChangeArrowheads="1"/>
+              </p:cNvPicPr>
+              <p:nvPr/>
+            </p:nvPicPr>
+            <p:blipFill rotWithShape="1">
+              <a:blip r:embed="rId2">
+                <a:extLst>
+                  <a:ext uri="{28A0092B-C50C-407E-A947-70E740481C1C}">
+                    <a14:useLocalDpi xmlns:a14="http://schemas.microsoft.com/office/drawing/2010/main" val="0"/>
+                  </a:ext>
+                </a:extLst>
+              </a:blip>
+              <a:srcRect t="16907" r="4350" b="5206"/>
+              <a:stretch/>
+            </p:blipFill>
+            <p:spPr bwMode="auto">
+              <a:xfrm>
+                <a:off x="611560" y="4706913"/>
+                <a:ext cx="2448272" cy="1309840"/>
+              </a:xfrm>
+              <a:prstGeom prst="rect">
+                <a:avLst/>
+              </a:prstGeom>
+              <a:noFill/>
+              <a:ln>
+                <a:noFill/>
+              </a:ln>
+              <a:extLst>
+                <a:ext uri="{909E8E84-426E-40DD-AFC4-6F175D3DCCD1}">
+                  <a14:hiddenFill xmlns:a14="http://schemas.microsoft.com/office/drawing/2010/main">
+                    <a:solidFill>
+                      <a:schemeClr val="accent1"/>
+                    </a:solidFill>
+                  </a14:hiddenFill>
+                </a:ext>
+                <a:ext uri="{91240B29-F687-4F45-9708-019B960494DF}">
+                  <a14:hiddenLine xmlns:a14="http://schemas.microsoft.com/office/drawing/2010/main" w="9525">
+                    <a:solidFill>
+                      <a:schemeClr val="tx1"/>
+                    </a:solidFill>
+                    <a:miter lim="800000"/>
+                    <a:headEnd/>
+                    <a:tailEnd/>
+                  </a14:hiddenLine>
+                </a:ext>
+              </a:extLst>
+            </p:spPr>
+          </p:pic>
+          <p:pic>
+            <p:nvPicPr>
+              <p:cNvPr id="2051" name="Picture 3"/>
+              <p:cNvPicPr>
+                <a:picLocks noChangeAspect="1" noChangeArrowheads="1"/>
+              </p:cNvPicPr>
+              <p:nvPr/>
+            </p:nvPicPr>
+            <p:blipFill rotWithShape="1">
+              <a:blip r:embed="rId3">
+                <a:extLst>
+                  <a:ext uri="{28A0092B-C50C-407E-A947-70E740481C1C}">
+                    <a14:useLocalDpi xmlns:a14="http://schemas.microsoft.com/office/drawing/2010/main" val="0"/>
+                  </a:ext>
+                </a:extLst>
+              </a:blip>
+              <a:srcRect t="20005" r="4494" b="5068"/>
+              <a:stretch/>
+            </p:blipFill>
+            <p:spPr bwMode="auto">
+              <a:xfrm>
+                <a:off x="3275856" y="5101715"/>
+                <a:ext cx="2304255" cy="915038"/>
+              </a:xfrm>
+              <a:prstGeom prst="rect">
+                <a:avLst/>
+              </a:prstGeom>
+              <a:noFill/>
+              <a:ln>
+                <a:noFill/>
+              </a:ln>
+              <a:extLst>
+                <a:ext uri="{909E8E84-426E-40DD-AFC4-6F175D3DCCD1}">
+                  <a14:hiddenFill xmlns:a14="http://schemas.microsoft.com/office/drawing/2010/main">
+                    <a:solidFill>
+                      <a:schemeClr val="accent1"/>
+                    </a:solidFill>
+                  </a14:hiddenFill>
+                </a:ext>
+                <a:ext uri="{91240B29-F687-4F45-9708-019B960494DF}">
+                  <a14:hiddenLine xmlns:a14="http://schemas.microsoft.com/office/drawing/2010/main" w="9525">
+                    <a:solidFill>
+                      <a:schemeClr val="tx1"/>
+                    </a:solidFill>
+                    <a:miter lim="800000"/>
+                    <a:headEnd/>
+                    <a:tailEnd/>
+                  </a14:hiddenLine>
+                </a:ext>
+              </a:extLst>
+            </p:spPr>
+          </p:pic>
+          <p:pic>
+            <p:nvPicPr>
+              <p:cNvPr id="2052" name="Picture 4"/>
+              <p:cNvPicPr>
+                <a:picLocks noChangeAspect="1" noChangeArrowheads="1"/>
+              </p:cNvPicPr>
+              <p:nvPr/>
+            </p:nvPicPr>
+            <p:blipFill rotWithShape="1">
+              <a:blip r:embed="rId4">
+                <a:extLst>
+                  <a:ext uri="{28A0092B-C50C-407E-A947-70E740481C1C}">
+                    <a14:useLocalDpi xmlns:a14="http://schemas.microsoft.com/office/drawing/2010/main" val="0"/>
+                  </a:ext>
+                </a:extLst>
+              </a:blip>
+              <a:srcRect l="3506" t="17398" r="3042" b="5670"/>
+              <a:stretch/>
+            </p:blipFill>
+            <p:spPr bwMode="auto">
+              <a:xfrm>
+                <a:off x="5943600" y="4653137"/>
+                <a:ext cx="2564062" cy="1363616"/>
+              </a:xfrm>
+              <a:prstGeom prst="rect">
+                <a:avLst/>
+              </a:prstGeom>
+              <a:noFill/>
+              <a:ln>
+                <a:noFill/>
+              </a:ln>
+              <a:extLst>
+                <a:ext uri="{909E8E84-426E-40DD-AFC4-6F175D3DCCD1}">
+                  <a14:hiddenFill xmlns:a14="http://schemas.microsoft.com/office/drawing/2010/main">
+                    <a:solidFill>
+                      <a:schemeClr val="accent1"/>
+                    </a:solidFill>
+                  </a14:hiddenFill>
+                </a:ext>
+                <a:ext uri="{91240B29-F687-4F45-9708-019B960494DF}">
+                  <a14:hiddenLine xmlns:a14="http://schemas.microsoft.com/office/drawing/2010/main" w="9525">
+                    <a:solidFill>
+                      <a:schemeClr val="tx1"/>
+                    </a:solidFill>
+                    <a:miter lim="800000"/>
+                    <a:headEnd/>
+                    <a:tailEnd/>
+                  </a14:hiddenLine>
+                </a:ext>
+              </a:extLst>
+            </p:spPr>
+          </p:pic>
+        </p:grpSp>
+        <p:sp>
+          <p:nvSpPr>
+            <p:cNvPr id="7" name="TextBox 6"/>
+            <p:cNvSpPr txBox="1"/>
+            <p:nvPr/>
+          </p:nvSpPr>
+          <p:spPr>
+            <a:xfrm>
+              <a:off x="3807010" y="6028105"/>
+              <a:ext cx="1252266" cy="276999"/>
+            </a:xfrm>
+            <a:prstGeom prst="rect">
+              <a:avLst/>
+            </a:prstGeom>
+            <a:noFill/>
+          </p:spPr>
+          <p:txBody>
+            <a:bodyPr wrap="none" rtlCol="0">
+              <a:spAutoFit/>
+            </a:bodyPr>
+            <a:lstStyle/>
+            <a:p>
+              <a:r>
+                <a:rPr lang="sr-Latn-RS" sz="1200" dirty="0" smtClean="0">
+                  <a:latin typeface="+mn-lt"/>
+                </a:rPr>
+                <a:t>Hab, svič i ruter</a:t>
+              </a:r>
+              <a:endParaRPr lang="sr-Latn-RS" sz="1200" dirty="0">
+                <a:latin typeface="+mn-lt"/>
+              </a:endParaRPr>
+            </a:p>
+          </p:txBody>
+        </p:sp>
+      </p:grpSp>
+      <p:grpSp>
+        <p:nvGrpSpPr>
+          <p:cNvPr id="10" name="Group 9"/>
+          <p:cNvGrpSpPr/>
+          <p:nvPr/>
+        </p:nvGrpSpPr>
+        <p:grpSpPr>
+          <a:xfrm>
+            <a:off x="2483768" y="5090300"/>
+            <a:ext cx="4116833" cy="1678714"/>
+            <a:chOff x="1794011" y="5131645"/>
+            <a:chExt cx="4116833" cy="1678714"/>
+          </a:xfrm>
+        </p:grpSpPr>
+        <p:pic>
+          <p:nvPicPr>
+            <p:cNvPr id="11" name="Picture 3"/>
+            <p:cNvPicPr>
+              <a:picLocks noChangeAspect="1" noChangeArrowheads="1"/>
+            </p:cNvPicPr>
+            <p:nvPr/>
+          </p:nvPicPr>
+          <p:blipFill rotWithShape="1">
+            <a:blip r:embed="rId5">
+              <a:extLst>
+                <a:ext uri="{28A0092B-C50C-407E-A947-70E740481C1C}">
+                  <a14:useLocalDpi xmlns:a14="http://schemas.microsoft.com/office/drawing/2010/main" val="0"/>
+                </a:ext>
+              </a:extLst>
+            </a:blip>
+            <a:srcRect l="3674" t="36591" b="4646"/>
+            <a:stretch/>
+          </p:blipFill>
+          <p:spPr bwMode="auto">
+            <a:xfrm>
+              <a:off x="2428671" y="5131645"/>
+              <a:ext cx="3105751" cy="1408200"/>
+            </a:xfrm>
+            <a:prstGeom prst="rect">
+              <a:avLst/>
+            </a:prstGeom>
+            <a:noFill/>
+            <a:ln>
+              <a:noFill/>
+            </a:ln>
+            <a:extLst>
+              <a:ext uri="{909E8E84-426E-40DD-AFC4-6F175D3DCCD1}">
+                <a14:hiddenFill xmlns:a14="http://schemas.microsoft.com/office/drawing/2010/main">
+                  <a:solidFill>
+                    <a:schemeClr val="accent1"/>
+                  </a:solidFill>
+                </a14:hiddenFill>
+              </a:ext>
+              <a:ext uri="{91240B29-F687-4F45-9708-019B960494DF}">
+                <a14:hiddenLine xmlns:a14="http://schemas.microsoft.com/office/drawing/2010/main" w="9525">
+                  <a:solidFill>
+                    <a:schemeClr val="tx1"/>
+                  </a:solidFill>
+                  <a:miter lim="800000"/>
+                  <a:headEnd/>
+                  <a:tailEnd/>
+                </a14:hiddenLine>
+              </a:ext>
+            </a:extLst>
+          </p:spPr>
+        </p:pic>
+        <p:sp>
+          <p:nvSpPr>
+            <p:cNvPr id="12" name="TextBox 11"/>
+            <p:cNvSpPr txBox="1"/>
+            <p:nvPr/>
+          </p:nvSpPr>
+          <p:spPr>
+            <a:xfrm>
+              <a:off x="1794011" y="6533360"/>
+              <a:ext cx="4116833" cy="276999"/>
+            </a:xfrm>
+            <a:prstGeom prst="rect">
+              <a:avLst/>
+            </a:prstGeom>
+            <a:noFill/>
+          </p:spPr>
+          <p:txBody>
+            <a:bodyPr wrap="none" rtlCol="0">
+              <a:spAutoFit/>
+            </a:bodyPr>
+            <a:lstStyle/>
+            <a:p>
+              <a:r>
+                <a:rPr lang="sr-Latn-RS" sz="1200" dirty="0" smtClean="0">
+                  <a:latin typeface="+mn-lt"/>
+                </a:rPr>
+                <a:t>Primer uređaja koji predstavlja pristupnu tačku, svič i ruter</a:t>
+              </a:r>
+              <a:endParaRPr lang="sr-Latn-RS" sz="1200" dirty="0">
+                <a:latin typeface="+mn-lt"/>
+              </a:endParaRPr>
+            </a:p>
+          </p:txBody>
+        </p:sp>
+      </p:grpSp>
     </p:spTree>
     <p:extLst>
       <p:ext uri="{BB962C8B-B14F-4D97-AF65-F5344CB8AC3E}">
@@ -5937,43 +5806,21 @@
                                   </p:childTnLst>
                                 </p:cTn>
                               </p:par>
-                            </p:childTnLst>
-                          </p:cTn>
-                        </p:par>
-                      </p:childTnLst>
-                    </p:cTn>
-                  </p:par>
-                  <p:par>
-                    <p:cTn id="8" fill="hold">
-                      <p:stCondLst>
-                        <p:cond delay="indefinite"/>
-                      </p:stCondLst>
-                      <p:childTnLst>
-                        <p:par>
-                          <p:cTn id="9" fill="hold">
-                            <p:stCondLst>
-                              <p:cond delay="0"/>
-                            </p:stCondLst>
-                            <p:childTnLst>
                               <p:par>
-                                <p:cTn id="10" presetID="10" presetClass="entr" presetSubtype="0" fill="hold" nodeType="clickEffect">
+                                <p:cTn id="8" presetID="10" presetClass="entr" presetSubtype="0" fill="hold" nodeType="withEffect">
                                   <p:stCondLst>
                                     <p:cond delay="0"/>
                                   </p:stCondLst>
                                   <p:childTnLst>
                                     <p:set>
                                       <p:cBhvr>
-                                        <p:cTn id="11" dur="1" fill="hold">
+                                        <p:cTn id="9" dur="1" fill="hold">
                                           <p:stCondLst>
                                             <p:cond delay="0"/>
                                           </p:stCondLst>
                                         </p:cTn>
                                         <p:tgtEl>
-                                          <p:spTgt spid="29701">
-                                            <p:txEl>
-                                              <p:pRg st="1" end="1"/>
-                                            </p:txEl>
-                                          </p:spTgt>
+                                          <p:spTgt spid="3"/>
                                         </p:tgtEl>
                                         <p:attrNameLst>
                                           <p:attrName>style.visibility</p:attrName>
@@ -5985,13 +5832,9 @@
                                     </p:set>
                                     <p:animEffect transition="in" filter="fade">
                                       <p:cBhvr>
-                                        <p:cTn id="12" dur="500"/>
-                                        <p:tgtEl>
-                                          <p:spTgt spid="29701">
-                                            <p:txEl>
-                                              <p:pRg st="1" end="1"/>
-                                            </p:txEl>
-                                          </p:spTgt>
+                                        <p:cTn id="10" dur="500"/>
+                                        <p:tgtEl>
+                                          <p:spTgt spid="3"/>
                                         </p:tgtEl>
                                       </p:cBhvr>
                                     </p:animEffect>
@@ -6005,26 +5848,26 @@
                     </p:cTn>
                   </p:par>
                   <p:par>
-                    <p:cTn id="13" fill="hold">
+                    <p:cTn id="11" fill="hold">
                       <p:stCondLst>
                         <p:cond delay="indefinite"/>
                       </p:stCondLst>
                       <p:childTnLst>
                         <p:par>
-                          <p:cTn id="14" fill="hold">
+                          <p:cTn id="12" fill="hold">
                             <p:stCondLst>
                               <p:cond delay="0"/>
                             </p:stCondLst>
                             <p:childTnLst>
                               <p:par>
-                                <p:cTn id="15" presetID="10" presetClass="entr" presetSubtype="0" fill="hold" nodeType="clickEffect">
+                                <p:cTn id="13" presetID="10" presetClass="entr" presetSubtype="0" fill="hold" nodeType="clickEffect">
                                   <p:stCondLst>
                                     <p:cond delay="0"/>
                                   </p:stCondLst>
                                   <p:childTnLst>
                                     <p:set>
                                       <p:cBhvr>
-                                        <p:cTn id="16" dur="1" fill="hold">
+                                        <p:cTn id="14" dur="1" fill="hold">
                                           <p:stCondLst>
                                             <p:cond delay="0"/>
                                           </p:stCondLst>
@@ -6032,7 +5875,7 @@
                                         <p:tgtEl>
                                           <p:spTgt spid="29701">
                                             <p:txEl>
-                                              <p:pRg st="2" end="2"/>
+                                              <p:pRg st="5" end="5"/>
                                             </p:txEl>
                                           </p:spTgt>
                                         </p:tgtEl>
@@ -6046,11 +5889,11 @@
                                     </p:set>
                                     <p:animEffect transition="in" filter="fade">
                                       <p:cBhvr>
-                                        <p:cTn id="17" dur="500"/>
-                                        <p:tgtEl>
-                                          <p:spTgt spid="29701">
-                                            <p:txEl>
-                                              <p:pRg st="2" end="2"/>
+                                        <p:cTn id="15" dur="500"/>
+                                        <p:tgtEl>
+                                          <p:spTgt spid="29701">
+                                            <p:txEl>
+                                              <p:pRg st="5" end="5"/>
                                             </p:txEl>
                                           </p:spTgt>
                                         </p:tgtEl>
@@ -6059,43 +5902,21 @@
                                   </p:childTnLst>
                                 </p:cTn>
                               </p:par>
-                            </p:childTnLst>
-                          </p:cTn>
-                        </p:par>
-                      </p:childTnLst>
-                    </p:cTn>
-                  </p:par>
-                  <p:par>
-                    <p:cTn id="18" fill="hold">
-                      <p:stCondLst>
-                        <p:cond delay="indefinite"/>
-                      </p:stCondLst>
-                      <p:childTnLst>
-                        <p:par>
-                          <p:cTn id="19" fill="hold">
-                            <p:stCondLst>
-                              <p:cond delay="0"/>
-                            </p:stCondLst>
-                            <p:childTnLst>
                               <p:par>
-                                <p:cTn id="20" presetID="10" presetClass="entr" presetSubtype="0" fill="hold" nodeType="clickEffect">
+                                <p:cTn id="16" presetID="10" presetClass="entr" presetSubtype="0" fill="hold" nodeType="withEffect">
                                   <p:stCondLst>
                                     <p:cond delay="0"/>
                                   </p:stCondLst>
                                   <p:childTnLst>
                                     <p:set>
                                       <p:cBhvr>
-                                        <p:cTn id="21" dur="1" fill="hold">
+                                        <p:cTn id="17" dur="1" fill="hold">
                                           <p:stCondLst>
                                             <p:cond delay="0"/>
                                           </p:stCondLst>
                                         </p:cTn>
                                         <p:tgtEl>
-                                          <p:spTgt spid="29701">
-                                            <p:txEl>
-                                              <p:pRg st="3" end="3"/>
-                                            </p:txEl>
-                                          </p:spTgt>
+                                          <p:spTgt spid="10"/>
                                         </p:tgtEl>
                                         <p:attrNameLst>
                                           <p:attrName>style.visibility</p:attrName>
@@ -6107,13 +5928,9 @@
                                     </p:set>
                                     <p:animEffect transition="in" filter="fade">
                                       <p:cBhvr>
-                                        <p:cTn id="22" dur="500"/>
-                                        <p:tgtEl>
-                                          <p:spTgt spid="29701">
-                                            <p:txEl>
-                                              <p:pRg st="3" end="3"/>
-                                            </p:txEl>
-                                          </p:spTgt>
+                                        <p:cTn id="18" dur="500"/>
+                                        <p:tgtEl>
+                                          <p:spTgt spid="10"/>
                                         </p:tgtEl>
                                       </p:cBhvr>
                                     </p:animEffect>
@@ -6223,36 +6040,18 @@
           <a:p>
             <a:pPr eaLnBrk="1" hangingPunct="1"/>
             <a:r>
-              <a:rPr lang="sr-Latn-RS" altLang="en-US" dirty="0"/>
-              <a:t>Da bi se uredaji unutar </a:t>
-            </a:r>
-            <a:r>
-              <a:rPr lang="sr-Latn-RS" altLang="en-US" dirty="0" smtClean="0"/>
-              <a:t>mre</a:t>
-            </a:r>
-            <a:r>
-              <a:rPr lang="sr-Latn-RS" altLang="en-US" dirty="0"/>
-              <a:t>ž</a:t>
-            </a:r>
-            <a:r>
-              <a:rPr lang="sr-Latn-RS" altLang="en-US" dirty="0" smtClean="0"/>
-              <a:t>e </a:t>
-            </a:r>
-            <a:r>
-              <a:rPr lang="sr-Latn-RS" altLang="en-US" dirty="0"/>
-              <a:t>povezali medu sobom koriste se </a:t>
-            </a:r>
-            <a:r>
-              <a:rPr lang="sr-Latn-RS" altLang="en-US" dirty="0" smtClean="0"/>
-              <a:t>komunikacioni kanali </a:t>
-            </a:r>
-            <a:r>
-              <a:rPr lang="sr-Latn-RS" altLang="en-US" dirty="0"/>
-              <a:t>kao š</a:t>
-            </a:r>
-            <a:r>
-              <a:rPr lang="sr-Latn-RS" altLang="en-US" dirty="0" smtClean="0"/>
-              <a:t>to </a:t>
+              <a:rPr lang="sr-Latn-RS" altLang="en-US" dirty="0" smtClean="0">
+                <a:solidFill>
+                  <a:schemeClr val="accent1">
+                    <a:lumMod val="25000"/>
+                  </a:schemeClr>
+                </a:solidFill>
+              </a:rPr>
+              <a:t>Komunikacioni kanali</a:t>
+            </a:r>
+            <a:r>
+              <a:rPr lang="sr-Latn-RS" altLang="en-US" dirty="0" smtClean="0"/>
+              <a:t> </a:t>
             </a:r>
             <a:r>
               <a:rPr lang="sr-Latn-RS" altLang="en-US" dirty="0"/>
@@ -6264,22 +6063,41 @@
             </a:r>
             <a:r>
               <a:rPr lang="sr-Latn-RS" altLang="en-US" dirty="0"/>
-              <a:t>prenosni </a:t>
-            </a:r>
-            <a:r>
-              <a:rPr lang="sr-Latn-RS" altLang="en-US" dirty="0" smtClean="0"/>
-              <a:t>sistemi</a:t>
-            </a:r>
-            <a:endParaRPr lang="sr-Latn-RS" altLang="en-US" dirty="0"/>
+              <a:t>medijumi koji </a:t>
+            </a:r>
+            <a:r>
+              <a:rPr lang="sr-Latn-RS" altLang="en-US" dirty="0" smtClean="0"/>
+              <a:t>prenose podatke </a:t>
+            </a:r>
+            <a:r>
+              <a:rPr lang="sr-Latn-RS" altLang="en-US" dirty="0"/>
+              <a:t>elektromagnetnim talasima (radio-talasima, </a:t>
+            </a:r>
+            <a:r>
+              <a:rPr lang="sr-Latn-RS" altLang="en-US" dirty="0" smtClean="0"/>
+              <a:t>optičkim talasima</a:t>
+            </a:r>
+            <a:r>
+              <a:rPr lang="sr-Latn-RS" altLang="en-US" dirty="0"/>
+              <a:t>, </a:t>
+            </a:r>
+            <a:r>
+              <a:rPr lang="sr-Latn-RS" altLang="en-US" dirty="0" err="1" smtClean="0"/>
+              <a:t>mikrotalasima</a:t>
+            </a:r>
+            <a:r>
+              <a:rPr lang="sr-Latn-RS" altLang="en-US" dirty="0" smtClean="0"/>
+              <a:t> i sl.)</a:t>
+            </a:r>
           </a:p>
           <a:p>
             <a:pPr eaLnBrk="1" hangingPunct="1"/>
             <a:r>
-              <a:rPr lang="sr-Latn-RS" altLang="en-US" dirty="0"/>
+              <a:rPr lang="sr-Latn-RS" altLang="en-US" dirty="0" smtClean="0"/>
               <a:t>Osnovna mera kvaliteta komunikacionog kanala jeste </a:t>
             </a:r>
             <a:r>
-              <a:rPr lang="sr-Latn-RS" altLang="en-US" dirty="0">
+              <a:rPr lang="sr-Latn-RS" altLang="en-US" dirty="0" smtClean="0">
                 <a:solidFill>
                   <a:srgbClr val="00B050"/>
                 </a:solidFill>
@@ -6287,148 +6105,278 @@
               <a:t>brzina prenosa </a:t>
             </a:r>
             <a:r>
-              <a:rPr lang="sr-Latn-RS" altLang="en-US" dirty="0"/>
-              <a:t>koja </a:t>
-            </a:r>
-            <a:r>
-              <a:rPr lang="sr-Latn-RS" altLang="en-US" dirty="0" smtClean="0"/>
-              <a:t>se brojem </a:t>
-            </a:r>
-            <a:r>
-              <a:rPr lang="sr-Latn-RS" altLang="en-US" dirty="0"/>
-              <a:t>bita koji se mogu preneti u jednoj sekundi (</a:t>
-            </a:r>
-            <a:r>
-              <a:rPr lang="sr-Latn-RS" altLang="en-US" dirty="0" smtClean="0"/>
-              <a:t>bit/s)</a:t>
+              <a:rPr lang="sr-Latn-RS" altLang="en-US" dirty="0" smtClean="0">
+                <a:solidFill>
+                  <a:schemeClr val="tx2"/>
+                </a:solidFill>
+              </a:rPr>
+              <a:t>ili</a:t>
+            </a:r>
+            <a:r>
+              <a:rPr lang="sr-Latn-RS" altLang="en-US" dirty="0" smtClean="0">
+                <a:solidFill>
+                  <a:srgbClr val="00B050"/>
+                </a:solidFill>
+              </a:rPr>
+              <a:t> protok </a:t>
+            </a:r>
+            <a:r>
+              <a:rPr lang="sr-Latn-RS" altLang="en-US" dirty="0" smtClean="0">
+                <a:solidFill>
+                  <a:schemeClr val="tx2"/>
+                </a:solidFill>
+              </a:rPr>
+              <a:t>(</a:t>
+            </a:r>
+            <a:r>
+              <a:rPr lang="sr-Latn-RS" altLang="en-US" dirty="0" err="1" smtClean="0">
+                <a:solidFill>
+                  <a:schemeClr val="tx2"/>
+                </a:solidFill>
+              </a:rPr>
+              <a:t>throughput</a:t>
+            </a:r>
+            <a:r>
+              <a:rPr lang="sr-Latn-RS" altLang="en-US" dirty="0" smtClean="0">
+                <a:solidFill>
+                  <a:schemeClr val="tx2"/>
+                </a:solidFill>
+              </a:rPr>
+              <a:t>, </a:t>
+            </a:r>
+            <a:r>
+              <a:rPr lang="sr-Latn-RS" altLang="en-US" dirty="0" err="1" smtClean="0">
+                <a:solidFill>
+                  <a:schemeClr val="tx2"/>
+                </a:solidFill>
+              </a:rPr>
+              <a:t>bandwidth</a:t>
+            </a:r>
+            <a:r>
+              <a:rPr lang="sr-Latn-RS" altLang="en-US" dirty="0" smtClean="0">
+                <a:solidFill>
+                  <a:schemeClr val="tx2"/>
+                </a:solidFill>
+              </a:rPr>
+              <a:t>)</a:t>
+            </a:r>
+            <a:r>
+              <a:rPr lang="sr-Latn-RS" altLang="en-US" dirty="0" smtClean="0">
+                <a:solidFill>
+                  <a:srgbClr val="00B050"/>
+                </a:solidFill>
+              </a:rPr>
+              <a:t> </a:t>
+            </a:r>
+            <a:r>
+              <a:rPr lang="sr-Latn-RS" altLang="en-US" dirty="0" smtClean="0"/>
+              <a:t>koja se meri brojem bitova koji se mogu preneti u jednoj sekundi (bit/s)</a:t>
+            </a:r>
+          </a:p>
+          <a:p>
+            <a:pPr lvl="1" eaLnBrk="1" hangingPunct="1"/>
+            <a:r>
+              <a:rPr lang="sr-Latn-RS" altLang="en-US" sz="2200" dirty="0" smtClean="0"/>
+              <a:t>Uzimajući </a:t>
+            </a:r>
+            <a:r>
+              <a:rPr lang="sr-Latn-RS" altLang="en-US" sz="2200" dirty="0"/>
+              <a:t>u obzir aktuelne tehnologije prenosa na </a:t>
+            </a:r>
+            <a:r>
+              <a:rPr lang="sr-Latn-RS" altLang="en-US" sz="2200" dirty="0" smtClean="0"/>
+              <a:t>ra</a:t>
+            </a:r>
+            <a:r>
+              <a:rPr lang="sr-Latn-RS" altLang="en-US" sz="2200" dirty="0"/>
+              <a:t>č</a:t>
+            </a:r>
+            <a:r>
+              <a:rPr lang="sr-Latn-RS" altLang="en-US" sz="2200" dirty="0" smtClean="0"/>
+              <a:t>unarskim mre</a:t>
+            </a:r>
+            <a:r>
+              <a:rPr lang="sr-Latn-RS" altLang="en-US" sz="2200" dirty="0"/>
+              <a:t>ž</a:t>
+            </a:r>
+            <a:r>
+              <a:rPr lang="sr-Latn-RS" altLang="en-US" sz="2200" dirty="0" smtClean="0"/>
+              <a:t>ama</a:t>
+            </a:r>
+            <a:r>
+              <a:rPr lang="sr-Latn-RS" altLang="en-US" sz="2200" dirty="0"/>
+              <a:t>, </a:t>
+            </a:r>
+            <a:r>
+              <a:rPr lang="sr-Latn-RS" altLang="en-US" sz="2200" dirty="0" smtClean="0"/>
+              <a:t>češće se </a:t>
+            </a:r>
+            <a:r>
+              <a:rPr lang="sr-Latn-RS" altLang="en-US" sz="2200" dirty="0"/>
+              <a:t>koristi jedinica Megabit </a:t>
+            </a:r>
+            <a:r>
+              <a:rPr lang="sr-Latn-RS" altLang="en-US" sz="2200" dirty="0" smtClean="0"/>
+              <a:t>u </a:t>
+            </a:r>
+            <a:r>
+              <a:rPr lang="sr-Latn-RS" altLang="en-US" sz="2200" dirty="0"/>
+              <a:t>sekundi  Mbps, ili Gigabit </a:t>
+            </a:r>
+            <a:r>
+              <a:rPr lang="sr-Latn-RS" altLang="en-US" sz="2200" dirty="0" smtClean="0"/>
+              <a:t>u </a:t>
+            </a:r>
+            <a:r>
+              <a:rPr lang="sr-Latn-RS" altLang="en-US" sz="2200" dirty="0"/>
+              <a:t>sekundi  </a:t>
+            </a:r>
+            <a:r>
+              <a:rPr lang="sr-Latn-RS" altLang="en-US" sz="2200" dirty="0" err="1" smtClean="0"/>
+              <a:t>Gbps</a:t>
+            </a:r>
+            <a:r>
+              <a:rPr lang="sr-Latn-RS" altLang="en-US" sz="2200" dirty="0" smtClean="0"/>
+              <a:t> </a:t>
+            </a:r>
+          </a:p>
+          <a:p>
+            <a:r>
+              <a:rPr lang="sr-Latn-RS" dirty="0" smtClean="0"/>
+              <a:t>Druga važna mera kvaliteta je </a:t>
+            </a:r>
+            <a:r>
+              <a:rPr lang="it-IT" dirty="0" smtClean="0">
+                <a:solidFill>
+                  <a:srgbClr val="00B050"/>
+                </a:solidFill>
+              </a:rPr>
+              <a:t>ka</a:t>
+            </a:r>
+            <a:r>
+              <a:rPr lang="sr-Latn-RS" dirty="0" smtClean="0">
+                <a:solidFill>
+                  <a:srgbClr val="00B050"/>
+                </a:solidFill>
+              </a:rPr>
+              <a:t>š</a:t>
+            </a:r>
+            <a:r>
+              <a:rPr lang="it-IT" dirty="0" err="1" smtClean="0">
+                <a:solidFill>
+                  <a:srgbClr val="00B050"/>
+                </a:solidFill>
+              </a:rPr>
+              <a:t>njenje</a:t>
+            </a:r>
+            <a:r>
+              <a:rPr lang="it-IT" dirty="0" smtClean="0"/>
+              <a:t> </a:t>
+            </a:r>
+            <a:r>
+              <a:rPr lang="it-IT" dirty="0"/>
+              <a:t>(</a:t>
+            </a:r>
+            <a:r>
+              <a:rPr lang="it-IT" dirty="0" err="1"/>
+              <a:t>latency</a:t>
+            </a:r>
+            <a:r>
+              <a:rPr lang="it-IT" dirty="0"/>
+              <a:t>) </a:t>
+            </a:r>
+            <a:r>
+              <a:rPr lang="sr-Latn-RS" dirty="0" smtClean="0"/>
+              <a:t>-</a:t>
+            </a:r>
+            <a:r>
+              <a:rPr lang="it-IT" dirty="0" smtClean="0"/>
+              <a:t> </a:t>
+            </a:r>
+            <a:r>
+              <a:rPr lang="it-IT" dirty="0" err="1"/>
+              <a:t>vreme</a:t>
+            </a:r>
+            <a:r>
+              <a:rPr lang="it-IT" dirty="0"/>
+              <a:t> </a:t>
+            </a:r>
+            <a:r>
+              <a:rPr lang="it-IT" dirty="0" err="1"/>
+              <a:t>potrebno</a:t>
+            </a:r>
+            <a:r>
+              <a:rPr lang="it-IT" dirty="0"/>
+              <a:t> da se </a:t>
+            </a:r>
+            <a:r>
+              <a:rPr lang="it-IT" dirty="0" err="1"/>
+              <a:t>komponenta</a:t>
+            </a:r>
+            <a:r>
+              <a:rPr lang="it-IT" dirty="0"/>
+              <a:t> </a:t>
+            </a:r>
+            <a:r>
+              <a:rPr lang="it-IT" dirty="0" err="1"/>
+              <a:t>pripremi</a:t>
+            </a:r>
+            <a:r>
+              <a:rPr lang="it-IT" dirty="0"/>
+              <a:t> </a:t>
+            </a:r>
+            <a:r>
+              <a:rPr lang="it-IT" dirty="0" smtClean="0"/>
+              <a:t>za</a:t>
+            </a:r>
+            <a:r>
+              <a:rPr lang="sr-Latn-RS" dirty="0" smtClean="0"/>
+              <a:t> pristup </a:t>
+            </a:r>
+            <a:r>
+              <a:rPr lang="sr-Latn-RS" dirty="0"/>
+              <a:t>podacima (meri se u </a:t>
+            </a:r>
+            <a:r>
+              <a:rPr lang="sr-Latn-RS" dirty="0" err="1"/>
+              <a:t>mikrosekundama</a:t>
+            </a:r>
+            <a:r>
+              <a:rPr lang="sr-Latn-RS" dirty="0"/>
+              <a:t> u lokalnim </a:t>
+            </a:r>
+            <a:r>
+              <a:rPr lang="sr-Latn-RS" dirty="0" smtClean="0"/>
+              <a:t>mrežama i </a:t>
+            </a:r>
+            <a:r>
+              <a:rPr lang="sr-Latn-RS" dirty="0" err="1" smtClean="0"/>
+              <a:t>milisekundama</a:t>
+            </a:r>
+            <a:r>
+              <a:rPr lang="sr-Latn-RS" dirty="0" smtClean="0"/>
+              <a:t> </a:t>
+            </a:r>
+            <a:r>
+              <a:rPr lang="sr-Latn-RS" dirty="0"/>
+              <a:t>u okviru </a:t>
+            </a:r>
+            <a:r>
+              <a:rPr lang="sr-Latn-RS" dirty="0" smtClean="0"/>
+              <a:t>većih </a:t>
+            </a:r>
+            <a:r>
+              <a:rPr lang="sr-Latn-RS" dirty="0" err="1"/>
+              <a:t>mreza</a:t>
+            </a:r>
+            <a:r>
+              <a:rPr lang="sr-Latn-RS" dirty="0"/>
+              <a:t>)</a:t>
             </a:r>
           </a:p>
           <a:p>
             <a:pPr eaLnBrk="1" hangingPunct="1"/>
-            <a:r>
-              <a:rPr lang="sr-Latn-RS" altLang="en-US" dirty="0" smtClean="0"/>
-              <a:t>Uzimajući </a:t>
-            </a:r>
-            <a:r>
-              <a:rPr lang="sr-Latn-RS" altLang="en-US" dirty="0"/>
-              <a:t>u obzir aktuelne tehnologije prenosa na </a:t>
-            </a:r>
-            <a:r>
-              <a:rPr lang="sr-Latn-RS" altLang="en-US" dirty="0" smtClean="0"/>
-              <a:t>ra</a:t>
-            </a:r>
-            <a:r>
-              <a:rPr lang="sr-Latn-RS" altLang="en-US" dirty="0"/>
-              <a:t>č</a:t>
-            </a:r>
-            <a:r>
-              <a:rPr lang="sr-Latn-RS" altLang="en-US" dirty="0" smtClean="0"/>
-              <a:t>unarskim mre</a:t>
-            </a:r>
-            <a:r>
-              <a:rPr lang="sr-Latn-RS" altLang="en-US" dirty="0"/>
-              <a:t>ž</a:t>
-            </a:r>
-            <a:r>
-              <a:rPr lang="sr-Latn-RS" altLang="en-US" dirty="0" smtClean="0"/>
-              <a:t>ama</a:t>
-            </a:r>
-            <a:r>
-              <a:rPr lang="sr-Latn-RS" altLang="en-US" dirty="0"/>
-              <a:t>, </a:t>
-            </a:r>
-            <a:r>
-              <a:rPr lang="sr-Latn-RS" altLang="en-US" dirty="0" smtClean="0"/>
-              <a:t>češće se </a:t>
-            </a:r>
-            <a:r>
-              <a:rPr lang="sr-Latn-RS" altLang="en-US" dirty="0"/>
-              <a:t>koristi jedinica Megabit </a:t>
-            </a:r>
-            <a:r>
-              <a:rPr lang="sr-Latn-RS" altLang="en-US" dirty="0" smtClean="0"/>
-              <a:t>u </a:t>
-            </a:r>
-            <a:r>
-              <a:rPr lang="sr-Latn-RS" altLang="en-US" dirty="0"/>
-              <a:t>sekundi  Mbps, ili Gigabit </a:t>
-            </a:r>
-            <a:r>
-              <a:rPr lang="sr-Latn-RS" altLang="en-US" dirty="0" smtClean="0"/>
-              <a:t>u </a:t>
-            </a:r>
-            <a:r>
-              <a:rPr lang="sr-Latn-RS" altLang="en-US" dirty="0"/>
-              <a:t>sekundi  </a:t>
-            </a:r>
-            <a:r>
-              <a:rPr lang="sr-Latn-RS" altLang="en-US" dirty="0" smtClean="0"/>
-              <a:t>Gbps </a:t>
-            </a:r>
-          </a:p>
-          <a:p>
-            <a:pPr eaLnBrk="1" hangingPunct="1"/>
-            <a:r>
-              <a:rPr lang="sr-Latn-RS" altLang="en-US" dirty="0" smtClean="0"/>
-              <a:t>Brzina </a:t>
-            </a:r>
-            <a:r>
-              <a:rPr lang="sr-Latn-RS" altLang="en-US" dirty="0"/>
-              <a:t>prenosa je </a:t>
-            </a:r>
-            <a:r>
-              <a:rPr lang="sr-Latn-RS" altLang="en-US" dirty="0" smtClean="0"/>
-              <a:t>fizi</a:t>
-            </a:r>
-            <a:r>
-              <a:rPr lang="sr-Latn-RS" altLang="en-US" dirty="0"/>
-              <a:t>č</a:t>
-            </a:r>
-            <a:r>
-              <a:rPr lang="sr-Latn-RS" altLang="en-US" dirty="0" smtClean="0"/>
-              <a:t>ka </a:t>
-            </a:r>
-            <a:r>
-              <a:rPr lang="sr-Latn-RS" altLang="en-US" dirty="0"/>
-              <a:t>karakteristika </a:t>
-            </a:r>
-            <a:r>
-              <a:rPr lang="sr-Latn-RS" altLang="en-US" dirty="0" smtClean="0"/>
-              <a:t>komunikacionog kanala </a:t>
-            </a:r>
-            <a:r>
-              <a:rPr lang="sr-Latn-RS" altLang="en-US" dirty="0"/>
-              <a:t>i zavisi od frekvencijskog </a:t>
-            </a:r>
-            <a:r>
-              <a:rPr lang="sr-Latn-RS" altLang="en-US" dirty="0" smtClean="0"/>
-              <a:t>opsega koji </a:t>
-            </a:r>
-            <a:r>
-              <a:rPr lang="sr-Latn-RS" altLang="en-US" dirty="0"/>
-              <a:t>se </a:t>
-            </a:r>
-            <a:r>
-              <a:rPr lang="sr-Latn-RS" altLang="en-US" dirty="0" smtClean="0"/>
-              <a:t>mo</a:t>
-            </a:r>
-            <a:r>
-              <a:rPr lang="sr-Latn-RS" altLang="en-US" dirty="0"/>
-              <a:t>ž</a:t>
-            </a:r>
-            <a:r>
-              <a:rPr lang="sr-Latn-RS" altLang="en-US" dirty="0" smtClean="0"/>
-              <a:t>e propustiti kroz </a:t>
-            </a:r>
-            <a:r>
-              <a:rPr lang="sr-Latn-RS" altLang="en-US" dirty="0"/>
-              <a:t>kanal bez gubitka </a:t>
-            </a:r>
-            <a:r>
-              <a:rPr lang="sr-Latn-RS" altLang="en-US" dirty="0" smtClean="0"/>
-              <a:t>signala</a:t>
-            </a:r>
-            <a:endParaRPr lang="en-US" altLang="en-US" sz="2200" dirty="0" smtClean="0"/>
+            <a:endParaRPr lang="sr-Latn-RS" altLang="en-US" dirty="0" smtClean="0"/>
           </a:p>
         </p:txBody>
       </p:sp>
@@ -6566,33 +6514,15 @@
                                   </p:childTnLst>
                                 </p:cTn>
                               </p:par>
-                            </p:childTnLst>
-                          </p:cTn>
-                        </p:par>
-                      </p:childTnLst>
-                    </p:cTn>
-                  </p:par>
-                  <p:par>
-                    <p:cTn id="13" fill="hold">
-                      <p:stCondLst>
-                        <p:cond delay="indefinite"/>
-                      </p:stCondLst>
-                      <p:childTnLst>
-                        <p:par>
-                          <p:cTn id="14" fill="hold">
-                            <p:stCondLst>
-                              <p:cond delay="0"/>
-                            </p:stCondLst>
-                            <p:childTnLst>
                               <p:par>
-                                <p:cTn id="15" presetID="10" presetClass="entr" presetSubtype="0" fill="hold" nodeType="clickEffect">
+                                <p:cTn id="13" presetID="10" presetClass="entr" presetSubtype="0" fill="hold" nodeType="withEffect">
                                   <p:stCondLst>
                                     <p:cond delay="0"/>
                                   </p:stCondLst>
                                   <p:childTnLst>
                                     <p:set>
                                       <p:cBhvr>
-                                        <p:cTn id="16" dur="1" fill="hold">
+                                        <p:cTn id="14" dur="1" fill="hold">
                                           <p:stCondLst>
                                             <p:cond delay="0"/>
                                           </p:stCondLst>
@@ -6614,7 +6544,7 @@
                                     </p:set>
                                     <p:animEffect transition="in" filter="fade">
                                       <p:cBhvr>
-                                        <p:cTn id="17" dur="500"/>
+                                        <p:cTn id="15" dur="500"/>
                                         <p:tgtEl>
                                           <p:spTgt spid="29701">
                                             <p:txEl>
@@ -6634,26 +6564,26 @@
                     </p:cTn>
                   </p:par>
                   <p:par>
-                    <p:cTn id="18" fill="hold">
+                    <p:cTn id="16" fill="hold">
                       <p:stCondLst>
                         <p:cond delay="indefinite"/>
                       </p:stCondLst>
                       <p:childTnLst>
                         <p:par>
-                          <p:cTn id="19" fill="hold">
+                          <p:cTn id="17" fill="hold">
                             <p:stCondLst>
                               <p:cond delay="0"/>
                             </p:stCondLst>
                             <p:childTnLst>
                               <p:par>
-                                <p:cTn id="20" presetID="10" presetClass="entr" presetSubtype="0" fill="hold" nodeType="clickEffect">
+                                <p:cTn id="18" presetID="10" presetClass="entr" presetSubtype="0" fill="hold" nodeType="clickEffect">
                                   <p:stCondLst>
                                     <p:cond delay="0"/>
                                   </p:stCondLst>
                                   <p:childTnLst>
                                     <p:set>
                                       <p:cBhvr>
-                                        <p:cTn id="21" dur="1" fill="hold">
+                                        <p:cTn id="19" dur="1" fill="hold">
                                           <p:stCondLst>
                                             <p:cond delay="0"/>
                                           </p:stCondLst>
@@ -6675,7 +6605,7 @@
                                     </p:set>
                                     <p:animEffect transition="in" filter="fade">
                                       <p:cBhvr>
-                                        <p:cTn id="22" dur="500"/>
+                                        <p:cTn id="20" dur="500"/>
                                         <p:tgtEl>
                                           <p:spTgt spid="29701">
                                             <p:txEl>
@@ -6790,11 +6720,19 @@
           <a:lstStyle/>
           <a:p>
             <a:pPr eaLnBrk="1" hangingPunct="1"/>
-            <a:endParaRPr lang="sr-Latn-RS" altLang="en-US" dirty="0" smtClean="0"/>
-          </a:p>
-          <a:p>
-            <a:pPr eaLnBrk="1" hangingPunct="1"/>
-            <a:endParaRPr lang="sr-Latn-RS" altLang="en-US" dirty="0"/>
+            <a:r>
+              <a:rPr lang="sr-Latn-RS" altLang="en-US" dirty="0"/>
+              <a:t>Brzina prenosa je fizička karakteristika komunikacionog kanala i zavisi od </a:t>
+            </a:r>
+            <a:r>
+              <a:rPr lang="sr-Latn-RS" altLang="en-US" dirty="0" err="1"/>
+              <a:t>frekvencijskog</a:t>
+            </a:r>
+            <a:r>
+              <a:rPr lang="sr-Latn-RS" altLang="en-US" dirty="0"/>
+              <a:t> opsega koji se može propustiti kroz kanal bez gubitka signala</a:t>
+            </a:r>
+            <a:endParaRPr lang="en-US" altLang="en-US" dirty="0"/>
           </a:p>
           <a:p>
             <a:pPr eaLnBrk="1" hangingPunct="1"/>
@@ -6825,7 +6763,9 @@
             <a:endParaRPr lang="sr-Latn-RS" altLang="en-US" dirty="0" smtClean="0"/>
           </a:p>
           <a:p>
-            <a:pPr eaLnBrk="1" hangingPunct="1"/>
+            <a:pPr marL="0" indent="0" eaLnBrk="1" hangingPunct="1">
+              <a:buNone/>
+            </a:pPr>
             <a:endParaRPr lang="sr-Latn-RS" altLang="en-US" dirty="0"/>
           </a:p>
           <a:p>
@@ -6870,8 +6810,8 @@
         </p:nvGrpSpPr>
         <p:grpSpPr>
           <a:xfrm>
-            <a:off x="1313563" y="1214933"/>
-            <a:ext cx="6426789" cy="3978811"/>
+            <a:off x="1547664" y="2564904"/>
+            <a:ext cx="5778717" cy="3204904"/>
             <a:chOff x="1313563" y="1214933"/>
             <a:chExt cx="6426789" cy="3978811"/>
           </a:xfrm>
@@ -7009,6 +6949,9 @@
                     <p:cTn id="3" fill="hold">
                       <p:stCondLst>
                         <p:cond delay="indefinite"/>
+                        <p:cond evt="onBegin" delay="0">
+                          <p:tn val="2"/>
+                        </p:cond>
                       </p:stCondLst>
                       <p:childTnLst>
                         <p:par>
@@ -7018,7 +6961,7 @@
                             </p:stCondLst>
                             <p:childTnLst>
                               <p:par>
-                                <p:cTn id="5" presetID="10" presetClass="entr" presetSubtype="0" fill="hold" nodeType="clickEffect">
+                                <p:cTn id="5" presetID="10" presetClass="entr" presetSubtype="0" fill="hold" nodeType="withEffect">
                                   <p:stCondLst>
                                     <p:cond delay="0"/>
                                   </p:stCondLst>
@@ -7031,7 +6974,11 @@
                                           </p:stCondLst>
                                         </p:cTn>
                                         <p:tgtEl>
-                                          <p:spTgt spid="5"/>
+                                          <p:spTgt spid="29701">
+                                            <p:txEl>
+                                              <p:pRg st="0" end="0"/>
+                                            </p:txEl>
+                                          </p:spTgt>
                                         </p:tgtEl>
                                         <p:attrNameLst>
                                           <p:attrName>style.visibility</p:attrName>
@@ -7045,6 +6992,63 @@
                                       <p:cBhvr>
                                         <p:cTn id="7" dur="500"/>
                                         <p:tgtEl>
+                                          <p:spTgt spid="29701">
+                                            <p:txEl>
+                                              <p:pRg st="0" end="0"/>
+                                            </p:txEl>
+                                          </p:spTgt>
+                                        </p:tgtEl>
+                                      </p:cBhvr>
+                                    </p:animEffect>
+                                  </p:childTnLst>
+                                </p:cTn>
+                              </p:par>
+                            </p:childTnLst>
+                          </p:cTn>
+                        </p:par>
+                      </p:childTnLst>
+                    </p:cTn>
+                  </p:par>
+                  <p:par>
+                    <p:cTn id="8" fill="hold">
+                      <p:stCondLst>
+                        <p:cond delay="indefinite"/>
+                      </p:stCondLst>
+                      <p:childTnLst>
+                        <p:par>
+                          <p:cTn id="9" fill="hold">
+                            <p:stCondLst>
+                              <p:cond delay="0"/>
+                            </p:stCondLst>
+                            <p:childTnLst>
+                              <p:par>
+                                <p:cTn id="10" presetID="10" presetClass="entr" presetSubtype="0" fill="hold" nodeType="clickEffect">
+                                  <p:stCondLst>
+                                    <p:cond delay="0"/>
+                                  </p:stCondLst>
+                                  <p:childTnLst>
+                                    <p:set>
+                                      <p:cBhvr>
+                                        <p:cTn id="11" dur="1" fill="hold">
+                                          <p:stCondLst>
+                                            <p:cond delay="0"/>
+                                          </p:stCondLst>
+                                        </p:cTn>
+                                        <p:tgtEl>
+                                          <p:spTgt spid="5"/>
+                                        </p:tgtEl>
+                                        <p:attrNameLst>
+                                          <p:attrName>style.visibility</p:attrName>
+                                        </p:attrNameLst>
+                                      </p:cBhvr>
+                                      <p:to>
+                                        <p:strVal val="visible"/>
+                                      </p:to>
+                                    </p:set>
+                                    <p:animEffect transition="in" filter="fade">
+                                      <p:cBhvr>
+                                        <p:cTn id="12" dur="500"/>
+                                        <p:tgtEl>
                                           <p:spTgt spid="5"/>
                                         </p:tgtEl>
                                       </p:cBhvr>
@@ -7053,14 +7057,14 @@
                                 </p:cTn>
                               </p:par>
                               <p:par>
-                                <p:cTn id="8" presetID="10" presetClass="entr" presetSubtype="0" fill="hold" nodeType="withEffect">
+                                <p:cTn id="13" presetID="10" presetClass="entr" presetSubtype="0" fill="hold" nodeType="withEffect">
                                   <p:stCondLst>
                                     <p:cond delay="0"/>
                                   </p:stCondLst>
                                   <p:childTnLst>
                                     <p:set>
                                       <p:cBhvr>
-                                        <p:cTn id="9" dur="1" fill="hold">
+                                        <p:cTn id="14" dur="1" fill="hold">
                                           <p:stCondLst>
                                             <p:cond delay="0"/>
                                           </p:stCondLst>
@@ -7068,7 +7072,7 @@
                                         <p:tgtEl>
                                           <p:spTgt spid="29701">
                                             <p:txEl>
-                                              <p:pRg st="10" end="10"/>
+                                              <p:pRg st="9" end="9"/>
                                             </p:txEl>
                                           </p:spTgt>
                                         </p:tgtEl>
@@ -7082,11 +7086,11 @@
                                     </p:set>
                                     <p:animEffect transition="in" filter="fade">
                                       <p:cBhvr>
-                                        <p:cTn id="10" dur="500"/>
-                                        <p:tgtEl>
-                                          <p:spTgt spid="29701">
-                                            <p:txEl>
-                                              <p:pRg st="10" end="10"/>
+                                        <p:cTn id="15" dur="500"/>
+                                        <p:tgtEl>
+                                          <p:spTgt spid="29701">
+                                            <p:txEl>
+                                              <p:pRg st="9" end="9"/>
                                             </p:txEl>
                                           </p:spTgt>
                                         </p:tgtEl>
@@ -7297,224 +7301,309 @@
           <a:p>
             <a:pPr lvl="2" eaLnBrk="1" hangingPunct="1"/>
             <a:r>
-              <a:rPr lang="sr-Latn-RS" altLang="en-US" dirty="0" smtClean="0"/>
-              <a:t>Razlikuju </a:t>
-            </a:r>
-            <a:r>
-              <a:rPr lang="sr-Latn-RS" altLang="en-US" dirty="0"/>
-              <a:t>se </a:t>
-            </a:r>
-            <a:r>
-              <a:rPr lang="sr-Latn-RS" altLang="en-US" dirty="0" smtClean="0"/>
-              <a:t>obi</a:t>
-            </a:r>
-            <a:r>
-              <a:rPr lang="sr-Latn-RS" altLang="en-US" dirty="0"/>
-              <a:t>č</a:t>
-            </a:r>
-            <a:r>
-              <a:rPr lang="sr-Latn-RS" altLang="en-US" dirty="0" smtClean="0"/>
-              <a:t>no </a:t>
-            </a:r>
-            <a:r>
-              <a:rPr lang="sr-Latn-RS" altLang="en-US" dirty="0"/>
-              <a:t>kablovi kategorije </a:t>
-            </a:r>
-            <a:r>
-              <a:rPr lang="sr-Latn-RS" altLang="en-US" dirty="0" smtClean="0"/>
-              <a:t>3 koji </a:t>
-            </a:r>
-            <a:r>
-              <a:rPr lang="sr-Latn-RS" altLang="en-US" dirty="0"/>
-              <a:t>se koriste u telefoniji i kablovi kategorije 5 koji se koriste </a:t>
-            </a:r>
-            <a:r>
-              <a:rPr lang="sr-Latn-RS" altLang="en-US" dirty="0" smtClean="0"/>
-              <a:t>za povezivanje računara</a:t>
-            </a:r>
-          </a:p>
-          <a:p>
-            <a:pPr lvl="2" eaLnBrk="1" hangingPunct="1"/>
-            <a:r>
-              <a:rPr lang="en-US" altLang="en-US" dirty="0" err="1" smtClean="0"/>
-              <a:t>Brzina</a:t>
+              <a:rPr lang="sr-Latn-RS" altLang="en-US" dirty="0"/>
+              <a:t>UTP kablovi (</a:t>
+            </a:r>
+            <a:r>
+              <a:rPr lang="sr-Latn-RS" altLang="en-US" dirty="0" err="1"/>
+              <a:t>unshielded</a:t>
+            </a:r>
+            <a:r>
+              <a:rPr lang="sr-Latn-RS" altLang="en-US" dirty="0"/>
+              <a:t> </a:t>
+            </a:r>
+            <a:r>
+              <a:rPr lang="sr-Latn-RS" altLang="en-US" dirty="0" err="1"/>
+              <a:t>twisted</a:t>
+            </a:r>
+            <a:r>
+              <a:rPr lang="sr-Latn-RS" altLang="en-US" dirty="0"/>
+              <a:t> </a:t>
+            </a:r>
+            <a:r>
+              <a:rPr lang="sr-Latn-RS" altLang="en-US" dirty="0" err="1"/>
+              <a:t>pair</a:t>
+            </a:r>
+            <a:r>
+              <a:rPr lang="sr-Latn-RS" altLang="en-US" dirty="0"/>
+              <a:t>) kategorije 3 koriste se u </a:t>
+            </a:r>
+            <a:r>
+              <a:rPr lang="en-US" altLang="en-US" dirty="0" smtClean="0"/>
+              <a:t>fi</a:t>
+            </a:r>
+            <a:r>
+              <a:rPr lang="sr-Latn-RS" altLang="en-US" dirty="0" err="1" smtClean="0"/>
+              <a:t>ksnoj</a:t>
             </a:r>
             <a:r>
               <a:rPr lang="en-US" altLang="en-US" dirty="0" smtClean="0"/>
               <a:t> </a:t>
             </a:r>
             <a:r>
-              <a:rPr lang="en-US" altLang="en-US" dirty="0" err="1"/>
-              <a:t>prenosa</a:t>
-            </a:r>
-            <a:r>
-              <a:rPr lang="en-US" altLang="en-US" dirty="0"/>
+              <a:rPr lang="sr-Latn-RS" altLang="en-US" dirty="0" smtClean="0"/>
+              <a:t>telefoniji</a:t>
+            </a:r>
+            <a:r>
+              <a:rPr lang="sr-Latn-RS" altLang="en-US" dirty="0"/>
+              <a:t>, a kategorije 5 ili 6 u lokalnim </a:t>
+            </a:r>
+            <a:r>
+              <a:rPr lang="sr-Latn-RS" altLang="en-US" dirty="0" smtClean="0"/>
+              <a:t>mrežama</a:t>
+            </a:r>
+            <a:r>
+              <a:rPr lang="sr-Latn-RS" altLang="en-US" dirty="0"/>
+              <a:t>; protok oko </a:t>
+            </a:r>
+            <a:r>
+              <a:rPr lang="sr-Latn-RS" altLang="en-US" dirty="0" smtClean="0"/>
+              <a:t>100 </a:t>
+            </a:r>
+            <a:r>
+              <a:rPr lang="sr-Latn-RS" altLang="en-US" dirty="0" err="1" smtClean="0"/>
+              <a:t>Mbps</a:t>
+            </a:r>
+            <a:r>
+              <a:rPr lang="sr-Latn-RS" altLang="en-US" dirty="0" smtClean="0"/>
               <a:t> </a:t>
             </a:r>
             <a:r>
-              <a:rPr lang="en-US" altLang="en-US" dirty="0" err="1"/>
-              <a:t>kroz</a:t>
-            </a:r>
-            <a:r>
-              <a:rPr lang="en-US" altLang="en-US" dirty="0"/>
+              <a:rPr lang="sr-Latn-RS" altLang="en-US" dirty="0"/>
+              <a:t>(brzi Ethernet), pa i 1 </a:t>
+            </a:r>
+            <a:r>
+              <a:rPr lang="sr-Latn-RS" altLang="en-US" dirty="0" err="1"/>
+              <a:t>Gbps</a:t>
+            </a:r>
+            <a:r>
+              <a:rPr lang="sr-Latn-RS" altLang="en-US" dirty="0"/>
+              <a:t> (</a:t>
+            </a:r>
+            <a:r>
+              <a:rPr lang="sr-Latn-RS" altLang="en-US" dirty="0" err="1"/>
+              <a:t>gigabitni</a:t>
+            </a:r>
+            <a:r>
+              <a:rPr lang="sr-Latn-RS" altLang="en-US" dirty="0"/>
               <a:t> </a:t>
             </a:r>
             <a:r>
-              <a:rPr lang="en-US" altLang="en-US" dirty="0" err="1"/>
-              <a:t>ovakav</a:t>
-            </a:r>
-            <a:r>
-              <a:rPr lang="en-US" altLang="en-US" dirty="0"/>
-              <a:t> </a:t>
-            </a:r>
-            <a:r>
-              <a:rPr lang="en-US" altLang="en-US" dirty="0" err="1"/>
-              <a:t>medijum</a:t>
-            </a:r>
-            <a:r>
-              <a:rPr lang="en-US" altLang="en-US" dirty="0"/>
-              <a:t> </a:t>
-            </a:r>
-            <a:r>
-              <a:rPr lang="en-US" altLang="en-US" dirty="0" smtClean="0"/>
-              <a:t>obi</a:t>
-            </a:r>
-            <a:r>
-              <a:rPr lang="sr-Latn-RS" altLang="en-US" dirty="0" smtClean="0"/>
-              <a:t>č</a:t>
-            </a:r>
-            <a:r>
-              <a:rPr lang="en-US" altLang="en-US" dirty="0" smtClean="0"/>
-              <a:t>no </a:t>
-            </a:r>
-            <a:r>
-              <a:rPr lang="en-US" altLang="en-US" dirty="0" err="1"/>
-              <a:t>varira</a:t>
-            </a:r>
-            <a:r>
-              <a:rPr lang="en-US" altLang="en-US" dirty="0"/>
-              <a:t> od 2Mbps do </a:t>
-            </a:r>
-            <a:r>
-              <a:rPr lang="en-US" altLang="en-US" dirty="0" smtClean="0"/>
-              <a:t>100Mbps</a:t>
-            </a:r>
-            <a:endParaRPr lang="en-US" altLang="en-US" dirty="0"/>
-          </a:p>
-          <a:p>
-            <a:pPr lvl="1" eaLnBrk="1" hangingPunct="1"/>
+              <a:rPr lang="sr-Latn-RS" altLang="en-US" dirty="0" err="1"/>
+              <a:t>Ehternet</a:t>
+            </a:r>
+            <a:r>
+              <a:rPr lang="sr-Latn-RS" altLang="en-US" dirty="0"/>
+              <a:t>)</a:t>
+            </a:r>
             <a:endParaRPr lang="en-US" altLang="en-US" sz="2000" dirty="0" smtClean="0"/>
           </a:p>
         </p:txBody>
       </p:sp>
-      <p:pic>
-        <p:nvPicPr>
-          <p:cNvPr id="1026" name="Picture 2"/>
-          <p:cNvPicPr>
-            <a:picLocks noChangeAspect="1" noChangeArrowheads="1"/>
-          </p:cNvPicPr>
+      <p:grpSp>
+        <p:nvGrpSpPr>
+          <p:cNvPr id="3" name="Group 2"/>
+          <p:cNvGrpSpPr/>
           <p:nvPr/>
-        </p:nvPicPr>
-        <p:blipFill>
-          <a:blip r:embed="rId2">
+        </p:nvGrpSpPr>
+        <p:grpSpPr>
+          <a:xfrm>
+            <a:off x="35496" y="4077072"/>
+            <a:ext cx="5688632" cy="1056892"/>
+            <a:chOff x="35496" y="4077072"/>
+            <a:chExt cx="5688632" cy="1056892"/>
+          </a:xfrm>
+        </p:grpSpPr>
+        <p:pic>
+          <p:nvPicPr>
+            <p:cNvPr id="2" name="Picture 2"/>
+            <p:cNvPicPr>
+              <a:picLocks noChangeAspect="1" noChangeArrowheads="1"/>
+            </p:cNvPicPr>
+            <p:nvPr/>
+          </p:nvPicPr>
+          <p:blipFill>
+            <a:blip r:embed="rId2">
+              <a:extLst>
+                <a:ext uri="{28A0092B-C50C-407E-A947-70E740481C1C}">
+                  <a14:useLocalDpi xmlns:a14="http://schemas.microsoft.com/office/drawing/2010/main" val="0"/>
+                </a:ext>
+              </a:extLst>
+            </a:blip>
+            <a:srcRect/>
+            <a:stretch>
+              <a:fillRect/>
+            </a:stretch>
+          </p:blipFill>
+          <p:spPr bwMode="auto">
+            <a:xfrm>
+              <a:off x="35496" y="4077072"/>
+              <a:ext cx="5688632" cy="779893"/>
+            </a:xfrm>
+            <a:prstGeom prst="rect">
+              <a:avLst/>
+            </a:prstGeom>
+            <a:noFill/>
+            <a:ln>
+              <a:noFill/>
+            </a:ln>
             <a:extLst>
-              <a:ext uri="{28A0092B-C50C-407E-A947-70E740481C1C}">
-                <a14:useLocalDpi xmlns:a14="http://schemas.microsoft.com/office/drawing/2010/main" val="0"/>
+              <a:ext uri="{909E8E84-426E-40DD-AFC4-6F175D3DCCD1}">
+                <a14:hiddenFill xmlns:a14="http://schemas.microsoft.com/office/drawing/2010/main">
+                  <a:solidFill>
+                    <a:schemeClr val="accent1"/>
+                  </a:solidFill>
+                </a14:hiddenFill>
+              </a:ext>
+              <a:ext uri="{91240B29-F687-4F45-9708-019B960494DF}">
+                <a14:hiddenLine xmlns:a14="http://schemas.microsoft.com/office/drawing/2010/main" w="9525">
+                  <a:solidFill>
+                    <a:schemeClr val="tx1"/>
+                  </a:solidFill>
+                  <a:miter lim="800000"/>
+                  <a:headEnd/>
+                  <a:tailEnd/>
+                </a14:hiddenLine>
               </a:ext>
             </a:extLst>
-          </a:blip>
-          <a:srcRect/>
-          <a:stretch>
-            <a:fillRect/>
-          </a:stretch>
-        </p:blipFill>
-        <p:spPr bwMode="auto">
+          </p:spPr>
+        </p:pic>
+        <p:sp>
+          <p:nvSpPr>
+            <p:cNvPr id="6" name="TextBox 5"/>
+            <p:cNvSpPr txBox="1"/>
+            <p:nvPr/>
+          </p:nvSpPr>
+          <p:spPr>
+            <a:xfrm>
+              <a:off x="1763688" y="4856965"/>
+              <a:ext cx="2444900" cy="276999"/>
+            </a:xfrm>
+            <a:prstGeom prst="rect">
+              <a:avLst/>
+            </a:prstGeom>
+            <a:noFill/>
+          </p:spPr>
+          <p:txBody>
+            <a:bodyPr wrap="none" rtlCol="0">
+              <a:spAutoFit/>
+            </a:bodyPr>
+            <a:lstStyle/>
+            <a:p>
+              <a:r>
+                <a:rPr lang="sr-Latn-RS" sz="1200" dirty="0" smtClean="0">
+                  <a:latin typeface="+mn-lt"/>
+                </a:rPr>
+                <a:t>Shematski prikaz ukrštene parice</a:t>
+              </a:r>
+              <a:endParaRPr lang="sr-Latn-RS" sz="1200" dirty="0">
+                <a:latin typeface="+mn-lt"/>
+              </a:endParaRPr>
+            </a:p>
+          </p:txBody>
+        </p:sp>
+      </p:grpSp>
+      <p:grpSp>
+        <p:nvGrpSpPr>
+          <p:cNvPr id="4" name="Group 3"/>
+          <p:cNvGrpSpPr/>
+          <p:nvPr/>
+        </p:nvGrpSpPr>
+        <p:grpSpPr>
           <a:xfrm>
-            <a:off x="4059113" y="4293096"/>
-            <a:ext cx="4905375" cy="2286000"/>
+            <a:off x="4687793" y="4725144"/>
+            <a:ext cx="4440183" cy="2051664"/>
+            <a:chOff x="4687793" y="4725144"/>
+            <a:chExt cx="4440183" cy="2051664"/>
           </a:xfrm>
-          <a:prstGeom prst="rect">
-            <a:avLst/>
-          </a:prstGeom>
-          <a:noFill/>
-          <a:ln>
+        </p:grpSpPr>
+        <p:pic>
+          <p:nvPicPr>
+            <p:cNvPr id="1026" name="Picture 2"/>
+            <p:cNvPicPr>
+              <a:picLocks noChangeAspect="1" noChangeArrowheads="1"/>
+            </p:cNvPicPr>
+            <p:nvPr/>
+          </p:nvPicPr>
+          <p:blipFill rotWithShape="1">
+            <a:blip r:embed="rId3">
+              <a:extLst>
+                <a:ext uri="{28A0092B-C50C-407E-A947-70E740481C1C}">
+                  <a14:useLocalDpi xmlns:a14="http://schemas.microsoft.com/office/drawing/2010/main" val="0"/>
+                </a:ext>
+              </a:extLst>
+            </a:blip>
+            <a:srcRect l="9483" t="10251"/>
+            <a:stretch/>
+          </p:blipFill>
+          <p:spPr bwMode="auto">
+            <a:xfrm>
+              <a:off x="4687793" y="4725144"/>
+              <a:ext cx="4440183" cy="2051664"/>
+            </a:xfrm>
+            <a:prstGeom prst="rect">
+              <a:avLst/>
+            </a:prstGeom>
             <a:noFill/>
-          </a:ln>
-          <a:extLst>
-            <a:ext uri="{909E8E84-426E-40DD-AFC4-6F175D3DCCD1}">
-              <a14:hiddenFill xmlns:a14="http://schemas.microsoft.com/office/drawing/2010/main">
-                <a:solidFill>
-                  <a:schemeClr val="accent1"/>
-                </a:solidFill>
-              </a14:hiddenFill>
-            </a:ext>
-            <a:ext uri="{91240B29-F687-4F45-9708-019B960494DF}">
-              <a14:hiddenLine xmlns:a14="http://schemas.microsoft.com/office/drawing/2010/main" w="9525">
-                <a:solidFill>
-                  <a:schemeClr val="tx1"/>
-                </a:solidFill>
-                <a:miter lim="800000"/>
-                <a:headEnd/>
-                <a:tailEnd/>
-              </a14:hiddenLine>
-            </a:ext>
-          </a:extLst>
-        </p:spPr>
-      </p:pic>
-      <p:pic>
-        <p:nvPicPr>
-          <p:cNvPr id="2" name="Picture 2"/>
-          <p:cNvPicPr>
-            <a:picLocks noChangeAspect="1" noChangeArrowheads="1"/>
-          </p:cNvPicPr>
-          <p:nvPr/>
-        </p:nvPicPr>
-        <p:blipFill>
-          <a:blip r:embed="rId3">
+            <a:ln>
+              <a:noFill/>
+            </a:ln>
             <a:extLst>
-              <a:ext uri="{28A0092B-C50C-407E-A947-70E740481C1C}">
-                <a14:useLocalDpi xmlns:a14="http://schemas.microsoft.com/office/drawing/2010/main" val="0"/>
+              <a:ext uri="{909E8E84-426E-40DD-AFC4-6F175D3DCCD1}">
+                <a14:hiddenFill xmlns:a14="http://schemas.microsoft.com/office/drawing/2010/main">
+                  <a:solidFill>
+                    <a:schemeClr val="accent1"/>
+                  </a:solidFill>
+                </a14:hiddenFill>
+              </a:ext>
+              <a:ext uri="{91240B29-F687-4F45-9708-019B960494DF}">
+                <a14:hiddenLine xmlns:a14="http://schemas.microsoft.com/office/drawing/2010/main" w="9525">
+                  <a:solidFill>
+                    <a:schemeClr val="tx1"/>
+                  </a:solidFill>
+                  <a:miter lim="800000"/>
+                  <a:headEnd/>
+                  <a:tailEnd/>
+                </a14:hiddenLine>
               </a:ext>
             </a:extLst>
-          </a:blip>
-          <a:srcRect/>
-          <a:stretch>
-            <a:fillRect/>
-          </a:stretch>
-        </p:blipFill>
-        <p:spPr bwMode="auto">
-          <a:xfrm>
-            <a:off x="35496" y="5996920"/>
-            <a:ext cx="5688632" cy="779893"/>
-          </a:xfrm>
-          <a:prstGeom prst="rect">
-            <a:avLst/>
-          </a:prstGeom>
-          <a:noFill/>
-          <a:ln>
+          </p:spPr>
+        </p:pic>
+        <p:sp>
+          <p:nvSpPr>
+            <p:cNvPr id="8" name="TextBox 7"/>
+            <p:cNvSpPr txBox="1"/>
+            <p:nvPr/>
+          </p:nvSpPr>
+          <p:spPr>
+            <a:xfrm>
+              <a:off x="6065345" y="6499366"/>
+              <a:ext cx="1685077" cy="276999"/>
+            </a:xfrm>
+            <a:prstGeom prst="rect">
+              <a:avLst/>
+            </a:prstGeom>
             <a:noFill/>
-          </a:ln>
-          <a:extLst>
-            <a:ext uri="{909E8E84-426E-40DD-AFC4-6F175D3DCCD1}">
-              <a14:hiddenFill xmlns:a14="http://schemas.microsoft.com/office/drawing/2010/main">
-                <a:solidFill>
-                  <a:schemeClr val="accent1"/>
-                </a:solidFill>
-              </a14:hiddenFill>
-            </a:ext>
-            <a:ext uri="{91240B29-F687-4F45-9708-019B960494DF}">
-              <a14:hiddenLine xmlns:a14="http://schemas.microsoft.com/office/drawing/2010/main" w="9525">
-                <a:solidFill>
-                  <a:schemeClr val="tx1"/>
-                </a:solidFill>
-                <a:miter lim="800000"/>
-                <a:headEnd/>
-                <a:tailEnd/>
-              </a14:hiddenLine>
-            </a:ext>
-          </a:extLst>
-        </p:spPr>
-      </p:pic>
+          </p:spPr>
+          <p:txBody>
+            <a:bodyPr wrap="none" rtlCol="0">
+              <a:spAutoFit/>
+            </a:bodyPr>
+            <a:lstStyle/>
+            <a:p>
+              <a:r>
+                <a:rPr lang="sr-Latn-RS" sz="1200" dirty="0" smtClean="0">
+                  <a:latin typeface="+mn-lt"/>
+                </a:rPr>
+                <a:t>Izgled ukrštene parice</a:t>
+              </a:r>
+              <a:endParaRPr lang="sr-Latn-RS" sz="1200" dirty="0">
+                <a:latin typeface="+mn-lt"/>
+              </a:endParaRPr>
+            </a:p>
+          </p:txBody>
+        </p:sp>
+      </p:grpSp>
     </p:spTree>
     <p:extLst>
       <p:ext uri="{BB962C8B-B14F-4D97-AF65-F5344CB8AC3E}">
@@ -7588,6 +7677,49 @@
                                   </p:childTnLst>
                                 </p:cTn>
                               </p:par>
+                              <p:par>
+                                <p:cTn id="8" presetID="10" presetClass="entr" presetSubtype="0" fill="hold" nodeType="withEffect">
+                                  <p:stCondLst>
+                                    <p:cond delay="0"/>
+                                  </p:stCondLst>
+                                  <p:childTnLst>
+                                    <p:set>
+                                      <p:cBhvr>
+                                        <p:cTn id="9" dur="1" fill="hold">
+                                          <p:stCondLst>
+                                            <p:cond delay="0"/>
+                                          </p:stCondLst>
+                                        </p:cTn>
+                                        <p:tgtEl>
+                                          <p:spTgt spid="29701">
+                                            <p:txEl>
+                                              <p:pRg st="1" end="1"/>
+                                            </p:txEl>
+                                          </p:spTgt>
+                                        </p:tgtEl>
+                                        <p:attrNameLst>
+                                          <p:attrName>style.visibility</p:attrName>
+                                        </p:attrNameLst>
+                                      </p:cBhvr>
+                                      <p:to>
+                                        <p:strVal val="visible"/>
+                                      </p:to>
+                                    </p:set>
+                                    <p:animEffect transition="in" filter="fade">
+                                      <p:cBhvr>
+                                        <p:cTn id="10" dur="500"/>
+                                        <p:tgtEl>
+                                          <p:spTgt spid="29701">
+                                            <p:txEl>
+                                              <p:pRg st="1" end="1"/>
+                                            </p:txEl>
+                                          </p:spTgt>
+                                        </p:tgtEl>
+                                      </p:cBhvr>
+                                    </p:animEffect>
+                                  </p:childTnLst>
+                                </p:cTn>
+                              </p:par>
                             </p:childTnLst>
                           </p:cTn>
                         </p:par>
@@ -7595,62 +7727,19 @@
                     </p:cTn>
                   </p:par>
                   <p:par>
-                    <p:cTn id="8" fill="hold">
+                    <p:cTn id="11" fill="hold">
                       <p:stCondLst>
                         <p:cond delay="indefinite"/>
                       </p:stCondLst>
                       <p:childTnLst>
                         <p:par>
-                          <p:cTn id="9" fill="hold">
+                          <p:cTn id="12" fill="hold">
                             <p:stCondLst>
                               <p:cond delay="0"/>
                             </p:stCondLst>
                             <p:childTnLst>
                               <p:par>
-                                <p:cTn id="10" presetID="10" presetClass="entr" presetSubtype="0" fill="hold" nodeType="clickEffect">
-                                  <p:stCondLst>
-                                    <p:cond delay="0"/>
-                                  </p:stCondLst>
-                                  <p:childTnLst>
-                                    <p:set>
-                                      <p:cBhvr>
-                                        <p:cTn id="11" dur="1" fill="hold">
-                                          <p:stCondLst>
-                                            <p:cond delay="0"/>
-                                          </p:stCondLst>
-                                        </p:cTn>
-                                        <p:tgtEl>
-                                          <p:spTgt spid="29701">
-                                            <p:txEl>
-                                              <p:pRg st="1" end="1"/>
-                                            </p:txEl>
-                                          </p:spTgt>
-                                        </p:tgtEl>
-                                        <p:attrNameLst>
-                                          <p:attrName>style.visibility</p:attrName>
-                                        </p:attrNameLst>
-                                      </p:cBhvr>
-                                      <p:to>
-                                        <p:strVal val="visible"/>
-                                      </p:to>
-                                    </p:set>
-                                    <p:animEffect transition="in" filter="fade">
-                                      <p:cBhvr>
-                                        <p:cTn id="12" dur="500"/>
-                                        <p:tgtEl>
-                                          <p:spTgt spid="29701">
-                                            <p:txEl>
-                                              <p:pRg st="1" end="1"/>
-                                            </p:txEl>
-                                          </p:spTgt>
-                                        </p:tgtEl>
-                                      </p:cBhvr>
-                                    </p:animEffect>
-                                  </p:childTnLst>
-                                </p:cTn>
-                              </p:par>
-                              <p:par>
-                                <p:cTn id="13" presetID="10" presetClass="entr" presetSubtype="0" fill="hold" nodeType="withEffect">
+                                <p:cTn id="13" presetID="10" presetClass="entr" presetSubtype="0" fill="hold" nodeType="clickEffect">
                                   <p:stCondLst>
                                     <p:cond delay="0"/>
                                   </p:stCondLst>
@@ -7708,7 +7797,7 @@
                                         <p:tgtEl>
                                           <p:spTgt spid="29701">
                                             <p:txEl>
-                                              <p:pRg st="3" end="3"/>
+                                              <p:pRg st="4" end="4"/>
                                             </p:txEl>
                                           </p:spTgt>
                                         </p:tgtEl>
@@ -7726,7 +7815,7 @@
                                         <p:tgtEl>
                                           <p:spTgt spid="29701">
                                             <p:txEl>
-                                              <p:pRg st="3" end="3"/>
+                                              <p:pRg st="4" end="4"/>
                                             </p:txEl>
                                           </p:spTgt>
                                         </p:tgtEl>
@@ -7751,7 +7840,7 @@
                                         <p:tgtEl>
                                           <p:spTgt spid="29701">
                                             <p:txEl>
-                                              <p:pRg st="4" end="4"/>
+                                              <p:pRg st="3" end="3"/>
                                             </p:txEl>
                                           </p:spTgt>
                                         </p:tgtEl>
@@ -7769,7 +7858,7 @@
                                         <p:tgtEl>
                                           <p:spTgt spid="29701">
                                             <p:txEl>
-                                              <p:pRg st="4" end="4"/>
+                                              <p:pRg st="3" end="3"/>
                                             </p:txEl>
                                           </p:spTgt>
                                         </p:tgtEl>
@@ -7792,11 +7881,7 @@
                                           </p:stCondLst>
                                         </p:cTn>
                                         <p:tgtEl>
-                                          <p:spTgt spid="29701">
-                                            <p:txEl>
-                                              <p:pRg st="5" end="5"/>
-                                            </p:txEl>
-                                          </p:spTgt>
+                                          <p:spTgt spid="3"/>
                                         </p:tgtEl>
                                         <p:attrNameLst>
                                           <p:attrName>style.visibility</p:attrName>
@@ -7810,11 +7895,7 @@
                                       <p:cBhvr>
                                         <p:cTn id="24" dur="500"/>
                                         <p:tgtEl>
-                                          <p:spTgt spid="29701">
-                                            <p:txEl>
-                                              <p:pRg st="5" end="5"/>
-                                            </p:txEl>
-                                          </p:spTgt>
+                                          <p:spTgt spid="3"/>
                                         </p:tgtEl>
                                       </p:cBhvr>
                                     </p:animEffect>
@@ -7835,7 +7916,7 @@
                                           </p:stCondLst>
                                         </p:cTn>
                                         <p:tgtEl>
-                                          <p:spTgt spid="2"/>
+                                          <p:spTgt spid="4"/>
                                         </p:tgtEl>
                                         <p:attrNameLst>
                                           <p:attrName>style.visibility</p:attrName>
@@ -7849,42 +7930,7 @@
                                       <p:cBhvr>
                                         <p:cTn id="27" dur="500"/>
                                         <p:tgtEl>
-                                          <p:spTgt spid="2"/>
-                                        </p:tgtEl>
-                                      </p:cBhvr>
-                                    </p:animEffect>
-                                  </p:childTnLst>
-                                </p:cTn>
-                              </p:par>
-                              <p:par>
-                                <p:cTn id="28" presetID="10" presetClass="entr" presetSubtype="0" fill="hold" nodeType="withEffect">
-                                  <p:stCondLst>
-                                    <p:cond delay="0"/>
-                                  </p:stCondLst>
-                                  <p:childTnLst>
-                                    <p:set>
-                                      <p:cBhvr>
-                                        <p:cTn id="29" dur="1" fill="hold">
-                                          <p:stCondLst>
-                                            <p:cond delay="0"/>
-                                          </p:stCondLst>
-                                        </p:cTn>
-                                        <p:tgtEl>
-                                          <p:spTgt spid="1026"/>
-                                        </p:tgtEl>
-                                        <p:attrNameLst>
-                                          <p:attrName>style.visibility</p:attrName>
-                                        </p:attrNameLst>
-                                      </p:cBhvr>
-                                      <p:to>
-                                        <p:strVal val="visible"/>
-                                      </p:to>
-                                    </p:set>
-                                    <p:animEffect transition="in" filter="fade">
-                                      <p:cBhvr>
-                                        <p:cTn id="30" dur="500"/>
-                                        <p:tgtEl>
-                                          <p:spTgt spid="1026"/>
+                                          <p:spTgt spid="4"/>
                                         </p:tgtEl>
                                       </p:cBhvr>
                                     </p:animEffect>
@@ -8500,6 +8546,49 @@
                                   </p:childTnLst>
                                 </p:cTn>
                               </p:par>
+                              <p:par>
+                                <p:cTn id="8" presetID="10" presetClass="entr" presetSubtype="0" fill="hold" nodeType="withEffect">
+                                  <p:stCondLst>
+                                    <p:cond delay="0"/>
+                                  </p:stCondLst>
+                                  <p:childTnLst>
+                                    <p:set>
+                                      <p:cBhvr>
+                                        <p:cTn id="9" dur="1" fill="hold">
+                                          <p:stCondLst>
+                                            <p:cond delay="0"/>
+                                          </p:stCondLst>
+                                        </p:cTn>
+                                        <p:tgtEl>
+                                          <p:spTgt spid="29701">
+                                            <p:txEl>
+                                              <p:pRg st="1" end="1"/>
+                                            </p:txEl>
+                                          </p:spTgt>
+                                        </p:tgtEl>
+                                        <p:attrNameLst>
+                                          <p:attrName>style.visibility</p:attrName>
+                                        </p:attrNameLst>
+                                      </p:cBhvr>
+                                      <p:to>
+                                        <p:strVal val="visible"/>
+                                      </p:to>
+                                    </p:set>
+                                    <p:animEffect transition="in" filter="fade">
+                                      <p:cBhvr>
+                                        <p:cTn id="10" dur="500"/>
+                                        <p:tgtEl>
+                                          <p:spTgt spid="29701">
+                                            <p:txEl>
+                                              <p:pRg st="1" end="1"/>
+                                            </p:txEl>
+                                          </p:spTgt>
+                                        </p:tgtEl>
+                                      </p:cBhvr>
+                                    </p:animEffect>
+                                  </p:childTnLst>
+                                </p:cTn>
+                              </p:par>
                             </p:childTnLst>
                           </p:cTn>
                         </p:par>
@@ -8507,62 +8596,19 @@
                     </p:cTn>
                   </p:par>
                   <p:par>
-                    <p:cTn id="8" fill="hold">
+                    <p:cTn id="11" fill="hold">
                       <p:stCondLst>
                         <p:cond delay="indefinite"/>
                       </p:stCondLst>
                       <p:childTnLst>
                         <p:par>
-                          <p:cTn id="9" fill="hold">
+                          <p:cTn id="12" fill="hold">
                             <p:stCondLst>
                               <p:cond delay="0"/>
                             </p:stCondLst>
                             <p:childTnLst>
                               <p:par>
-                                <p:cTn id="10" presetID="10" presetClass="entr" presetSubtype="0" fill="hold" nodeType="clickEffect">
-                                  <p:stCondLst>
-                                    <p:cond delay="0"/>
-                                  </p:stCondLst>
-                                  <p:childTnLst>
-                                    <p:set>
-                                      <p:cBhvr>
-                                        <p:cTn id="11" dur="1" fill="hold">
-                                          <p:stCondLst>
-                                            <p:cond delay="0"/>
-                                          </p:stCondLst>
-                                        </p:cTn>
-                                        <p:tgtEl>
-                                          <p:spTgt spid="29701">
-                                            <p:txEl>
-                                              <p:pRg st="1" end="1"/>
-                                            </p:txEl>
-                                          </p:spTgt>
-                                        </p:tgtEl>
-                                        <p:attrNameLst>
-                                          <p:attrName>style.visibility</p:attrName>
-                                        </p:attrNameLst>
-                                      </p:cBhvr>
-                                      <p:to>
-                                        <p:strVal val="visible"/>
-                                      </p:to>
-                                    </p:set>
-                                    <p:animEffect transition="in" filter="fade">
-                                      <p:cBhvr>
-                                        <p:cTn id="12" dur="500"/>
-                                        <p:tgtEl>
-                                          <p:spTgt spid="29701">
-                                            <p:txEl>
-                                              <p:pRg st="1" end="1"/>
-                                            </p:txEl>
-                                          </p:spTgt>
-                                        </p:tgtEl>
-                                      </p:cBhvr>
-                                    </p:animEffect>
-                                  </p:childTnLst>
-                                </p:cTn>
-                              </p:par>
-                              <p:par>
-                                <p:cTn id="13" presetID="10" presetClass="entr" presetSubtype="0" fill="hold" nodeType="withEffect">
+                                <p:cTn id="13" presetID="10" presetClass="entr" presetSubtype="0" fill="hold" nodeType="clickEffect">
                                   <p:stCondLst>
                                     <p:cond delay="0"/>
                                   </p:stCondLst>
@@ -8765,70 +8811,6 @@
           <a:chExt cx="0" cy="0"/>
         </a:xfrm>
       </p:grpSpPr>
-      <p:pic>
-        <p:nvPicPr>
-          <p:cNvPr id="3074" name="Picture 2"/>
-          <p:cNvPicPr>
-            <a:picLocks noChangeAspect="1" noChangeArrowheads="1"/>
-          </p:cNvPicPr>
-          <p:nvPr/>
-        </p:nvPicPr>
-        <p:blipFill>
-          <a:blip r:embed="rId2">
-            <a:extLst>
-              <a:ext uri="{28A0092B-C50C-407E-A947-70E740481C1C}">
-                <a14:useLocalDpi xmlns:a14="http://schemas.microsoft.com/office/drawing/2010/main" val="0"/>
-              </a:ext>
-            </a:extLst>
-          </a:blip>
-          <a:srcRect/>
-          <a:stretch>
-            <a:fillRect/>
-          </a:stretch>
-        </p:blipFill>
-        <p:spPr bwMode="auto">
-          <a:xfrm>
-            <a:off x="5117281" y="4306713"/>
-            <a:ext cx="3559175" cy="2506663"/>
-          </a:xfrm>
-          <a:prstGeom prst="rect">
-            <a:avLst/>
-          </a:prstGeom>
-          <a:noFill/>
-          <a:ln>
-            <a:noFill/>
-          </a:ln>
-          <a:effectLst/>
-          <a:extLst>
-            <a:ext uri="{909E8E84-426E-40DD-AFC4-6F175D3DCCD1}">
-              <a14:hiddenFill xmlns:a14="http://schemas.microsoft.com/office/drawing/2010/main">
-                <a:solidFill>
-                  <a:schemeClr val="accent1"/>
-                </a:solidFill>
-              </a14:hiddenFill>
-            </a:ext>
-            <a:ext uri="{91240B29-F687-4F45-9708-019B960494DF}">
-              <a14:hiddenLine xmlns:a14="http://schemas.microsoft.com/office/drawing/2010/main" w="9525">
-                <a:solidFill>
-                  <a:schemeClr val="tx1"/>
-                </a:solidFill>
-                <a:miter lim="800000"/>
-                <a:headEnd/>
-                <a:tailEnd/>
-              </a14:hiddenLine>
-            </a:ext>
-            <a:ext uri="{AF507438-7753-43E0-B8FC-AC1667EBCBE1}">
-              <a14:hiddenEffects xmlns:a14="http://schemas.microsoft.com/office/drawing/2010/main">
-                <a:effectLst>
-                  <a:outerShdw dist="35921" dir="2700000" algn="ctr" rotWithShape="0">
-                    <a:schemeClr val="bg2"/>
-                  </a:outerShdw>
-                </a:effectLst>
-              </a14:hiddenEffects>
-            </a:ext>
-          </a:extLst>
-        </p:spPr>
-      </p:pic>
       <p:sp>
         <p:nvSpPr>
           <p:cNvPr id="48130" name="Rectangle 2"/>
@@ -9017,11 +8999,11 @@
             <a:pPr lvl="2" eaLnBrk="1" hangingPunct="1"/>
             <a:r>
               <a:rPr lang="sr-Latn-RS" altLang="en-US" dirty="0" smtClean="0"/>
-              <a:t>Nedostatak je što </a:t>
-            </a:r>
-            <a:r>
-              <a:rPr lang="sr-Latn-RS" altLang="en-US" dirty="0"/>
-              <a:t>su skupi i komplikovani za instalaciju, pa se </a:t>
+              <a:t>Skupi su i </a:t>
+            </a:r>
+            <a:r>
+              <a:rPr lang="sr-Latn-RS" altLang="en-US" dirty="0"/>
+              <a:t>komplikovani za instalaciju, pa se </a:t>
             </a:r>
             <a:r>
               <a:rPr lang="sr-Latn-RS" altLang="en-US" dirty="0" smtClean="0"/>
@@ -9095,8 +9077,36 @@
           <a:p>
             <a:pPr lvl="2" eaLnBrk="1" hangingPunct="1"/>
             <a:r>
+              <a:rPr lang="sr-Latn-RS" altLang="en-US" dirty="0" smtClean="0"/>
+              <a:t>N</a:t>
+            </a:r>
+            <a:r>
+              <a:rPr lang="en-US" altLang="en-US" dirty="0" err="1" smtClean="0"/>
+              <a:t>aj</a:t>
+            </a:r>
+            <a:r>
+              <a:rPr lang="sr-Latn-RS" altLang="en-US" dirty="0"/>
+              <a:t>č</a:t>
+            </a:r>
+            <a:r>
+              <a:rPr lang="en-US" altLang="en-US" dirty="0" smtClean="0"/>
+              <a:t>e</a:t>
+            </a:r>
+            <a:r>
+              <a:rPr lang="sr-Latn-RS" altLang="en-US" dirty="0" smtClean="0"/>
+              <a:t>šć</a:t>
+            </a:r>
+            <a:r>
+              <a:rPr lang="en-US" altLang="en-US" dirty="0" smtClean="0"/>
+              <a:t>e </a:t>
+            </a:r>
+            <a:r>
+              <a:rPr lang="en-US" altLang="en-US" dirty="0"/>
+              <a:t>se </a:t>
+            </a:r>
+            <a:r>
               <a:rPr lang="en-US" altLang="en-US" dirty="0" err="1"/>
-              <a:t>Brzina</a:t>
+              <a:t>koriste</a:t>
             </a:r>
             <a:r>
               <a:rPr lang="en-US" altLang="en-US" dirty="0"/>
@@ -9104,154 +9114,60 @@
             </a:r>
             <a:r>
               <a:rPr lang="en-US" altLang="en-US" dirty="0" err="1"/>
-              <a:t>prenosa</a:t>
-            </a:r>
-            <a:r>
-              <a:rPr lang="en-US" altLang="en-US" dirty="0"/>
-              <a:t> je </a:t>
-            </a:r>
-            <a:r>
-              <a:rPr lang="en-US" altLang="en-US" dirty="0" err="1"/>
-              <a:t>velika</a:t>
-            </a:r>
-            <a:r>
-              <a:rPr lang="en-US" altLang="en-US" dirty="0"/>
-              <a:t>, </a:t>
-            </a:r>
-            <a:r>
-              <a:rPr lang="en-US" altLang="en-US" dirty="0" err="1" smtClean="0"/>
-              <a:t>mo</a:t>
-            </a:r>
-            <a:r>
-              <a:rPr lang="sr-Latn-RS" altLang="en-US" dirty="0"/>
-              <a:t>ž</a:t>
-            </a:r>
-            <a:r>
-              <a:rPr lang="en-US" altLang="en-US" dirty="0" smtClean="0"/>
-              <a:t>e da</a:t>
-            </a:r>
-            <a:r>
-              <a:rPr lang="sr-Latn-RS" altLang="en-US" dirty="0" smtClean="0"/>
-              <a:t/>
-            </a:r>
-            <a:br>
-              <a:rPr lang="sr-Latn-RS" altLang="en-US" dirty="0" smtClean="0"/>
-            </a:br>
-            <a:r>
-              <a:rPr lang="en-US" altLang="en-US" dirty="0" smtClean="0"/>
-              <a:t>ide </a:t>
-            </a:r>
-            <a:r>
-              <a:rPr lang="en-US" altLang="en-US" dirty="0" err="1"/>
-              <a:t>i</a:t>
-            </a:r>
-            <a:r>
-              <a:rPr lang="en-US" altLang="en-US" dirty="0"/>
-              <a:t> do </a:t>
-            </a:r>
-            <a:r>
-              <a:rPr lang="en-US" altLang="en-US" dirty="0" err="1"/>
-              <a:t>nekoliko</a:t>
+              <a:t>za</a:t>
             </a:r>
             <a:r>
               <a:rPr lang="en-US" altLang="en-US" dirty="0"/>
               <a:t> </a:t>
             </a:r>
             <a:r>
+              <a:rPr lang="sr-Latn-RS" altLang="en-US" dirty="0" smtClean="0"/>
+              <a:t>brze </a:t>
+            </a:r>
+            <a:r>
+              <a:rPr lang="en-US" altLang="en-US" dirty="0" err="1" smtClean="0"/>
+              <a:t>mre</a:t>
+            </a:r>
+            <a:r>
+              <a:rPr lang="sr-Latn-RS" altLang="en-US" dirty="0"/>
+              <a:t>ž</a:t>
+            </a:r>
+            <a:r>
+              <a:rPr lang="en-US" altLang="en-US" dirty="0" smtClean="0"/>
+              <a:t>e</a:t>
+            </a:r>
+            <a:r>
+              <a:rPr lang="sr-Latn-RS" altLang="en-US" dirty="0" smtClean="0"/>
+              <a:t>,</a:t>
+            </a:r>
+            <a:r>
+              <a:rPr lang="en-US" altLang="en-US" dirty="0" smtClean="0"/>
+              <a:t> </a:t>
+            </a:r>
+            <a:r>
+              <a:rPr lang="sr-Latn-RS" altLang="en-US" dirty="0" smtClean="0"/>
+              <a:t/>
+            </a:r>
+            <a:br>
+              <a:rPr lang="sr-Latn-RS" altLang="en-US" dirty="0" smtClean="0"/>
+            </a:br>
+            <a:r>
+              <a:rPr lang="en-US" altLang="en-US" dirty="0" err="1" smtClean="0"/>
+              <a:t>koje</a:t>
+            </a:r>
+            <a:r>
+              <a:rPr lang="en-US" altLang="en-US" dirty="0" smtClean="0"/>
+              <a:t> </a:t>
+            </a:r>
+            <a:r>
               <a:rPr lang="en-US" altLang="en-US" dirty="0" err="1"/>
-              <a:t>triliona</a:t>
+              <a:t>imaju</a:t>
             </a:r>
             <a:r>
               <a:rPr lang="en-US" altLang="en-US" dirty="0"/>
               <a:t> </a:t>
             </a:r>
             <a:r>
-              <a:rPr lang="sr-Latn-RS" altLang="en-US" dirty="0" smtClean="0"/>
-              <a:t>bps, a </a:t>
-            </a:r>
-            <a:br>
-              <a:rPr lang="sr-Latn-RS" altLang="en-US" dirty="0" smtClean="0"/>
-            </a:br>
-            <a:r>
-              <a:rPr lang="sr-Latn-RS" altLang="en-US" dirty="0" smtClean="0"/>
-              <a:t>n</a:t>
-            </a:r>
-            <a:r>
-              <a:rPr lang="en-US" altLang="en-US" dirty="0" err="1" smtClean="0"/>
-              <a:t>aj</a:t>
-            </a:r>
-            <a:r>
-              <a:rPr lang="sr-Latn-RS" altLang="en-US" dirty="0"/>
-              <a:t>č</a:t>
-            </a:r>
-            <a:r>
-              <a:rPr lang="en-US" altLang="en-US" dirty="0" smtClean="0"/>
-              <a:t>e</a:t>
-            </a:r>
-            <a:r>
-              <a:rPr lang="sr-Latn-RS" altLang="en-US" dirty="0" smtClean="0"/>
-              <a:t>šć</a:t>
-            </a:r>
-            <a:r>
-              <a:rPr lang="en-US" altLang="en-US" dirty="0" smtClean="0"/>
-              <a:t>e </a:t>
-            </a:r>
-            <a:r>
-              <a:rPr lang="en-US" altLang="en-US" dirty="0"/>
-              <a:t>se </a:t>
-            </a:r>
-            <a:r>
-              <a:rPr lang="en-US" altLang="en-US" dirty="0" err="1"/>
-              <a:t>koriste</a:t>
-            </a:r>
-            <a:r>
-              <a:rPr lang="en-US" altLang="en-US" dirty="0"/>
-              <a:t> </a:t>
-            </a:r>
-            <a:r>
-              <a:rPr lang="en-US" altLang="en-US" dirty="0" err="1"/>
-              <a:t>za</a:t>
-            </a:r>
-            <a:r>
-              <a:rPr lang="en-US" altLang="en-US" dirty="0"/>
-              <a:t> </a:t>
-            </a:r>
-            <a:r>
-              <a:rPr lang="en-US" altLang="en-US" dirty="0" err="1" smtClean="0"/>
-              <a:t>mre</a:t>
-            </a:r>
-            <a:r>
-              <a:rPr lang="sr-Latn-RS" altLang="en-US" dirty="0"/>
-              <a:t>ž</a:t>
-            </a:r>
-            <a:r>
-              <a:rPr lang="en-US" altLang="en-US" dirty="0" smtClean="0"/>
-              <a:t>e </a:t>
-            </a:r>
-            <a:r>
-              <a:rPr lang="sr-Latn-RS" altLang="en-US" dirty="0" smtClean="0"/>
-              <a:t/>
-            </a:r>
-            <a:br>
-              <a:rPr lang="sr-Latn-RS" altLang="en-US" dirty="0" smtClean="0"/>
-            </a:br>
-            <a:r>
-              <a:rPr lang="en-US" altLang="en-US" dirty="0" err="1" smtClean="0"/>
-              <a:t>koje</a:t>
-            </a:r>
-            <a:r>
-              <a:rPr lang="en-US" altLang="en-US" dirty="0" smtClean="0"/>
-              <a:t> </a:t>
-            </a:r>
-            <a:r>
-              <a:rPr lang="en-US" altLang="en-US" dirty="0" err="1"/>
-              <a:t>imaju</a:t>
-            </a:r>
-            <a:r>
-              <a:rPr lang="en-US" altLang="en-US" dirty="0"/>
-              <a:t> </a:t>
-            </a:r>
-            <a:r>
               <a:rPr lang="en-US" altLang="en-US" dirty="0" err="1"/>
               <a:t>brzinu</a:t>
             </a:r>
@@ -9270,65 +9186,231 @@
             <a:r>
               <a:rPr lang="en-US" altLang="en-US" dirty="0" err="1" smtClean="0"/>
               <a:t>Gbps</a:t>
+            </a:r>
+            <a:r>
+              <a:rPr lang="sr-Latn-RS" altLang="en-US" dirty="0" smtClean="0"/>
+              <a:t> naviše</a:t>
             </a:r>
             <a:endParaRPr lang="en-US" altLang="en-US" sz="1800" dirty="0" smtClean="0"/>
           </a:p>
         </p:txBody>
       </p:sp>
-      <p:pic>
-        <p:nvPicPr>
-          <p:cNvPr id="2" name="Picture 2"/>
-          <p:cNvPicPr>
-            <a:picLocks noChangeAspect="1" noChangeArrowheads="1"/>
-          </p:cNvPicPr>
+      <p:grpSp>
+        <p:nvGrpSpPr>
+          <p:cNvPr id="3" name="Group 2"/>
+          <p:cNvGrpSpPr/>
           <p:nvPr/>
-        </p:nvPicPr>
-        <p:blipFill>
-          <a:blip r:embed="rId3">
+        </p:nvGrpSpPr>
+        <p:grpSpPr>
+          <a:xfrm>
+            <a:off x="1187624" y="5157192"/>
+            <a:ext cx="4260329" cy="1291412"/>
+            <a:chOff x="1187624" y="5157192"/>
+            <a:chExt cx="4260329" cy="1291412"/>
+          </a:xfrm>
+        </p:grpSpPr>
+        <p:pic>
+          <p:nvPicPr>
+            <p:cNvPr id="2" name="Picture 2"/>
+            <p:cNvPicPr>
+              <a:picLocks noChangeAspect="1" noChangeArrowheads="1"/>
+            </p:cNvPicPr>
+            <p:nvPr/>
+          </p:nvPicPr>
+          <p:blipFill>
+            <a:blip r:embed="rId2">
+              <a:extLst>
+                <a:ext uri="{28A0092B-C50C-407E-A947-70E740481C1C}">
+                  <a14:useLocalDpi xmlns:a14="http://schemas.microsoft.com/office/drawing/2010/main" val="0"/>
+                </a:ext>
+              </a:extLst>
+            </a:blip>
+            <a:srcRect/>
+            <a:stretch>
+              <a:fillRect/>
+            </a:stretch>
+          </p:blipFill>
+          <p:spPr bwMode="auto">
+            <a:xfrm>
+              <a:off x="1187624" y="5157192"/>
+              <a:ext cx="4260329" cy="1014413"/>
+            </a:xfrm>
+            <a:prstGeom prst="rect">
+              <a:avLst/>
+            </a:prstGeom>
+            <a:noFill/>
+            <a:ln>
+              <a:noFill/>
+            </a:ln>
             <a:extLst>
-              <a:ext uri="{28A0092B-C50C-407E-A947-70E740481C1C}">
-                <a14:useLocalDpi xmlns:a14="http://schemas.microsoft.com/office/drawing/2010/main" val="0"/>
+              <a:ext uri="{909E8E84-426E-40DD-AFC4-6F175D3DCCD1}">
+                <a14:hiddenFill xmlns:a14="http://schemas.microsoft.com/office/drawing/2010/main">
+                  <a:solidFill>
+                    <a:schemeClr val="accent1"/>
+                  </a:solidFill>
+                </a14:hiddenFill>
+              </a:ext>
+              <a:ext uri="{91240B29-F687-4F45-9708-019B960494DF}">
+                <a14:hiddenLine xmlns:a14="http://schemas.microsoft.com/office/drawing/2010/main" w="9525">
+                  <a:solidFill>
+                    <a:schemeClr val="tx1"/>
+                  </a:solidFill>
+                  <a:miter lim="800000"/>
+                  <a:headEnd/>
+                  <a:tailEnd/>
+                </a14:hiddenLine>
               </a:ext>
             </a:extLst>
-          </a:blip>
-          <a:srcRect/>
-          <a:stretch>
-            <a:fillRect/>
-          </a:stretch>
-        </p:blipFill>
-        <p:spPr bwMode="auto">
+          </p:spPr>
+        </p:pic>
+        <p:sp>
+          <p:nvSpPr>
+            <p:cNvPr id="6" name="TextBox 5"/>
+            <p:cNvSpPr txBox="1"/>
+            <p:nvPr/>
+          </p:nvSpPr>
+          <p:spPr>
+            <a:xfrm>
+              <a:off x="2267744" y="6171605"/>
+              <a:ext cx="2375971" cy="276999"/>
+            </a:xfrm>
+            <a:prstGeom prst="rect">
+              <a:avLst/>
+            </a:prstGeom>
+            <a:noFill/>
+          </p:spPr>
+          <p:txBody>
+            <a:bodyPr wrap="none" rtlCol="0">
+              <a:spAutoFit/>
+            </a:bodyPr>
+            <a:lstStyle/>
+            <a:p>
+              <a:r>
+                <a:rPr lang="sr-Latn-RS" sz="1200" dirty="0" smtClean="0">
+                  <a:latin typeface="+mn-lt"/>
+                </a:rPr>
+                <a:t>Shematski prikaz optičkog kabla</a:t>
+              </a:r>
+              <a:endParaRPr lang="sr-Latn-RS" sz="1200" dirty="0">
+                <a:latin typeface="+mn-lt"/>
+              </a:endParaRPr>
+            </a:p>
+          </p:txBody>
+        </p:sp>
+      </p:grpSp>
+      <p:grpSp>
+        <p:nvGrpSpPr>
+          <p:cNvPr id="4" name="Group 3"/>
+          <p:cNvGrpSpPr/>
+          <p:nvPr/>
+        </p:nvGrpSpPr>
+        <p:grpSpPr>
           <a:xfrm>
-            <a:off x="1463799" y="5805264"/>
-            <a:ext cx="3324225" cy="1014413"/>
+            <a:off x="5508104" y="4306713"/>
+            <a:ext cx="3168352" cy="2506663"/>
+            <a:chOff x="5508104" y="4306713"/>
+            <a:chExt cx="3168352" cy="2506663"/>
           </a:xfrm>
-          <a:prstGeom prst="rect">
-            <a:avLst/>
-          </a:prstGeom>
-          <a:noFill/>
-          <a:ln>
+        </p:grpSpPr>
+        <p:pic>
+          <p:nvPicPr>
+            <p:cNvPr id="3074" name="Picture 2"/>
+            <p:cNvPicPr>
+              <a:picLocks noChangeAspect="1" noChangeArrowheads="1"/>
+            </p:cNvPicPr>
+            <p:nvPr/>
+          </p:nvPicPr>
+          <p:blipFill>
+            <a:blip r:embed="rId3">
+              <a:extLst>
+                <a:ext uri="{28A0092B-C50C-407E-A947-70E740481C1C}">
+                  <a14:useLocalDpi xmlns:a14="http://schemas.microsoft.com/office/drawing/2010/main" val="0"/>
+                </a:ext>
+              </a:extLst>
+            </a:blip>
+            <a:srcRect/>
+            <a:stretch>
+              <a:fillRect/>
+            </a:stretch>
+          </p:blipFill>
+          <p:spPr bwMode="auto">
+            <a:xfrm>
+              <a:off x="5508104" y="4306713"/>
+              <a:ext cx="3168352" cy="2231413"/>
+            </a:xfrm>
+            <a:prstGeom prst="rect">
+              <a:avLst/>
+            </a:prstGeom>
             <a:noFill/>
-          </a:ln>
-          <a:extLst>
-            <a:ext uri="{909E8E84-426E-40DD-AFC4-6F175D3DCCD1}">
-              <a14:hiddenFill xmlns:a14="http://schemas.microsoft.com/office/drawing/2010/main">
-                <a:solidFill>
-                  <a:schemeClr val="accent1"/>
-                </a:solidFill>
-              </a14:hiddenFill>
-            </a:ext>
-            <a:ext uri="{91240B29-F687-4F45-9708-019B960494DF}">
-              <a14:hiddenLine xmlns:a14="http://schemas.microsoft.com/office/drawing/2010/main" w="9525">
-                <a:solidFill>
-                  <a:schemeClr val="tx1"/>
-                </a:solidFill>
-                <a:miter lim="800000"/>
-                <a:headEnd/>
-                <a:tailEnd/>
-              </a14:hiddenLine>
-            </a:ext>
-          </a:extLst>
-        </p:spPr>
-      </p:pic>
+            <a:ln>
+              <a:noFill/>
+            </a:ln>
+            <a:effectLst/>
+            <a:extLst>
+              <a:ext uri="{909E8E84-426E-40DD-AFC4-6F175D3DCCD1}">
+                <a14:hiddenFill xmlns:a14="http://schemas.microsoft.com/office/drawing/2010/main">
+                  <a:solidFill>
+                    <a:schemeClr val="accent1"/>
+                  </a:solidFill>
+                </a14:hiddenFill>
+              </a:ext>
+              <a:ext uri="{91240B29-F687-4F45-9708-019B960494DF}">
+                <a14:hiddenLine xmlns:a14="http://schemas.microsoft.com/office/drawing/2010/main" w="9525">
+                  <a:solidFill>
+                    <a:schemeClr val="tx1"/>
+                  </a:solidFill>
+                  <a:miter lim="800000"/>
+                  <a:headEnd/>
+                  <a:tailEnd/>
+                </a14:hiddenLine>
+              </a:ext>
+              <a:ext uri="{AF507438-7753-43E0-B8FC-AC1667EBCBE1}">
+                <a14:hiddenEffects xmlns:a14="http://schemas.microsoft.com/office/drawing/2010/main">
+                  <a:effectLst>
+                    <a:outerShdw dist="35921" dir="2700000" algn="ctr" rotWithShape="0">
+                      <a:schemeClr val="bg2"/>
+                    </a:outerShdw>
+                  </a:effectLst>
+                </a14:hiddenEffects>
+              </a:ext>
+            </a:extLst>
+          </p:spPr>
+        </p:pic>
+        <p:sp>
+          <p:nvSpPr>
+            <p:cNvPr id="7" name="TextBox 6"/>
+            <p:cNvSpPr txBox="1"/>
+            <p:nvPr/>
+          </p:nvSpPr>
+          <p:spPr>
+            <a:xfrm>
+              <a:off x="6284206" y="6536377"/>
+              <a:ext cx="1616148" cy="276999"/>
+            </a:xfrm>
+            <a:prstGeom prst="rect">
+              <a:avLst/>
+            </a:prstGeom>
+            <a:noFill/>
+          </p:spPr>
+          <p:txBody>
+            <a:bodyPr wrap="none" rtlCol="0">
+              <a:spAutoFit/>
+            </a:bodyPr>
+            <a:lstStyle/>
+            <a:p>
+              <a:r>
+                <a:rPr lang="sr-Latn-RS" sz="1200" dirty="0" smtClean="0">
+                  <a:latin typeface="+mn-lt"/>
+                </a:rPr>
+                <a:t>Izgled optičkog kabla</a:t>
+              </a:r>
+              <a:endParaRPr lang="sr-Latn-RS" sz="1200" dirty="0">
+                <a:latin typeface="+mn-lt"/>
+              </a:endParaRPr>
+            </a:p>
+          </p:txBody>
+        </p:sp>
+      </p:grpSp>
     </p:spTree>
     <p:extLst>
       <p:ext uri="{BB962C8B-B14F-4D97-AF65-F5344CB8AC3E}">
@@ -9402,6 +9484,49 @@
                                   </p:childTnLst>
                                 </p:cTn>
                               </p:par>
+                              <p:par>
+                                <p:cTn id="8" presetID="10" presetClass="entr" presetSubtype="0" fill="hold" nodeType="withEffect">
+                                  <p:stCondLst>
+                                    <p:cond delay="0"/>
+                                  </p:stCondLst>
+                                  <p:childTnLst>
+                                    <p:set>
+                                      <p:cBhvr>
+                                        <p:cTn id="9" dur="1" fill="hold">
+                                          <p:stCondLst>
+                                            <p:cond delay="0"/>
+                                          </p:stCondLst>
+                                        </p:cTn>
+                                        <p:tgtEl>
+                                          <p:spTgt spid="29701">
+                                            <p:txEl>
+                                              <p:pRg st="1" end="1"/>
+                                            </p:txEl>
+                                          </p:spTgt>
+                                        </p:tgtEl>
+                                        <p:attrNameLst>
+                                          <p:attrName>style.visibility</p:attrName>
+                                        </p:attrNameLst>
+                                      </p:cBhvr>
+                                      <p:to>
+                                        <p:strVal val="visible"/>
+                                      </p:to>
+                                    </p:set>
+                                    <p:animEffect transition="in" filter="fade">
+                                      <p:cBhvr>
+                                        <p:cTn id="10" dur="500"/>
+                                        <p:tgtEl>
+                                          <p:spTgt spid="29701">
+                                            <p:txEl>
+                                              <p:pRg st="1" end="1"/>
+                                            </p:txEl>
+                                          </p:spTgt>
+                                        </p:tgtEl>
+                                      </p:cBhvr>
+                                    </p:animEffect>
+                                  </p:childTnLst>
+                                </p:cTn>
+                              </p:par>
                             </p:childTnLst>
                           </p:cTn>
                         </p:par>
@@ -9409,36 +9534,32 @@
                     </p:cTn>
                   </p:par>
                   <p:par>
-                    <p:cTn id="8" fill="hold">
+                    <p:cTn id="11" fill="hold">
                       <p:stCondLst>
                         <p:cond delay="indefinite"/>
                       </p:stCondLst>
                       <p:childTnLst>
                         <p:par>
-                          <p:cTn id="9" fill="hold">
+                          <p:cTn id="12" fill="hold">
                             <p:stCondLst>
                               <p:cond delay="0"/>
                             </p:stCondLst>
                             <p:childTnLst>
                               <p:par>
-                                <p:cTn id="10" presetID="10" presetClass="entr" presetSubtype="0" fill="hold" nodeType="clickEffect">
+                                <p:cTn id="13" presetID="10" presetClass="entr" presetSubtype="0" fill="hold" nodeType="clickEffect">
                                   <p:stCondLst>
                                     <p:cond delay="0"/>
                                   </p:stCondLst>
                                   <p:childTnLst>
                                     <p:set>
                                       <p:cBhvr>
-                                        <p:cTn id="11" dur="1" fill="hold">
+                                        <p:cTn id="14" dur="1" fill="hold">
                                           <p:stCondLst>
                                             <p:cond delay="0"/>
                                           </p:stCondLst>
                                         </p:cTn>
                                         <p:tgtEl>
-                                          <p:spTgt spid="29701">
-                                            <p:txEl>
-                                              <p:pRg st="1" end="1"/>
-                                            </p:txEl>
-                                          </p:spTgt>
+                                          <p:spTgt spid="3"/>
                                         </p:tgtEl>
                                         <p:attrNameLst>
                                           <p:attrName>style.visibility</p:attrName>
@@ -9450,56 +9571,9 @@
                                     </p:set>
                                     <p:animEffect transition="in" filter="fade">
                                       <p:cBhvr>
-                                        <p:cTn id="12" dur="500"/>
-                                        <p:tgtEl>
-                                          <p:spTgt spid="29701">
-                                            <p:txEl>
-                                              <p:pRg st="1" end="1"/>
-                                            </p:txEl>
-                                          </p:spTgt>
-                                        </p:tgtEl>
-                                      </p:cBhvr>
-                                    </p:animEffect>
-                                  </p:childTnLst>
-                                </p:cTn>
-                              </p:par>
-                              <p:par>
-                                <p:cTn id="13" presetID="10" presetClass="entr" presetSubtype="0" fill="hold" nodeType="withEffect">
-                                  <p:stCondLst>
-                                    <p:cond delay="0"/>
-                                  </p:stCondLst>
-                                  <p:childTnLst>
-                                    <p:set>
-                                      <p:cBhvr>
-                                        <p:cTn id="14" dur="1" fill="hold">
-                                          <p:stCondLst>
-                                            <p:cond delay="0"/>
-                                          </p:stCondLst>
-                                        </p:cTn>
-                                        <p:tgtEl>
-                                          <p:spTgt spid="29701">
-                                            <p:txEl>
-                                              <p:pRg st="2" end="2"/>
-                                            </p:txEl>
-                                          </p:spTgt>
-                                        </p:tgtEl>
-                                        <p:attrNameLst>
-                                          <p:attrName>style.visibility</p:attrName>
-                                        </p:attrNameLst>
-                                      </p:cBhvr>
-                                      <p:to>
-                                        <p:strVal val="visible"/>
-                                      </p:to>
-                                    </p:set>
-                                    <p:animEffect transition="in" filter="fade">
-                                      <p:cBhvr>
                                         <p:cTn id="15" dur="500"/>
                                         <p:tgtEl>
-                                          <p:spTgt spid="29701">
-                                            <p:txEl>
-                                              <p:pRg st="2" end="2"/>
-                                            </p:txEl>
-                                          </p:spTgt>
+                                          <p:spTgt spid="3"/>
                                         </p:tgtEl>
                                       </p:cBhvr>
                                     </p:animEffect>
@@ -9520,11 +9594,7 @@
                                           </p:stCondLst>
                                         </p:cTn>
                                         <p:tgtEl>
-                                          <p:spTgt spid="29701">
-                                            <p:txEl>
-                                              <p:pRg st="3" end="3"/>
-                                            </p:txEl>
-                                          </p:spTgt>
+                                          <p:spTgt spid="4"/>
                                         </p:tgtEl>
                                         <p:attrNameLst>
                                           <p:attrName>style.visibility</p:attrName>
@@ -9538,11 +9608,7 @@
                                       <p:cBhvr>
                                         <p:cTn id="18" dur="500"/>
                                         <p:tgtEl>
-                                          <p:spTgt spid="29701">
-                                            <p:txEl>
-                                              <p:pRg st="3" end="3"/>
-                                            </p:txEl>
-                                          </p:spTgt>
+                                          <p:spTgt spid="4"/>
                                         </p:tgtEl>
                                       </p:cBhvr>
                                     </p:animEffect>
@@ -9565,7 +9631,7 @@
                                         <p:tgtEl>
                                           <p:spTgt spid="29701">
                                             <p:txEl>
-                                              <p:pRg st="4" end="4"/>
+                                              <p:pRg st="2" end="2"/>
                                             </p:txEl>
                                           </p:spTgt>
                                         </p:tgtEl>
@@ -9583,7 +9649,7 @@
                                         <p:tgtEl>
                                           <p:spTgt spid="29701">
                                             <p:txEl>
-                                              <p:pRg st="4" end="4"/>
+                                              <p:pRg st="2" end="2"/>
                                             </p:txEl>
                                           </p:spTgt>
                                         </p:tgtEl>
@@ -9608,7 +9674,7 @@
                                         <p:tgtEl>
                                           <p:spTgt spid="29701">
                                             <p:txEl>
-                                              <p:pRg st="5" end="5"/>
+                                              <p:pRg st="3" end="3"/>
                                             </p:txEl>
                                           </p:spTgt>
                                         </p:tgtEl>
@@ -9626,7 +9692,7 @@
                                         <p:tgtEl>
                                           <p:spTgt spid="29701">
                                             <p:txEl>
-                                              <p:pRg st="5" end="5"/>
+                                              <p:pRg st="3" end="3"/>
                                             </p:txEl>
                                           </p:spTgt>
                                         </p:tgtEl>
@@ -9649,7 +9715,11 @@
                                           </p:stCondLst>
                                         </p:cTn>
                                         <p:tgtEl>
-                                          <p:spTgt spid="2"/>
+                                          <p:spTgt spid="29701">
+                                            <p:txEl>
+                                              <p:pRg st="4" end="4"/>
+                                            </p:txEl>
+                                          </p:spTgt>
                                         </p:tgtEl>
                                         <p:attrNameLst>
                                           <p:attrName>style.visibility</p:attrName>
@@ -9663,7 +9733,11 @@
                                       <p:cBhvr>
                                         <p:cTn id="27" dur="500"/>
                                         <p:tgtEl>
-                                          <p:spTgt spid="2"/>
+                                          <p:spTgt spid="29701">
+                                            <p:txEl>
+                                              <p:pRg st="4" end="4"/>
+                                            </p:txEl>
+                                          </p:spTgt>
                                         </p:tgtEl>
                                       </p:cBhvr>
                                     </p:animEffect>
@@ -9684,7 +9758,11 @@
                                           </p:stCondLst>
                                         </p:cTn>
                                         <p:tgtEl>
-                                          <p:spTgt spid="3074"/>
+                                          <p:spTgt spid="29701">
+                                            <p:txEl>
+                                              <p:pRg st="5" end="5"/>
+                                            </p:txEl>
+                                          </p:spTgt>
                                         </p:tgtEl>
                                         <p:attrNameLst>
                                           <p:attrName>style.visibility</p:attrName>
@@ -9698,7 +9776,11 @@
                                       <p:cBhvr>
                                         <p:cTn id="30" dur="500"/>
                                         <p:tgtEl>
-                                          <p:spTgt spid="3074"/>
+                                          <p:spTgt spid="29701">
+                                            <p:txEl>
+                                              <p:pRg st="5" end="5"/>
+                                            </p:txEl>
+                                          </p:spTgt>
                                         </p:tgtEl>
                                       </p:cBhvr>
                                     </p:animEffect>
@@ -9914,7 +9996,7 @@
             <a:pPr lvl="1" eaLnBrk="1" hangingPunct="1"/>
             <a:r>
               <a:rPr lang="sr-Latn-RS" altLang="en-US" dirty="0" smtClean="0"/>
-              <a:t> Danas su najčešće sledeće bežične tehnologije:</a:t>
+              <a:t>Najčešće se koriste sledeće bežične tehnologije:</a:t>
             </a:r>
           </a:p>
           <a:p>
@@ -9975,11 +10057,11 @@
             </a:r>
             <a:r>
               <a:rPr lang="sr-Latn-RS" altLang="en-US" dirty="0"/>
-              <a:t>radio talase i </a:t>
-            </a:r>
-            <a:r>
-              <a:rPr lang="sr-Latn-RS" altLang="en-US" dirty="0" smtClean="0"/>
-              <a:t>mo</a:t>
+              <a:t>radio </a:t>
+            </a:r>
+            <a:r>
+              <a:rPr lang="sr-Latn-RS" altLang="en-US" dirty="0" smtClean="0"/>
+              <a:t>talase, mo</a:t>
             </a:r>
             <a:r>
               <a:rPr lang="sr-Latn-RS" altLang="en-US" dirty="0"/>
@@ -10276,6 +10358,171 @@
                                           <p:spTgt spid="29701">
                                             <p:txEl>
                                               <p:pRg st="3" end="3"/>
+                                            </p:txEl>
+                                          </p:spTgt>
+                                        </p:tgtEl>
+                                      </p:cBhvr>
+                                    </p:animEffect>
+                                  </p:childTnLst>
+                                </p:cTn>
+                              </p:par>
+                            </p:childTnLst>
+                          </p:cTn>
+                        </p:par>
+                      </p:childTnLst>
+                    </p:cTn>
+                  </p:par>
+                  <p:par>
+                    <p:cTn id="23" fill="hold">
+                      <p:stCondLst>
+                        <p:cond delay="indefinite"/>
+                      </p:stCondLst>
+                      <p:childTnLst>
+                        <p:par>
+                          <p:cTn id="24" fill="hold">
+                            <p:stCondLst>
+                              <p:cond delay="0"/>
+                            </p:stCondLst>
+                            <p:childTnLst>
+                              <p:par>
+                                <p:cTn id="25" presetID="10" presetClass="entr" presetSubtype="0" fill="hold" nodeType="clickEffect">
+                                  <p:stCondLst>
+                                    <p:cond delay="0"/>
+                                  </p:stCondLst>
+                                  <p:childTnLst>
+                                    <p:set>
+                                      <p:cBhvr>
+                                        <p:cTn id="26" dur="1" fill="hold">
+                                          <p:stCondLst>
+                                            <p:cond delay="0"/>
+                                          </p:stCondLst>
+                                        </p:cTn>
+                                        <p:tgtEl>
+                                          <p:spTgt spid="29701">
+                                            <p:txEl>
+                                              <p:pRg st="4" end="4"/>
+                                            </p:txEl>
+                                          </p:spTgt>
+                                        </p:tgtEl>
+                                        <p:attrNameLst>
+                                          <p:attrName>style.visibility</p:attrName>
+                                        </p:attrNameLst>
+                                      </p:cBhvr>
+                                      <p:to>
+                                        <p:strVal val="visible"/>
+                                      </p:to>
+                                    </p:set>
+                                    <p:animEffect transition="in" filter="fade">
+                                      <p:cBhvr>
+                                        <p:cTn id="27" dur="500"/>
+                                        <p:tgtEl>
+                                          <p:spTgt spid="29701">
+                                            <p:txEl>
+                                              <p:pRg st="4" end="4"/>
+                                            </p:txEl>
+                                          </p:spTgt>
+                                        </p:tgtEl>
+                                      </p:cBhvr>
+                                    </p:animEffect>
+                                  </p:childTnLst>
+                                </p:cTn>
+                              </p:par>
+                            </p:childTnLst>
+                          </p:cTn>
+                        </p:par>
+                      </p:childTnLst>
+                    </p:cTn>
+                  </p:par>
+                  <p:par>
+                    <p:cTn id="28" fill="hold">
+                      <p:stCondLst>
+                        <p:cond delay="indefinite"/>
+                      </p:stCondLst>
+                      <p:childTnLst>
+                        <p:par>
+                          <p:cTn id="29" fill="hold">
+                            <p:stCondLst>
+                              <p:cond delay="0"/>
+                            </p:stCondLst>
+                            <p:childTnLst>
+                              <p:par>
+                                <p:cTn id="30" presetID="10" presetClass="entr" presetSubtype="0" fill="hold" nodeType="clickEffect">
+                                  <p:stCondLst>
+                                    <p:cond delay="0"/>
+                                  </p:stCondLst>
+                                  <p:childTnLst>
+                                    <p:set>
+                                      <p:cBhvr>
+                                        <p:cTn id="31" dur="1" fill="hold">
+                                          <p:stCondLst>
+                                            <p:cond delay="0"/>
+                                          </p:stCondLst>
+                                        </p:cTn>
+                                        <p:tgtEl>
+                                          <p:spTgt spid="29701">
+                                            <p:txEl>
+                                              <p:pRg st="5" end="5"/>
+                                            </p:txEl>
+                                          </p:spTgt>
+                                        </p:tgtEl>
+                                        <p:attrNameLst>
+                                          <p:attrName>style.visibility</p:attrName>
+                                        </p:attrNameLst>
+                                      </p:cBhvr>
+                                      <p:to>
+                                        <p:strVal val="visible"/>
+                                      </p:to>
+                                    </p:set>
+                                    <p:animEffect transition="in" filter="fade">
+                                      <p:cBhvr>
+                                        <p:cTn id="32" dur="500"/>
+                                        <p:tgtEl>
+                                          <p:spTgt spid="29701">
+                                            <p:txEl>
+                                              <p:pRg st="5" end="5"/>
+                                            </p:txEl>
+                                          </p:spTgt>
+                                        </p:tgtEl>
+                                      </p:cBhvr>
+                                    </p:animEffect>
+                                  </p:childTnLst>
+                                </p:cTn>
+                              </p:par>
+                              <p:par>
+                                <p:cTn id="33" presetID="10" presetClass="entr" presetSubtype="0" fill="hold" nodeType="withEffect">
+                                  <p:stCondLst>
+                                    <p:cond delay="0"/>
+                                  </p:stCondLst>
+                                  <p:childTnLst>
+                                    <p:set>
+                                      <p:cBhvr>
+                                        <p:cTn id="34" dur="1" fill="hold">
+                                          <p:stCondLst>
+                                            <p:cond delay="0"/>
+                                          </p:stCondLst>
+                                        </p:cTn>
+                                        <p:tgtEl>
+                                          <p:spTgt spid="29701">
+                                            <p:txEl>
+                                              <p:pRg st="6" end="6"/>
+                                            </p:txEl>
+                                          </p:spTgt>
+                                        </p:tgtEl>
+                                        <p:attrNameLst>
+                                          <p:attrName>style.visibility</p:attrName>
+                                        </p:attrNameLst>
+                                      </p:cBhvr>
+                                      <p:to>
+                                        <p:strVal val="visible"/>
+                                      </p:to>
+                                    </p:set>
+                                    <p:animEffect transition="in" filter="fade">
+                                      <p:cBhvr>
+                                        <p:cTn id="35" dur="500"/>
+                                        <p:tgtEl>
+                                          <p:spTgt spid="29701">
+                                            <p:txEl>
+                                              <p:pRg st="6" end="6"/>
                                             </p:txEl>
                                           </p:spTgt>
                                         </p:tgtEl>
@@ -10377,7 +10624,7 @@
         </p:nvSpPr>
         <p:spPr>
           <a:xfrm>
-            <a:off x="323529" y="1476499"/>
+            <a:off x="323974" y="1476499"/>
             <a:ext cx="8712522" cy="2168525"/>
           </a:xfrm>
         </p:spPr>
@@ -10387,9 +10634,10 @@
           <a:p>
             <a:pPr lvl="1" eaLnBrk="1" hangingPunct="1"/>
             <a:r>
-              <a:rPr lang="sr-Latn-RS" altLang="en-US" dirty="0" smtClean="0"/>
-              <a:t>Danas su najčešće sledeće bežične tehnologije:</a:t>
-            </a:r>
+              <a:rPr lang="sr-Latn-RS" altLang="en-US" dirty="0"/>
+              <a:t>Najčešće se koriste sledeće bežične tehnologije :</a:t>
+            </a:r>
+            <a:endParaRPr lang="sr-Latn-RS" altLang="en-US" dirty="0" smtClean="0"/>
           </a:p>
           <a:p>
             <a:pPr lvl="2" eaLnBrk="1" hangingPunct="1"/>
@@ -10521,7 +10769,85 @@
             </a:r>
             <a:r>
               <a:rPr lang="sr-Latn-RS" altLang="en-US" dirty="0"/>
-              <a:t>LAN komunikaciju je IEEE 802.11.</a:t>
+              <a:t>LAN komunikaciju je IEEE 802.11</a:t>
+            </a:r>
+            <a:br>
+              <a:rPr lang="sr-Latn-RS" altLang="en-US" dirty="0"/>
+            </a:br>
+            <a:r>
+              <a:rPr lang="sr-Latn-RS" altLang="en-US" dirty="0" smtClean="0"/>
+              <a:t>Mreži </a:t>
+            </a:r>
+            <a:r>
+              <a:rPr lang="sr-Latn-RS" altLang="en-US" dirty="0"/>
+              <a:t>se pristupa preko pristupnih </a:t>
+            </a:r>
+            <a:r>
+              <a:rPr lang="sr-Latn-RS" altLang="en-US" dirty="0" smtClean="0"/>
+              <a:t>ta</a:t>
+            </a:r>
+            <a:r>
+              <a:rPr lang="sr-Latn-RS" altLang="en-US" dirty="0"/>
+              <a:t>č</a:t>
+            </a:r>
+            <a:r>
+              <a:rPr lang="sr-Latn-RS" altLang="en-US" dirty="0" smtClean="0"/>
+              <a:t>aka </a:t>
+            </a:r>
+            <a:r>
+              <a:rPr lang="sr-Latn-RS" altLang="en-US" dirty="0"/>
+              <a:t>(</a:t>
+            </a:r>
+            <a:r>
+              <a:rPr lang="sr-Latn-RS" altLang="en-US" dirty="0" err="1"/>
+              <a:t>access</a:t>
+            </a:r>
+            <a:r>
+              <a:rPr lang="sr-Latn-RS" altLang="en-US" dirty="0"/>
+              <a:t> </a:t>
+            </a:r>
+            <a:r>
+              <a:rPr lang="sr-Latn-RS" altLang="en-US" dirty="0" err="1"/>
+              <a:t>point</a:t>
+            </a:r>
+            <a:r>
+              <a:rPr lang="sr-Latn-RS" altLang="en-US" dirty="0" smtClean="0"/>
+              <a:t>)</a:t>
+            </a:r>
+            <a:br>
+              <a:rPr lang="sr-Latn-RS" altLang="en-US" dirty="0" smtClean="0"/>
+            </a:br>
+            <a:r>
+              <a:rPr lang="sr-Latn-RS" altLang="en-US" dirty="0" smtClean="0"/>
+              <a:t>Oblast </a:t>
+            </a:r>
+            <a:r>
+              <a:rPr lang="sr-Latn-RS" altLang="en-US" dirty="0"/>
+              <a:t>prostora u kojoj je </a:t>
+            </a:r>
+            <a:r>
+              <a:rPr lang="sr-Latn-RS" altLang="en-US" dirty="0" smtClean="0"/>
+              <a:t>mreža </a:t>
+            </a:r>
+            <a:r>
+              <a:rPr lang="sr-Latn-RS" altLang="en-US" dirty="0"/>
+              <a:t>dostupna naziva se </a:t>
+            </a:r>
+            <a:r>
+              <a:rPr lang="sr-Latn-RS" altLang="en-US" dirty="0" smtClean="0"/>
+              <a:t>vruća tačka </a:t>
+            </a:r>
+            <a:r>
+              <a:rPr lang="sr-Latn-RS" altLang="en-US" dirty="0"/>
+              <a:t>(</a:t>
+            </a:r>
+            <a:r>
+              <a:rPr lang="sr-Latn-RS" altLang="en-US" dirty="0" err="1" smtClean="0"/>
+              <a:t>hot</a:t>
+            </a:r>
+            <a:r>
+              <a:rPr lang="sr-Latn-RS" altLang="en-US" dirty="0" smtClean="0"/>
+              <a:t> spot)</a:t>
             </a:r>
           </a:p>
           <a:p>
@@ -10529,34 +10855,72 @@
             <a:r>
               <a:rPr lang="sr-Latn-RS" altLang="en-US" dirty="0" smtClean="0">
                 <a:solidFill>
-                  <a:srgbClr val="002060"/>
+                  <a:schemeClr val="accent1">
+                    <a:lumMod val="25000"/>
+                  </a:schemeClr>
                 </a:solidFill>
               </a:rPr>
-              <a:t>Ćelijski </a:t>
+              <a:t>Bežične </a:t>
             </a:r>
             <a:r>
               <a:rPr lang="sr-Latn-RS" altLang="en-US" dirty="0">
                 <a:solidFill>
-                  <a:srgbClr val="002060"/>
+                  <a:schemeClr val="accent1">
+                    <a:lumMod val="25000"/>
+                  </a:schemeClr>
                 </a:solidFill>
               </a:rPr>
-              <a:t>sistemi </a:t>
-            </a:r>
-            <a:r>
-              <a:rPr lang="sr-Latn-RS" altLang="en-US" dirty="0"/>
-              <a:t>- </a:t>
-            </a:r>
-            <a:r>
-              <a:rPr lang="sr-Latn-RS" altLang="en-US" dirty="0" smtClean="0"/>
-              <a:t>način </a:t>
-            </a:r>
-            <a:r>
-              <a:rPr lang="sr-Latn-RS" altLang="en-US" dirty="0"/>
-              <a:t>prenosa podataka veoma </a:t>
-            </a:r>
-            <a:r>
-              <a:rPr lang="sr-Latn-RS" altLang="en-US" dirty="0" smtClean="0"/>
-              <a:t>sli</a:t>
+              <a:t>gradske </a:t>
+            </a:r>
+            <a:r>
+              <a:rPr lang="sr-Latn-RS" altLang="en-US" dirty="0" smtClean="0">
+                <a:solidFill>
+                  <a:schemeClr val="accent1">
+                    <a:lumMod val="25000"/>
+                  </a:schemeClr>
+                </a:solidFill>
+              </a:rPr>
+              <a:t>mre</a:t>
+            </a:r>
+            <a:r>
+              <a:rPr lang="sr-Latn-RS" altLang="en-US" dirty="0">
+                <a:solidFill>
+                  <a:schemeClr val="accent1">
+                    <a:lumMod val="25000"/>
+                  </a:schemeClr>
+                </a:solidFill>
+              </a:rPr>
+              <a:t>ž</a:t>
+            </a:r>
+            <a:r>
+              <a:rPr lang="sr-Latn-RS" altLang="en-US" dirty="0" smtClean="0">
+                <a:solidFill>
+                  <a:schemeClr val="accent1">
+                    <a:lumMod val="25000"/>
+                  </a:schemeClr>
+                </a:solidFill>
+              </a:rPr>
+              <a:t>e</a:t>
+            </a:r>
+            <a:r>
+              <a:rPr lang="sr-Latn-RS" altLang="en-US" dirty="0" smtClean="0"/>
+              <a:t> </a:t>
+            </a:r>
+            <a:r>
+              <a:rPr lang="sr-Latn-RS" altLang="en-US" dirty="0"/>
+              <a:t>(</a:t>
+            </a:r>
+            <a:r>
+              <a:rPr lang="sr-Latn-RS" altLang="en-US" dirty="0" err="1"/>
+              <a:t>WiMAX</a:t>
+            </a:r>
+            <a:r>
+              <a:rPr lang="sr-Latn-RS" altLang="en-US" dirty="0"/>
+              <a:t>) </a:t>
+            </a:r>
+            <a:r>
+              <a:rPr lang="sr-Latn-RS" altLang="en-US" dirty="0" smtClean="0"/>
+              <a:t>pokrivaju šira podru</a:t>
             </a:r>
             <a:r>
               <a:rPr lang="sr-Latn-RS" altLang="en-US" dirty="0"/>
@@ -10564,66 +10928,47 @@
             </a:r>
             <a:r>
               <a:rPr lang="sr-Latn-RS" altLang="en-US" dirty="0" smtClean="0"/>
-              <a:t>an </a:t>
-            </a:r>
-            <a:r>
-              <a:rPr lang="sr-Latn-RS" altLang="en-US" dirty="0"/>
-              <a:t>onom koji se koristi </a:t>
-            </a:r>
-            <a:r>
-              <a:rPr lang="sr-Latn-RS" altLang="en-US" dirty="0" smtClean="0"/>
-              <a:t>u mobilnoj telefoniji </a:t>
-            </a:r>
-            <a:br>
-              <a:rPr lang="sr-Latn-RS" altLang="en-US" dirty="0" smtClean="0"/>
-            </a:br>
-            <a:r>
-              <a:rPr lang="sr-Latn-RS" altLang="en-US" dirty="0" smtClean="0"/>
-              <a:t>Za </a:t>
-            </a:r>
-            <a:r>
-              <a:rPr lang="sr-Latn-RS" altLang="en-US" dirty="0"/>
-              <a:t>komunikaciju se koriste radio talasi i sistemi </a:t>
-            </a:r>
-            <a:r>
-              <a:rPr lang="sr-Latn-RS" altLang="en-US" dirty="0" smtClean="0"/>
-              <a:t>antena koje </a:t>
-            </a:r>
-            <a:r>
-              <a:rPr lang="sr-Latn-RS" altLang="en-US" dirty="0"/>
-              <a:t>pokrivaju odredenu geografsku oblast, pri </a:t>
-            </a:r>
-            <a:r>
-              <a:rPr lang="sr-Latn-RS" altLang="en-US" dirty="0" smtClean="0"/>
-              <a:t>čemu </a:t>
-            </a:r>
-            <a:r>
-              <a:rPr lang="sr-Latn-RS" altLang="en-US" dirty="0"/>
-              <a:t>se signal od </a:t>
-            </a:r>
-            <a:r>
-              <a:rPr lang="sr-Latn-RS" altLang="en-US" dirty="0" smtClean="0"/>
-              <a:t>odredišta do </a:t>
-            </a:r>
-            <a:r>
-              <a:rPr lang="sr-Latn-RS" altLang="en-US" dirty="0"/>
-              <a:t>cilja prenosi preko niza </a:t>
-            </a:r>
-            <a:r>
-              <a:rPr lang="sr-Latn-RS" altLang="en-US" dirty="0" smtClean="0"/>
-              <a:t>antena</a:t>
+              <a:t>ja </a:t>
+            </a:r>
+            <a:r>
+              <a:rPr lang="sr-Latn-RS" altLang="en-US" dirty="0"/>
+              <a:t>i </a:t>
+            </a:r>
+            <a:r>
+              <a:rPr lang="sr-Latn-RS" altLang="en-US" dirty="0" smtClean="0"/>
+              <a:t>daju protok </a:t>
+            </a:r>
+            <a:r>
+              <a:rPr lang="sr-Latn-RS" altLang="en-US" dirty="0"/>
+              <a:t>do </a:t>
+            </a:r>
+            <a:r>
+              <a:rPr lang="sr-Latn-RS" altLang="en-US" dirty="0" smtClean="0"/>
+              <a:t>40 </a:t>
+            </a:r>
+            <a:r>
+              <a:rPr lang="sr-Latn-RS" altLang="en-US" dirty="0" err="1" smtClean="0"/>
+              <a:t>Mbps</a:t>
             </a:r>
             <a:endParaRPr lang="sr-Latn-RS" altLang="en-US" dirty="0"/>
           </a:p>
           <a:p>
             <a:pPr lvl="2" eaLnBrk="1" hangingPunct="1"/>
             <a:r>
+              <a:rPr lang="sr-Latn-RS" altLang="en-US" dirty="0" smtClean="0">
+                <a:solidFill>
+                  <a:srgbClr val="002060"/>
+                </a:solidFill>
+              </a:rPr>
+              <a:t>Ćelijski </a:t>
+            </a:r>
+            <a:r>
               <a:rPr lang="sr-Latn-RS" altLang="en-US" dirty="0">
                 <a:solidFill>
                   <a:srgbClr val="002060"/>
                 </a:solidFill>
               </a:rPr>
-              <a:t>Zemaljski mikrotalasi </a:t>
+              <a:t>sistemi </a:t>
             </a:r>
             <a:r>
               <a:rPr lang="sr-Latn-RS" altLang="en-US" dirty="0"/>
@@ -10631,98 +10976,75 @@
             </a:r>
             <a:r>
               <a:rPr lang="sr-Latn-RS" altLang="en-US" dirty="0" smtClean="0"/>
-              <a:t>koriste </a:t>
-            </a:r>
-            <a:r>
-              <a:rPr lang="sr-Latn-RS" altLang="en-US" dirty="0"/>
-              <a:t>antensku </a:t>
-            </a:r>
-            <a:r>
-              <a:rPr lang="sr-Latn-RS" altLang="en-US" dirty="0" smtClean="0"/>
-              <a:t>mre</a:t>
-            </a:r>
-            <a:r>
-              <a:rPr lang="sr-Latn-RS" altLang="en-US" dirty="0"/>
-              <a:t>ž</a:t>
-            </a:r>
-            <a:r>
-              <a:rPr lang="sr-Latn-RS" altLang="en-US" dirty="0" smtClean="0"/>
-              <a:t>u </a:t>
-            </a:r>
-            <a:r>
-              <a:rPr lang="sr-Latn-RS" altLang="en-US" dirty="0"/>
-              <a:t>na </a:t>
-            </a:r>
-            <a:r>
-              <a:rPr lang="sr-Latn-RS" altLang="en-US" dirty="0" smtClean="0"/>
-              <a:t>Zemlji</a:t>
+              <a:t>način </a:t>
+            </a:r>
+            <a:r>
+              <a:rPr lang="sr-Latn-RS" altLang="en-US" dirty="0"/>
+              <a:t>prenosa podataka veoma </a:t>
+            </a:r>
+            <a:r>
+              <a:rPr lang="sr-Latn-RS" altLang="en-US" dirty="0" smtClean="0"/>
+              <a:t>sli</a:t>
+            </a:r>
+            <a:r>
+              <a:rPr lang="sr-Latn-RS" altLang="en-US" dirty="0"/>
+              <a:t>č</a:t>
+            </a:r>
+            <a:r>
+              <a:rPr lang="sr-Latn-RS" altLang="en-US" dirty="0" smtClean="0"/>
+              <a:t>an </a:t>
+            </a:r>
+            <a:r>
+              <a:rPr lang="sr-Latn-RS" altLang="en-US" dirty="0"/>
+              <a:t>onom koji se koristi </a:t>
+            </a:r>
+            <a:r>
+              <a:rPr lang="sr-Latn-RS" altLang="en-US" dirty="0" smtClean="0"/>
+              <a:t>u mobilnoj telefoniji </a:t>
             </a:r>
             <a:br>
               <a:rPr lang="sr-Latn-RS" altLang="en-US" dirty="0" smtClean="0"/>
             </a:br>
             <a:r>
               <a:rPr lang="sr-Latn-RS" altLang="en-US" dirty="0" smtClean="0"/>
-              <a:t>Za komunikaciju </a:t>
-            </a:r>
-            <a:r>
-              <a:rPr lang="sr-Latn-RS" altLang="en-US" dirty="0"/>
-              <a:t>koriste mikrotalasi niske frekvencije koji zahtevaju da </a:t>
-            </a:r>
-            <a:r>
-              <a:rPr lang="sr-Latn-RS" altLang="en-US" dirty="0" smtClean="0"/>
-              <a:t>antene budu opti</a:t>
-            </a:r>
-            <a:r>
-              <a:rPr lang="sr-Latn-RS" altLang="en-US" dirty="0"/>
-              <a:t>č</a:t>
-            </a:r>
-            <a:r>
-              <a:rPr lang="sr-Latn-RS" altLang="en-US" dirty="0" smtClean="0"/>
-              <a:t>ki vidljive, </a:t>
-            </a:r>
-            <a:r>
-              <a:rPr lang="sr-Latn-RS" altLang="en-US" dirty="0"/>
-              <a:t>tako da se one </a:t>
-            </a:r>
-            <a:r>
-              <a:rPr lang="sr-Latn-RS" altLang="en-US" dirty="0" smtClean="0"/>
-              <a:t>obično smeštaju </a:t>
-            </a:r>
-            <a:r>
-              <a:rPr lang="sr-Latn-RS" altLang="en-US" dirty="0"/>
-              <a:t>na visoke </a:t>
-            </a:r>
-            <a:r>
-              <a:rPr lang="sr-Latn-RS" altLang="en-US" dirty="0" smtClean="0"/>
-              <a:t>tačke (</a:t>
-            </a:r>
-            <a:r>
-              <a:rPr lang="sr-Latn-RS" altLang="en-US" dirty="0"/>
-              <a:t>vrhove brda, tornjeve, nebodere</a:t>
-            </a:r>
-            <a:r>
-              <a:rPr lang="sr-Latn-RS" altLang="en-US" dirty="0" smtClean="0"/>
-              <a:t>) </a:t>
-            </a:r>
-            <a:br>
-              <a:rPr lang="sr-Latn-RS" altLang="en-US" dirty="0" smtClean="0"/>
-            </a:br>
-            <a:r>
-              <a:rPr lang="sr-Latn-RS" altLang="en-US" dirty="0" smtClean="0"/>
-              <a:t>Antene </a:t>
-            </a:r>
-            <a:r>
-              <a:rPr lang="sr-Latn-RS" altLang="en-US" dirty="0"/>
-              <a:t>mogu da budu udaljene i </a:t>
-            </a:r>
-            <a:r>
-              <a:rPr lang="sr-Latn-RS" altLang="en-US" dirty="0" smtClean="0"/>
-              <a:t>do pedesetak </a:t>
-            </a:r>
-            <a:r>
-              <a:rPr lang="sr-Latn-RS" altLang="en-US" dirty="0" smtClean="0"/>
-              <a:t>kilometara</a:t>
-            </a:r>
+              <a:t>Za </a:t>
+            </a:r>
+            <a:r>
+              <a:rPr lang="sr-Latn-RS" altLang="en-US" dirty="0"/>
+              <a:t>komunikaciju se koriste radio talasi i sistemi </a:t>
+            </a:r>
+            <a:r>
+              <a:rPr lang="sr-Latn-RS" altLang="en-US" dirty="0" smtClean="0"/>
+              <a:t>antena koje </a:t>
+            </a:r>
+            <a:r>
+              <a:rPr lang="sr-Latn-RS" altLang="en-US" dirty="0"/>
+              <a:t>pokrivaju odredenu geografsku oblast, pri </a:t>
+            </a:r>
+            <a:r>
+              <a:rPr lang="sr-Latn-RS" altLang="en-US" dirty="0" smtClean="0"/>
+              <a:t>čemu </a:t>
+            </a:r>
+            <a:r>
+              <a:rPr lang="sr-Latn-RS" altLang="en-US" dirty="0"/>
+              <a:t>se signal od </a:t>
+            </a:r>
+            <a:r>
+              <a:rPr lang="sr-Latn-RS" altLang="en-US" dirty="0" smtClean="0"/>
+              <a:t>odredišta do </a:t>
+            </a:r>
+            <a:r>
+              <a:rPr lang="sr-Latn-RS" altLang="en-US" dirty="0"/>
+              <a:t>cilja prenosi preko niza </a:t>
+            </a:r>
+            <a:r>
+              <a:rPr lang="sr-Latn-RS" altLang="en-US" dirty="0" smtClean="0"/>
+              <a:t>antena</a:t>
+            </a:r>
+            <a:endParaRPr lang="sr-Latn-RS" altLang="en-US" dirty="0"/>
+          </a:p>
+          <a:p>
+            <a:pPr lvl="2" eaLnBrk="1" hangingPunct="1"/>
             <a:endParaRPr lang="sr-Latn-RS" altLang="en-US" dirty="0"/>
           </a:p>
         </p:txBody>
@@ -10800,33 +11122,15 @@
                                   </p:childTnLst>
                                 </p:cTn>
                               </p:par>
-                            </p:childTnLst>
-                          </p:cTn>
-                        </p:par>
-                      </p:childTnLst>
-                    </p:cTn>
-                  </p:par>
-                  <p:par>
-                    <p:cTn id="8" fill="hold">
-                      <p:stCondLst>
-                        <p:cond delay="indefinite"/>
-                      </p:stCondLst>
-                      <p:childTnLst>
-                        <p:par>
-                          <p:cTn id="9" fill="hold">
-                            <p:stCondLst>
-                              <p:cond delay="0"/>
-                            </p:stCondLst>
-                            <p:childTnLst>
                               <p:par>
-                                <p:cTn id="10" presetID="10" presetClass="entr" presetSubtype="0" fill="hold" nodeType="clickEffect">
+                                <p:cTn id="8" presetID="10" presetClass="entr" presetSubtype="0" fill="hold" nodeType="withEffect">
                                   <p:stCondLst>
                                     <p:cond delay="0"/>
                                   </p:stCondLst>
                                   <p:childTnLst>
                                     <p:set>
                                       <p:cBhvr>
-                                        <p:cTn id="11" dur="1" fill="hold">
+                                        <p:cTn id="9" dur="1" fill="hold">
                                           <p:stCondLst>
                                             <p:cond delay="0"/>
                                           </p:stCondLst>
@@ -10848,7 +11152,7 @@
                                     </p:set>
                                     <p:animEffect transition="in" filter="fade">
                                       <p:cBhvr>
-                                        <p:cTn id="12" dur="500"/>
+                                        <p:cTn id="10" dur="500"/>
                                         <p:tgtEl>
                                           <p:spTgt spid="29701">
                                             <p:txEl>
@@ -10868,26 +11172,26 @@
                     </p:cTn>
                   </p:par>
                   <p:par>
-                    <p:cTn id="13" fill="hold">
+                    <p:cTn id="11" fill="hold">
                       <p:stCondLst>
                         <p:cond delay="indefinite"/>
                       </p:stCondLst>
                       <p:childTnLst>
                         <p:par>
-                          <p:cTn id="14" fill="hold">
+                          <p:cTn id="12" fill="hold">
                             <p:stCondLst>
                               <p:cond delay="0"/>
                             </p:stCondLst>
                             <p:childTnLst>
                               <p:par>
-                                <p:cTn id="15" presetID="10" presetClass="entr" presetSubtype="0" fill="hold" nodeType="clickEffect">
+                                <p:cTn id="13" presetID="10" presetClass="entr" presetSubtype="0" fill="hold" nodeType="clickEffect">
                                   <p:stCondLst>
                                     <p:cond delay="0"/>
                                   </p:stCondLst>
                                   <p:childTnLst>
                                     <p:set>
                                       <p:cBhvr>
-                                        <p:cTn id="16" dur="1" fill="hold">
+                                        <p:cTn id="14" dur="1" fill="hold">
                                           <p:stCondLst>
                                             <p:cond delay="0"/>
                                           </p:stCondLst>
@@ -10909,7 +11213,7 @@
                                     </p:set>
                                     <p:animEffect transition="in" filter="fade">
                                       <p:cBhvr>
-                                        <p:cTn id="17" dur="500"/>
+                                        <p:cTn id="15" dur="500"/>
                                         <p:tgtEl>
                                           <p:spTgt spid="29701">
                                             <p:txEl>
@@ -10929,26 +11233,26 @@
                     </p:cTn>
                   </p:par>
                   <p:par>
-                    <p:cTn id="18" fill="hold">
+                    <p:cTn id="16" fill="hold">
                       <p:stCondLst>
                         <p:cond delay="indefinite"/>
                       </p:stCondLst>
                       <p:childTnLst>
                         <p:par>
-                          <p:cTn id="19" fill="hold">
+                          <p:cTn id="17" fill="hold">
                             <p:stCondLst>
                               <p:cond delay="0"/>
                             </p:stCondLst>
                             <p:childTnLst>
                               <p:par>
-                                <p:cTn id="20" presetID="10" presetClass="entr" presetSubtype="0" fill="hold" nodeType="clickEffect">
+                                <p:cTn id="18" presetID="10" presetClass="entr" presetSubtype="0" fill="hold" nodeType="clickEffect">
                                   <p:stCondLst>
                                     <p:cond delay="0"/>
                                   </p:stCondLst>
                                   <p:childTnLst>
                                     <p:set>
                                       <p:cBhvr>
-                                        <p:cTn id="21" dur="1" fill="hold">
+                                        <p:cTn id="19" dur="1" fill="hold">
                                           <p:stCondLst>
                                             <p:cond delay="0"/>
                                           </p:stCondLst>
@@ -10970,7 +11274,7 @@
                                     </p:set>
                                     <p:animEffect transition="in" filter="fade">
                                       <p:cBhvr>
-                                        <p:cTn id="22" dur="500"/>
+                                        <p:cTn id="20" dur="500"/>
                                         <p:tgtEl>
                                           <p:spTgt spid="29701">
                                             <p:txEl>
@@ -11475,13 +11779,68 @@
           <a:p>
             <a:pPr lvl="1" eaLnBrk="1" hangingPunct="1"/>
             <a:r>
-              <a:rPr lang="sr-Latn-RS" altLang="en-US" dirty="0" smtClean="0"/>
-              <a:t>Danas su najčešće sledeće bežične tehnologije:</a:t>
-            </a:r>
+              <a:rPr lang="sr-Latn-RS" altLang="en-US" dirty="0"/>
+              <a:t>Najčešće se koriste sledeće bežične tehnologije :</a:t>
+            </a:r>
+            <a:endParaRPr lang="sr-Latn-RS" altLang="en-US" dirty="0" smtClean="0"/>
           </a:p>
           <a:p>
             <a:pPr lvl="2" eaLnBrk="1" hangingPunct="1"/>
             <a:r>
+              <a:rPr lang="sr-Latn-RS" altLang="en-US" dirty="0">
+                <a:solidFill>
+                  <a:srgbClr val="002060"/>
+                </a:solidFill>
+              </a:rPr>
+              <a:t>Zemaljski </a:t>
+            </a:r>
+            <a:r>
+              <a:rPr lang="sr-Latn-RS" altLang="en-US" dirty="0" err="1">
+                <a:solidFill>
+                  <a:srgbClr val="002060"/>
+                </a:solidFill>
+              </a:rPr>
+              <a:t>mikrotalasi</a:t>
+            </a:r>
+            <a:r>
+              <a:rPr lang="sr-Latn-RS" altLang="en-US" dirty="0">
+                <a:solidFill>
+                  <a:srgbClr val="002060"/>
+                </a:solidFill>
+              </a:rPr>
+              <a:t> </a:t>
+            </a:r>
+            <a:r>
+              <a:rPr lang="sr-Latn-RS" altLang="en-US" dirty="0"/>
+              <a:t>- koriste antensku mrežu na Zemlji</a:t>
+            </a:r>
+            <a:br>
+              <a:rPr lang="sr-Latn-RS" altLang="en-US" dirty="0"/>
+            </a:br>
+            <a:r>
+              <a:rPr lang="sr-Latn-RS" altLang="en-US" dirty="0"/>
+              <a:t>Za komunikaciju koriste </a:t>
+            </a:r>
+            <a:r>
+              <a:rPr lang="sr-Latn-RS" altLang="en-US" dirty="0" err="1"/>
+              <a:t>mikrotalasi</a:t>
+            </a:r>
+            <a:r>
+              <a:rPr lang="sr-Latn-RS" altLang="en-US" dirty="0"/>
+              <a:t> niske frekvencije koji zahtevaju da antene budu optički vidljive, tako da se one obično smeštaju na visoke tačke (vrhove brda, tornjeve, nebodere) </a:t>
+            </a:r>
+            <a:br>
+              <a:rPr lang="sr-Latn-RS" altLang="en-US" dirty="0"/>
+            </a:br>
+            <a:r>
+              <a:rPr lang="sr-Latn-RS" altLang="en-US" dirty="0"/>
+              <a:t>Antene mogu da budu udaljene i do pedesetak kilometara</a:t>
+            </a:r>
+            <a:endParaRPr lang="sr-Latn-RS" altLang="en-US" dirty="0" smtClean="0"/>
+          </a:p>
+          <a:p>
+            <a:pPr lvl="2" eaLnBrk="1" hangingPunct="1"/>
+            <a:r>
               <a:rPr lang="sr-Latn-RS" altLang="en-US" dirty="0" smtClean="0">
                 <a:solidFill>
                   <a:srgbClr val="002060"/>
@@ -11628,13 +11987,8 @@
             </a:r>
             <a:r>
               <a:rPr lang="sr-Latn-RS" altLang="en-US" dirty="0" smtClean="0"/>
-              <a:t>korišćenje satelitske komunikacije </a:t>
-            </a:r>
-            <a:r>
-              <a:rPr lang="sr-Latn-RS" altLang="en-US" dirty="0" smtClean="0"/>
-              <a:t>pogodnije</a:t>
-            </a:r>
-            <a:endParaRPr lang="sr-Latn-RS" altLang="en-US" dirty="0" smtClean="0"/>
+              <a:t>korišćenje satelitske komunikacije pogodnije</a:t>
+            </a:r>
           </a:p>
         </p:txBody>
       </p:sp>
@@ -11711,6 +12065,49 @@
                                   </p:childTnLst>
                                 </p:cTn>
                               </p:par>
+                              <p:par>
+                                <p:cTn id="8" presetID="10" presetClass="entr" presetSubtype="0" fill="hold" nodeType="withEffect">
+                                  <p:stCondLst>
+                                    <p:cond delay="0"/>
+                                  </p:stCondLst>
+                                  <p:childTnLst>
+                                    <p:set>
+                                      <p:cBhvr>
+                                        <p:cTn id="9" dur="1" fill="hold">
+                                          <p:stCondLst>
+                                            <p:cond delay="0"/>
+                                          </p:stCondLst>
+                                        </p:cTn>
+                                        <p:tgtEl>
+                                          <p:spTgt spid="29701">
+                                            <p:txEl>
+                                              <p:pRg st="1" end="1"/>
+                                            </p:txEl>
+                                          </p:spTgt>
+                                        </p:tgtEl>
+                                        <p:attrNameLst>
+                                          <p:attrName>style.visibility</p:attrName>
+                                        </p:attrNameLst>
+                                      </p:cBhvr>
+                                      <p:to>
+                                        <p:strVal val="visible"/>
+                                      </p:to>
+                                    </p:set>
+                                    <p:animEffect transition="in" filter="fade">
+                                      <p:cBhvr>
+                                        <p:cTn id="10" dur="500"/>
+                                        <p:tgtEl>
+                                          <p:spTgt spid="29701">
+                                            <p:txEl>
+                                              <p:pRg st="1" end="1"/>
+                                            </p:txEl>
+                                          </p:spTgt>
+                                        </p:tgtEl>
+                                      </p:cBhvr>
+                                    </p:animEffect>
+                                  </p:childTnLst>
+                                </p:cTn>
+                              </p:par>
                             </p:childTnLst>
                           </p:cTn>
                         </p:par>
@@ -11718,26 +12115,26 @@
                     </p:cTn>
                   </p:par>
                   <p:par>
-                    <p:cTn id="8" fill="hold">
+                    <p:cTn id="11" fill="hold">
                       <p:stCondLst>
                         <p:cond delay="indefinite"/>
                       </p:stCondLst>
                       <p:childTnLst>
                         <p:par>
-                          <p:cTn id="9" fill="hold">
+                          <p:cTn id="12" fill="hold">
                             <p:stCondLst>
                               <p:cond delay="0"/>
                             </p:stCondLst>
                             <p:childTnLst>
                               <p:par>
-                                <p:cTn id="10" presetID="10" presetClass="entr" presetSubtype="0" fill="hold" nodeType="clickEffect">
+                                <p:cTn id="13" presetID="10" presetClass="entr" presetSubtype="0" fill="hold" nodeType="clickEffect">
                                   <p:stCondLst>
                                     <p:cond delay="0"/>
                                   </p:stCondLst>
                                   <p:childTnLst>
                                     <p:set>
                                       <p:cBhvr>
-                                        <p:cTn id="11" dur="1" fill="hold">
+                                        <p:cTn id="14" dur="1" fill="hold">
                                           <p:stCondLst>
                                             <p:cond delay="0"/>
                                           </p:stCondLst>
@@ -11745,7 +12142,7 @@
                                         <p:tgtEl>
                                           <p:spTgt spid="29701">
                                             <p:txEl>
-                                              <p:pRg st="1" end="1"/>
+                                              <p:pRg st="2" end="2"/>
                                             </p:txEl>
                                           </p:spTgt>
                                         </p:tgtEl>
@@ -11759,11 +12156,11 @@
                                     </p:set>
                                     <p:animEffect transition="in" filter="fade">
                                       <p:cBhvr>
-                                        <p:cTn id="12" dur="500"/>
-                                        <p:tgtEl>
-                                          <p:spTgt spid="29701">
-                                            <p:txEl>
-                                              <p:pRg st="1" end="1"/>
+                                        <p:cTn id="15" dur="500"/>
+                                        <p:tgtEl>
+                                          <p:spTgt spid="29701">
+                                            <p:txEl>
+                                              <p:pRg st="2" end="2"/>
                                             </p:txEl>
                                           </p:spTgt>
                                         </p:tgtEl>
@@ -11873,162 +12270,158 @@
           <a:bodyPr/>
           <a:lstStyle/>
           <a:p>
-            <a:pPr eaLnBrk="1" hangingPunct="1"/>
-            <a:r>
-              <a:rPr lang="sr-Latn-RS" altLang="en-US" dirty="0"/>
-              <a:t>Sama </a:t>
-            </a:r>
-            <a:r>
-              <a:rPr lang="sr-Latn-RS" altLang="en-US" dirty="0" smtClean="0"/>
-              <a:t>mre</a:t>
-            </a:r>
-            <a:r>
-              <a:rPr lang="sr-Latn-RS" altLang="en-US" dirty="0"/>
-              <a:t>ž</a:t>
-            </a:r>
-            <a:r>
-              <a:rPr lang="sr-Latn-RS" altLang="en-US" dirty="0" smtClean="0"/>
-              <a:t>a </a:t>
-            </a:r>
-            <a:r>
-              <a:rPr lang="sr-Latn-RS" altLang="en-US" dirty="0"/>
-              <a:t>ne </a:t>
-            </a:r>
-            <a:r>
-              <a:rPr lang="sr-Latn-RS" altLang="en-US" dirty="0" smtClean="0"/>
-              <a:t>može ni</a:t>
-            </a:r>
-            <a:r>
-              <a:rPr lang="sr-Latn-RS" altLang="en-US" dirty="0"/>
-              <a:t>č</a:t>
-            </a:r>
-            <a:r>
-              <a:rPr lang="sr-Latn-RS" altLang="en-US" dirty="0" smtClean="0"/>
-              <a:t>emu </a:t>
-            </a:r>
-            <a:r>
-              <a:rPr lang="sr-Latn-RS" altLang="en-US" dirty="0"/>
-              <a:t>da </a:t>
-            </a:r>
-            <a:r>
-              <a:rPr lang="sr-Latn-RS" altLang="en-US" dirty="0" smtClean="0"/>
-              <a:t>posluži </a:t>
-            </a:r>
-            <a:r>
-              <a:rPr lang="sr-Latn-RS" altLang="en-US" dirty="0"/>
-              <a:t>bez </a:t>
-            </a:r>
-            <a:r>
-              <a:rPr lang="sr-Latn-RS" altLang="en-US" dirty="0" smtClean="0"/>
-              <a:t>sotfera koji će joj omogućiti </a:t>
-            </a:r>
-            <a:r>
-              <a:rPr lang="sr-Latn-RS" altLang="en-US" dirty="0"/>
-              <a:t>da </a:t>
-            </a:r>
-            <a:r>
-              <a:rPr lang="sr-Latn-RS" altLang="en-US" dirty="0" smtClean="0"/>
-              <a:t>funkcioni</a:t>
-            </a:r>
-            <a:r>
-              <a:rPr lang="sr-Latn-RS" altLang="en-US" dirty="0"/>
-              <a:t>š</a:t>
-            </a:r>
-            <a:r>
-              <a:rPr lang="sr-Latn-RS" altLang="en-US" dirty="0" smtClean="0"/>
-              <a:t>e</a:t>
-            </a:r>
-            <a:r>
-              <a:rPr lang="sr-Latn-RS" altLang="en-US" dirty="0"/>
-              <a:t>. </a:t>
-            </a:r>
-            <a:r>
-              <a:rPr lang="sr-Latn-RS" altLang="en-US" dirty="0" smtClean="0"/>
-              <a:t>Tu ulogu ima </a:t>
-            </a:r>
-            <a:r>
-              <a:rPr lang="sr-Latn-RS" altLang="en-US" dirty="0" smtClean="0">
-                <a:solidFill>
-                  <a:srgbClr val="002060"/>
-                </a:solidFill>
-              </a:rPr>
-              <a:t>mrežni softver </a:t>
-            </a:r>
+            <a:r>
+              <a:rPr lang="pl-PL" dirty="0" err="1"/>
+              <a:t>Neophodan</a:t>
+            </a:r>
+            <a:r>
+              <a:rPr lang="pl-PL" dirty="0"/>
+              <a:t> je za </a:t>
+            </a:r>
+            <a:r>
+              <a:rPr lang="pl-PL" dirty="0" err="1"/>
+              <a:t>funkcionisanje</a:t>
+            </a:r>
+            <a:r>
+              <a:rPr lang="pl-PL" dirty="0"/>
+              <a:t> </a:t>
+            </a:r>
+            <a:r>
+              <a:rPr lang="pl-PL" dirty="0" err="1" smtClean="0"/>
+              <a:t>računarskih</a:t>
+            </a:r>
+            <a:r>
+              <a:rPr lang="pl-PL" dirty="0" smtClean="0"/>
+              <a:t> </a:t>
+            </a:r>
+            <a:r>
+              <a:rPr lang="pl-PL" dirty="0" err="1" smtClean="0"/>
+              <a:t>mreža</a:t>
+            </a:r>
+            <a:endParaRPr lang="pl-PL" dirty="0"/>
           </a:p>
           <a:p>
-            <a:pPr eaLnBrk="1" hangingPunct="1"/>
-            <a:r>
-              <a:rPr lang="sr-Latn-RS" altLang="en-US" dirty="0" smtClean="0"/>
-              <a:t>Da bi </a:t>
-            </a:r>
-            <a:r>
-              <a:rPr lang="sr-Latn-RS" altLang="en-US" dirty="0"/>
-              <a:t>se savladala kompleksnost </a:t>
-            </a:r>
-            <a:r>
-              <a:rPr lang="sr-Latn-RS" altLang="en-US" dirty="0" smtClean="0"/>
-              <a:t>računarskih mreža</a:t>
-            </a:r>
-            <a:r>
-              <a:rPr lang="sr-Latn-RS" altLang="en-US" dirty="0"/>
-              <a:t>, </a:t>
-            </a:r>
-            <a:r>
-              <a:rPr lang="sr-Latn-RS" altLang="en-US" dirty="0" smtClean="0"/>
-              <a:t>mrežni </a:t>
-            </a:r>
-            <a:r>
-              <a:rPr lang="sr-Latn-RS" altLang="en-US" dirty="0"/>
-              <a:t>softver se </a:t>
-            </a:r>
-            <a:r>
-              <a:rPr lang="sr-Latn-RS" altLang="en-US" dirty="0" smtClean="0"/>
-              <a:t>organizuje hijerarhijski </a:t>
+            <a:r>
+              <a:rPr lang="sr-Latn-RS" altLang="en-US" dirty="0"/>
+              <a:t>Da bi se savladala kompleksnost računarskih mreža, mrežni softver se organizuje hijerarhijski </a:t>
             </a:r>
           </a:p>
           <a:p>
-            <a:pPr eaLnBrk="1" hangingPunct="1"/>
-            <a:r>
-              <a:rPr lang="sr-Latn-RS" altLang="en-US" dirty="0" smtClean="0"/>
-              <a:t>Na primer, </a:t>
-            </a:r>
-            <a:r>
-              <a:rPr lang="sr-Latn-RS" altLang="en-US" dirty="0"/>
-              <a:t>programer </a:t>
-            </a:r>
-            <a:r>
-              <a:rPr lang="sr-Latn-RS" altLang="en-US" dirty="0" smtClean="0"/>
-              <a:t>pregledača veba </a:t>
-            </a:r>
-            <a:r>
-              <a:rPr lang="sr-Latn-RS" altLang="en-US" dirty="0"/>
-              <a:t>ne treba da misli o tome da li </a:t>
-            </a:r>
-            <a:r>
-              <a:rPr lang="sr-Latn-RS" altLang="en-US" dirty="0" smtClean="0"/>
-              <a:t>će veb </a:t>
-            </a:r>
-            <a:r>
-              <a:rPr lang="sr-Latn-RS" altLang="en-US" dirty="0"/>
-              <a:t>stranice primati preko </a:t>
-            </a:r>
-            <a:r>
-              <a:rPr lang="sr-Latn-RS" altLang="en-US" dirty="0" smtClean="0"/>
-              <a:t>bežične mreže </a:t>
-            </a:r>
-            <a:r>
-              <a:rPr lang="sr-Latn-RS" altLang="en-US" dirty="0"/>
-              <a:t>ili preko Ethernet </a:t>
-            </a:r>
-            <a:r>
-              <a:rPr lang="sr-Latn-RS" altLang="en-US" dirty="0" smtClean="0"/>
-              <a:t>mreže</a:t>
-            </a:r>
+            <a:r>
+              <a:rPr lang="sr-Latn-RS" dirty="0" smtClean="0"/>
+              <a:t>Mrežni softver obuhvata </a:t>
+            </a:r>
+            <a:r>
+              <a:rPr lang="sr-Latn-RS" dirty="0"/>
+              <a:t>razne slojeve: od sistemskog softvera niskog nivoa </a:t>
+            </a:r>
+            <a:r>
+              <a:rPr lang="sr-Latn-RS" dirty="0" smtClean="0"/>
+              <a:t>do aplikativnog </a:t>
+            </a:r>
+            <a:r>
+              <a:rPr lang="sr-Latn-RS" dirty="0"/>
+              <a:t>softvera</a:t>
+            </a:r>
+          </a:p>
+          <a:p>
+            <a:r>
+              <a:rPr lang="sv-SE" dirty="0" err="1"/>
+              <a:t>Slojevitost</a:t>
+            </a:r>
+            <a:r>
+              <a:rPr lang="sv-SE" dirty="0"/>
+              <a:t> </a:t>
+            </a:r>
+            <a:r>
+              <a:rPr lang="sv-SE" dirty="0" err="1"/>
+              <a:t>olaksava</a:t>
+            </a:r>
+            <a:r>
+              <a:rPr lang="sv-SE" dirty="0"/>
+              <a:t> </a:t>
+            </a:r>
+            <a:r>
+              <a:rPr lang="sv-SE" dirty="0" err="1"/>
+              <a:t>programiranje</a:t>
+            </a:r>
+            <a:r>
+              <a:rPr lang="sv-SE" dirty="0"/>
+              <a:t> </a:t>
+            </a:r>
+            <a:r>
+              <a:rPr lang="sv-SE" dirty="0" err="1"/>
+              <a:t>mreznog</a:t>
+            </a:r>
+            <a:r>
+              <a:rPr lang="sv-SE" dirty="0"/>
+              <a:t> </a:t>
+            </a:r>
+            <a:r>
+              <a:rPr lang="sv-SE" dirty="0" err="1" smtClean="0"/>
+              <a:t>softvera</a:t>
+            </a:r>
+            <a:r>
+              <a:rPr lang="sr-Latn-RS" dirty="0"/>
+              <a:t> - </a:t>
+            </a:r>
+            <a:r>
+              <a:rPr lang="sr-Latn-RS" dirty="0" smtClean="0"/>
+              <a:t>autori </a:t>
+            </a:r>
+            <a:r>
+              <a:rPr lang="sr-Latn-RS" dirty="0"/>
+              <a:t>aplikativnog softvera ne moraju da brinu o detaljima </a:t>
+            </a:r>
+            <a:r>
+              <a:rPr lang="sr-Latn-RS" dirty="0" smtClean="0"/>
+              <a:t>mrežne komunikacije</a:t>
+            </a:r>
+            <a:endParaRPr lang="sv-SE" dirty="0"/>
           </a:p>
           <a:p>
             <a:pPr lvl="1" eaLnBrk="1" hangingPunct="1"/>
             <a:r>
               <a:rPr lang="sr-Latn-RS" altLang="en-US" dirty="0" smtClean="0"/>
+              <a:t>Na primer, </a:t>
+            </a:r>
+            <a:r>
+              <a:rPr lang="sr-Latn-RS" altLang="en-US" dirty="0"/>
+              <a:t>programer </a:t>
+            </a:r>
+            <a:r>
+              <a:rPr lang="sr-Latn-RS" altLang="en-US" dirty="0" smtClean="0"/>
+              <a:t>pregledača veba </a:t>
+            </a:r>
+            <a:r>
+              <a:rPr lang="sr-Latn-RS" altLang="en-US" dirty="0"/>
+              <a:t>ne treba da misli o tome da li </a:t>
+            </a:r>
+            <a:r>
+              <a:rPr lang="sr-Latn-RS" altLang="en-US" dirty="0" smtClean="0"/>
+              <a:t>će veb </a:t>
+            </a:r>
+            <a:r>
+              <a:rPr lang="sr-Latn-RS" altLang="en-US" dirty="0"/>
+              <a:t>stranice primati preko </a:t>
+            </a:r>
+            <a:r>
+              <a:rPr lang="sr-Latn-RS" altLang="en-US" dirty="0" smtClean="0"/>
+              <a:t>bežične mreže </a:t>
+            </a:r>
+            <a:r>
+              <a:rPr lang="sr-Latn-RS" altLang="en-US" dirty="0"/>
+              <a:t>ili preko Ethernet </a:t>
+            </a:r>
+            <a:r>
+              <a:rPr lang="sr-Latn-RS" altLang="en-US" dirty="0" smtClean="0"/>
+              <a:t>mreže</a:t>
+            </a:r>
+          </a:p>
+          <a:p>
+            <a:pPr lvl="2" eaLnBrk="1" hangingPunct="1"/>
+            <a:r>
+              <a:rPr lang="sr-Latn-RS" altLang="en-US" dirty="0" smtClean="0"/>
               <a:t>On treba da </a:t>
             </a:r>
             <a:r>
@@ -12066,7 +12459,7 @@
             <a:endParaRPr lang="sr-Latn-RS" altLang="en-US" dirty="0"/>
           </a:p>
           <a:p>
-            <a:pPr lvl="1" eaLnBrk="1" hangingPunct="1"/>
+            <a:pPr lvl="2" eaLnBrk="1" hangingPunct="1"/>
             <a:r>
               <a:rPr lang="sr-Latn-RS" altLang="en-US" dirty="0" smtClean="0"/>
               <a:t>Sve niže </a:t>
@@ -12317,15 +12710,33 @@
                                   </p:childTnLst>
                                 </p:cTn>
                               </p:par>
+                            </p:childTnLst>
+                          </p:cTn>
+                        </p:par>
+                      </p:childTnLst>
+                    </p:cTn>
+                  </p:par>
+                  <p:par>
+                    <p:cTn id="18" fill="hold">
+                      <p:stCondLst>
+                        <p:cond delay="indefinite"/>
+                      </p:stCondLst>
+                      <p:childTnLst>
+                        <p:par>
+                          <p:cTn id="19" fill="hold">
+                            <p:stCondLst>
+                              <p:cond delay="0"/>
+                            </p:stCondLst>
+                            <p:childTnLst>
                               <p:par>
-                                <p:cTn id="18" presetID="10" presetClass="entr" presetSubtype="0" fill="hold" nodeType="withEffect">
+                                <p:cTn id="20" presetID="10" presetClass="entr" presetSubtype="0" fill="hold" nodeType="clickEffect">
                                   <p:stCondLst>
                                     <p:cond delay="0"/>
                                   </p:stCondLst>
                                   <p:childTnLst>
                                     <p:set>
                                       <p:cBhvr>
-                                        <p:cTn id="19" dur="1" fill="hold">
+                                        <p:cTn id="21" dur="1" fill="hold">
                                           <p:stCondLst>
                                             <p:cond delay="0"/>
                                           </p:stCondLst>
@@ -12347,7 +12758,7 @@
                                     </p:set>
                                     <p:animEffect transition="in" filter="fade">
                                       <p:cBhvr>
-                                        <p:cTn id="20" dur="500"/>
+                                        <p:cTn id="22" dur="500"/>
                                         <p:tgtEl>
                                           <p:spTgt spid="29701">
                                             <p:txEl>
@@ -12361,14 +12772,14 @@
                                 </p:cTn>
                               </p:par>
                               <p:par>
-                                <p:cTn id="21" presetID="10" presetClass="entr" presetSubtype="0" fill="hold" nodeType="withEffect">
+                                <p:cTn id="23" presetID="10" presetClass="entr" presetSubtype="0" fill="hold" nodeType="withEffect">
                                   <p:stCondLst>
                                     <p:cond delay="0"/>
                                   </p:stCondLst>
                                   <p:childTnLst>
                                     <p:set>
                                       <p:cBhvr>
-                                        <p:cTn id="22" dur="1" fill="hold">
+                                        <p:cTn id="24" dur="1" fill="hold">
                                           <p:stCondLst>
                                             <p:cond delay="0"/>
                                           </p:stCondLst>
@@ -12390,11 +12801,97 @@
                                     </p:set>
                                     <p:animEffect transition="in" filter="fade">
                                       <p:cBhvr>
-                                        <p:cTn id="23" dur="500"/>
+                                        <p:cTn id="25" dur="500"/>
                                         <p:tgtEl>
                                           <p:spTgt spid="29701">
                                             <p:txEl>
                                               <p:pRg st="4" end="4"/>
+                                            </p:txEl>
+                                          </p:spTgt>
+                                        </p:tgtEl>
+                                      </p:cBhvr>
+                                    </p:animEffect>
+                                  </p:childTnLst>
+                                </p:cTn>
+                              </p:par>
+                              <p:par>
+                                <p:cTn id="26" presetID="10" presetClass="entr" presetSubtype="0" fill="hold" nodeType="withEffect">
+                                  <p:stCondLst>
+                                    <p:cond delay="0"/>
+                                  </p:stCondLst>
+                                  <p:childTnLst>
+                                    <p:set>
+                                      <p:cBhvr>
+                                        <p:cTn id="27" dur="1" fill="hold">
+                                          <p:stCondLst>
+                                            <p:cond delay="0"/>
+                                          </p:stCondLst>
+                                        </p:cTn>
+                                        <p:tgtEl>
+                                          <p:spTgt spid="29701">
+                                            <p:txEl>
+                                              <p:pRg st="5" end="5"/>
+                                            </p:txEl>
+                                          </p:spTgt>
+                                        </p:tgtEl>
+                                        <p:attrNameLst>
+                                          <p:attrName>style.visibility</p:attrName>
+                                        </p:attrNameLst>
+                                      </p:cBhvr>
+                                      <p:to>
+                                        <p:strVal val="visible"/>
+                                      </p:to>
+                                    </p:set>
+                                    <p:animEffect transition="in" filter="fade">
+                                      <p:cBhvr>
+                                        <p:cTn id="28" dur="500"/>
+                                        <p:tgtEl>
+                                          <p:spTgt spid="29701">
+                                            <p:txEl>
+                                              <p:pRg st="5" end="5"/>
+                                            </p:txEl>
+                                          </p:spTgt>
+                                        </p:tgtEl>
+                                      </p:cBhvr>
+                                    </p:animEffect>
+                                  </p:childTnLst>
+                                </p:cTn>
+                              </p:par>
+                              <p:par>
+                                <p:cTn id="29" presetID="10" presetClass="entr" presetSubtype="0" fill="hold" nodeType="withEffect">
+                                  <p:stCondLst>
+                                    <p:cond delay="0"/>
+                                  </p:stCondLst>
+                                  <p:childTnLst>
+                                    <p:set>
+                                      <p:cBhvr>
+                                        <p:cTn id="30" dur="1" fill="hold">
+                                          <p:stCondLst>
+                                            <p:cond delay="0"/>
+                                          </p:stCondLst>
+                                        </p:cTn>
+                                        <p:tgtEl>
+                                          <p:spTgt spid="29701">
+                                            <p:txEl>
+                                              <p:pRg st="6" end="6"/>
+                                            </p:txEl>
+                                          </p:spTgt>
+                                        </p:tgtEl>
+                                        <p:attrNameLst>
+                                          <p:attrName>style.visibility</p:attrName>
+                                        </p:attrNameLst>
+                                      </p:cBhvr>
+                                      <p:to>
+                                        <p:strVal val="visible"/>
+                                      </p:to>
+                                    </p:set>
+                                    <p:animEffect transition="in" filter="fade">
+                                      <p:cBhvr>
+                                        <p:cTn id="31" dur="500"/>
+                                        <p:tgtEl>
+                                          <p:spTgt spid="29701">
+                                            <p:txEl>
+                                              <p:pRg st="6" end="6"/>
                                             </p:txEl>
                                           </p:spTgt>
                                         </p:tgtEl>
@@ -12507,45 +13004,8 @@
             <a:pPr eaLnBrk="1" hangingPunct="1"/>
             <a:r>
               <a:rPr lang="sr-Latn-RS" altLang="en-US" dirty="0"/>
-              <a:t>Najgrublje posmatrano, </a:t>
-            </a:r>
-            <a:r>
-              <a:rPr lang="sr-Latn-RS" altLang="en-US" dirty="0" smtClean="0"/>
-              <a:t>mre</a:t>
-            </a:r>
-            <a:r>
-              <a:rPr lang="sr-Latn-RS" altLang="en-US" dirty="0"/>
-              <a:t>ž</a:t>
-            </a:r>
-            <a:r>
-              <a:rPr lang="sr-Latn-RS" altLang="en-US" dirty="0" smtClean="0"/>
-              <a:t>ni </a:t>
-            </a:r>
-            <a:r>
-              <a:rPr lang="sr-Latn-RS" altLang="en-US" dirty="0"/>
-              <a:t>softver </a:t>
-            </a:r>
-            <a:r>
-              <a:rPr lang="sr-Latn-RS" altLang="en-US" dirty="0" smtClean="0"/>
-              <a:t>mo</a:t>
-            </a:r>
-            <a:r>
-              <a:rPr lang="sr-Latn-RS" altLang="en-US" dirty="0"/>
-              <a:t>ž</a:t>
-            </a:r>
-            <a:r>
-              <a:rPr lang="sr-Latn-RS" altLang="en-US" dirty="0" smtClean="0"/>
-              <a:t>e </a:t>
-            </a:r>
-            <a:r>
-              <a:rPr lang="sr-Latn-RS" altLang="en-US" dirty="0"/>
-              <a:t>da se podeli na dva </a:t>
-            </a:r>
-            <a:r>
-              <a:rPr lang="sr-Latn-RS" altLang="en-US" dirty="0" smtClean="0"/>
-              <a:t>nivoa:</a:t>
-            </a:r>
-            <a:endParaRPr lang="sr-Latn-RS" altLang="en-US" dirty="0"/>
+              <a:t>Najgrublje posmatrano, mrežni softver može da se podeli na dva nivoa:</a:t>
+            </a:r>
           </a:p>
           <a:p>
             <a:pPr marL="857250" lvl="1" indent="-457200" eaLnBrk="1" hangingPunct="1">
@@ -12553,157 +13013,57 @@
               <a:buAutoNum type="arabicPeriod"/>
             </a:pPr>
             <a:r>
-              <a:rPr lang="sr-Latn-RS" altLang="en-US" dirty="0" smtClean="0"/>
-              <a:t>Mre</a:t>
-            </a:r>
-            <a:r>
-              <a:rPr lang="sr-Latn-RS" altLang="en-US" dirty="0"/>
-              <a:t>ž</a:t>
-            </a:r>
-            <a:r>
-              <a:rPr lang="sr-Latn-RS" altLang="en-US" dirty="0" smtClean="0"/>
-              <a:t>ni </a:t>
-            </a:r>
-            <a:r>
-              <a:rPr lang="sr-Latn-RS" altLang="en-US" dirty="0"/>
-              <a:t>softver koji </a:t>
-            </a:r>
-            <a:r>
-              <a:rPr lang="sr-Latn-RS" altLang="en-US" dirty="0" smtClean="0"/>
-              <a:t>omogućuje korišćenje različitih mrežnih </a:t>
-            </a:r>
-            <a:r>
-              <a:rPr lang="sr-Latn-RS" altLang="en-US" dirty="0"/>
-              <a:t>uredaja, npr</a:t>
-            </a:r>
-            <a:r>
-              <a:rPr lang="sr-Latn-RS" altLang="en-US" dirty="0" smtClean="0"/>
-              <a:t>. mrežnih </a:t>
-            </a:r>
-            <a:r>
-              <a:rPr lang="sr-Latn-RS" altLang="en-US" dirty="0"/>
-              <a:t>kartica ili modema, jeste </a:t>
-            </a:r>
-            <a:r>
-              <a:rPr lang="sr-Latn-RS" altLang="en-US" dirty="0" smtClean="0">
+              <a:rPr lang="sr-Latn-RS" altLang="en-US" dirty="0"/>
+              <a:t>Mrežni softver koji omogućuje korišćenje različitih mrežnih </a:t>
+            </a:r>
+            <a:r>
+              <a:rPr lang="sr-Latn-RS" altLang="en-US" dirty="0" err="1"/>
+              <a:t>uredaja</a:t>
+            </a:r>
+            <a:r>
+              <a:rPr lang="sr-Latn-RS" altLang="en-US" dirty="0"/>
+              <a:t>, npr. mrežnih kartica ili modema, jeste </a:t>
+            </a:r>
+            <a:r>
+              <a:rPr lang="sr-Latn-RS" altLang="en-US" dirty="0">
                 <a:solidFill>
                   <a:srgbClr val="002060"/>
                 </a:solidFill>
               </a:rPr>
-              <a:t>mrežni </a:t>
-            </a:r>
-            <a:r>
-              <a:rPr lang="sr-Latn-RS" altLang="en-US" dirty="0">
-                <a:solidFill>
-                  <a:srgbClr val="002060"/>
-                </a:solidFill>
-              </a:rPr>
-              <a:t>softver niskog </a:t>
-            </a:r>
-            <a:r>
-              <a:rPr lang="sr-Latn-RS" altLang="en-US" dirty="0" smtClean="0">
-                <a:solidFill>
-                  <a:srgbClr val="002060"/>
-                </a:solidFill>
-              </a:rPr>
-              <a:t>nivoa </a:t>
-            </a:r>
-            <a:r>
-              <a:rPr lang="sr-Latn-RS" altLang="en-US" dirty="0" smtClean="0"/>
+              <a:t>mrežni softver niskog nivoa </a:t>
+            </a:r>
+            <a:r>
+              <a:rPr lang="sr-Latn-RS" altLang="en-US" dirty="0"/>
               <a:t/>
             </a:r>
             <a:br>
-              <a:rPr lang="sr-Latn-RS" altLang="en-US" dirty="0" smtClean="0"/>
+              <a:rPr lang="sr-Latn-RS" altLang="en-US" dirty="0"/>
             </a:br>
             <a:r>
-              <a:rPr lang="sr-Latn-RS" altLang="en-US" dirty="0" smtClean="0"/>
-              <a:t>Ova </a:t>
-            </a:r>
-            <a:r>
-              <a:rPr lang="sr-Latn-RS" altLang="en-US" dirty="0"/>
-              <a:t>vrsta </a:t>
-            </a:r>
-            <a:r>
-              <a:rPr lang="sr-Latn-RS" altLang="en-US" dirty="0" smtClean="0"/>
-              <a:t>softvera nalazi </a:t>
-            </a:r>
-            <a:r>
-              <a:rPr lang="sr-Latn-RS" altLang="en-US" dirty="0"/>
-              <a:t>se </a:t>
-            </a:r>
-            <a:r>
-              <a:rPr lang="sr-Latn-RS" altLang="en-US" dirty="0" smtClean="0"/>
-              <a:t>obično </a:t>
-            </a:r>
-            <a:r>
-              <a:rPr lang="sr-Latn-RS" altLang="en-US" dirty="0"/>
-              <a:t>u jezgru operativnog </a:t>
-            </a:r>
-            <a:r>
-              <a:rPr lang="sr-Latn-RS" altLang="en-US" dirty="0" smtClean="0"/>
-              <a:t>sistema, </a:t>
-            </a:r>
-            <a:r>
-              <a:rPr lang="sr-Latn-RS" altLang="en-US" dirty="0"/>
-              <a:t>uglavnom u </a:t>
-            </a:r>
-            <a:r>
-              <a:rPr lang="sr-Latn-RS" altLang="en-US" dirty="0" smtClean="0"/>
-              <a:t>obliku upravljača </a:t>
-            </a:r>
-            <a:r>
-              <a:rPr lang="sr-Latn-RS" altLang="en-US" dirty="0"/>
-              <a:t>perifernim uredajima, tzv. </a:t>
-            </a:r>
-            <a:r>
-              <a:rPr lang="sr-Latn-RS" altLang="en-US" dirty="0" smtClean="0"/>
-              <a:t>drajvera</a:t>
+              <a:rPr lang="sr-Latn-RS" altLang="en-US" dirty="0"/>
+              <a:t>Ova vrsta softvera nalazi se obično u jezgru operativnog sistema, uglavnom u obliku upravljača perifernim </a:t>
+            </a:r>
+            <a:r>
+              <a:rPr lang="sr-Latn-RS" altLang="en-US" dirty="0" err="1"/>
+              <a:t>uredajima</a:t>
+            </a:r>
+            <a:r>
+              <a:rPr lang="sr-Latn-RS" altLang="en-US" dirty="0"/>
+              <a:t>, tzv. drajvera</a:t>
             </a:r>
             <a:br>
-              <a:rPr lang="sr-Latn-RS" altLang="en-US" dirty="0" smtClean="0"/>
+              <a:rPr lang="sr-Latn-RS" altLang="en-US" dirty="0"/>
             </a:br>
             <a:r>
-              <a:rPr lang="sr-Latn-RS" altLang="en-US" dirty="0" smtClean="0"/>
-              <a:t>Drajver </a:t>
-            </a:r>
-            <a:r>
-              <a:rPr lang="sr-Latn-RS" altLang="en-US" dirty="0"/>
-              <a:t>upravlja </a:t>
-            </a:r>
-            <a:r>
-              <a:rPr lang="sr-Latn-RS" altLang="en-US" dirty="0" smtClean="0"/>
-              <a:t>računarskim hardverom </a:t>
-            </a:r>
-            <a:r>
-              <a:rPr lang="sr-Latn-RS" altLang="en-US" dirty="0"/>
-              <a:t>i komunikacionom </a:t>
-            </a:r>
-            <a:r>
-              <a:rPr lang="sr-Latn-RS" altLang="en-US" dirty="0" smtClean="0"/>
-              <a:t>opremom </a:t>
+              <a:rPr lang="sr-Latn-RS" altLang="en-US" dirty="0"/>
+              <a:t>Drajver upravlja računarskim hardverom i komunikacionom opremom </a:t>
             </a:r>
             <a:br>
-              <a:rPr lang="sr-Latn-RS" altLang="en-US" dirty="0" smtClean="0"/>
+              <a:rPr lang="sr-Latn-RS" altLang="en-US" dirty="0"/>
             </a:br>
             <a:r>
-              <a:rPr lang="sr-Latn-RS" altLang="en-US" dirty="0" smtClean="0"/>
-              <a:t>Korisnik nikada ne koristi </a:t>
-            </a:r>
-            <a:r>
-              <a:rPr lang="sr-Latn-RS" altLang="en-US" dirty="0"/>
-              <a:t>ovaj softver direktno, u </a:t>
-            </a:r>
-            <a:r>
-              <a:rPr lang="sr-Latn-RS" altLang="en-US" dirty="0" smtClean="0"/>
-              <a:t>opštem slučaju </a:t>
-            </a:r>
-            <a:r>
-              <a:rPr lang="sr-Latn-RS" altLang="en-US" dirty="0"/>
-              <a:t>on nije ni svestan da taj </a:t>
-            </a:r>
-            <a:r>
-              <a:rPr lang="sr-Latn-RS" altLang="en-US" dirty="0" smtClean="0"/>
-              <a:t>softver postoji </a:t>
+              <a:rPr lang="sr-Latn-RS" altLang="en-US" dirty="0"/>
+              <a:t>Korisnik nikada ne koristi ovaj softver direktno, u opštem slučaju on nije ni svestan da taj softver postoji </a:t>
             </a:r>
           </a:p>
           <a:p>
@@ -12712,15 +13072,11 @@
               <a:buAutoNum type="arabicPeriod"/>
             </a:pPr>
             <a:r>
-              <a:rPr lang="sr-Latn-RS" altLang="en-US" dirty="0" smtClean="0"/>
-              <a:t>Osnovni </a:t>
-            </a:r>
-            <a:r>
-              <a:rPr lang="sr-Latn-RS" altLang="en-US" dirty="0"/>
-              <a:t>zadatak </a:t>
-            </a:r>
-            <a:r>
-              <a:rPr lang="sr-Latn-RS" altLang="en-US" dirty="0" smtClean="0">
+              <a:rPr lang="sr-Latn-RS" altLang="en-US" dirty="0"/>
+              <a:t>Osnovni zadatak </a:t>
+            </a:r>
+            <a:r>
+              <a:rPr lang="sr-Latn-RS" altLang="en-US" dirty="0">
                 <a:solidFill>
                   <a:srgbClr val="002060"/>
                 </a:solidFill>
@@ -12728,100 +13084,63 @@
               <a:t>mrežnog softvera visokog nivoa </a:t>
             </a:r>
             <a:r>
-              <a:rPr lang="sr-Latn-RS" altLang="en-US" dirty="0" smtClean="0"/>
-              <a:t>je </a:t>
-            </a:r>
-            <a:r>
-              <a:rPr lang="sr-Latn-RS" altLang="en-US" dirty="0"/>
-              <a:t>da </a:t>
-            </a:r>
-            <a:r>
-              <a:rPr lang="sr-Latn-RS" altLang="en-US" dirty="0" smtClean="0"/>
-              <a:t>pruži </a:t>
-            </a:r>
-            <a:r>
-              <a:rPr lang="sr-Latn-RS" altLang="en-US" dirty="0"/>
-              <a:t>usluge </a:t>
-            </a:r>
-            <a:r>
-              <a:rPr lang="sr-Latn-RS" altLang="en-US" dirty="0" smtClean="0"/>
-              <a:t>mrežnim aplikacijama koje </a:t>
-            </a:r>
-            <a:r>
-              <a:rPr lang="sr-Latn-RS" altLang="en-US" dirty="0"/>
-              <a:t>korisnici </a:t>
-            </a:r>
-            <a:r>
-              <a:rPr lang="sr-Latn-RS" altLang="en-US" dirty="0" smtClean="0"/>
-              <a:t>koriste </a:t>
+              <a:rPr lang="sr-Latn-RS" altLang="en-US" dirty="0"/>
+              <a:t>je da pruži usluge mrežnim aplikacijama koje korisnici koriste </a:t>
             </a:r>
             <a:br>
-              <a:rPr lang="sr-Latn-RS" altLang="en-US" dirty="0" smtClean="0"/>
+              <a:rPr lang="sr-Latn-RS" altLang="en-US" dirty="0"/>
             </a:br>
             <a:r>
-              <a:rPr lang="sr-Latn-RS" altLang="en-US" dirty="0" smtClean="0"/>
-              <a:t>Ove </a:t>
-            </a:r>
-            <a:r>
-              <a:rPr lang="sr-Latn-RS" altLang="en-US" dirty="0"/>
-              <a:t>aplikacije </a:t>
-            </a:r>
-            <a:r>
-              <a:rPr lang="sr-Latn-RS" altLang="en-US" dirty="0" smtClean="0"/>
-              <a:t>pružaju različite </a:t>
-            </a:r>
-            <a:r>
-              <a:rPr lang="sr-Latn-RS" altLang="en-US" dirty="0"/>
-              <a:t>usluge </a:t>
-            </a:r>
-            <a:r>
-              <a:rPr lang="sr-Latn-RS" altLang="en-US" dirty="0" smtClean="0"/>
-              <a:t>korisnicima </a:t>
-            </a:r>
-            <a:r>
-              <a:rPr lang="sr-Latn-RS" altLang="en-US" dirty="0"/>
-              <a:t>na </a:t>
-            </a:r>
-            <a:r>
-              <a:rPr lang="sr-Latn-RS" altLang="en-US" dirty="0" smtClean="0"/>
-              <a:t>mreži, kao što </a:t>
-            </a:r>
-            <a:r>
-              <a:rPr lang="sr-Latn-RS" altLang="en-US" dirty="0"/>
-              <a:t>je slanje i prijem elektronske </a:t>
-            </a:r>
-            <a:r>
-              <a:rPr lang="sr-Latn-RS" altLang="en-US" dirty="0" smtClean="0"/>
-              <a:t>pošte</a:t>
-            </a:r>
-            <a:r>
-              <a:rPr lang="sr-Latn-RS" altLang="en-US" dirty="0"/>
-              <a:t>, pregledanje </a:t>
-            </a:r>
-            <a:r>
-              <a:rPr lang="sr-Latn-RS" altLang="en-US" dirty="0" smtClean="0"/>
-              <a:t>veba </a:t>
-            </a:r>
-            <a:r>
-              <a:rPr lang="sr-Latn-RS" altLang="en-US" dirty="0"/>
-              <a:t>i sl.</a:t>
+              <a:rPr lang="sr-Latn-RS" altLang="en-US" dirty="0"/>
+              <a:t>Ove aplikacije pružaju različite usluge korisnicima na mreži, kao što je slanje i prijem elektronske pošte, pregledanje veba i sl.</a:t>
             </a:r>
           </a:p>
           <a:p>
             <a:pPr eaLnBrk="1" hangingPunct="1"/>
             <a:r>
-              <a:rPr lang="sr-Latn-RS" altLang="en-US" dirty="0"/>
-              <a:t>Podela na samo dva nivoa </a:t>
-            </a:r>
-            <a:r>
-              <a:rPr lang="sr-Latn-RS" altLang="en-US" dirty="0" smtClean="0"/>
-              <a:t>(sloja) predstavlja prilično uprošćeno </a:t>
-            </a:r>
-            <a:r>
-              <a:rPr lang="sr-Latn-RS" altLang="en-US" dirty="0" smtClean="0"/>
-              <a:t>gledište</a:t>
-            </a:r>
-            <a:endParaRPr lang="sr-Latn-RS" altLang="en-US" dirty="0" smtClean="0"/>
+              <a:rPr lang="sr-Latn-RS" altLang="en-US" dirty="0" smtClean="0"/>
+              <a:t>Danas </a:t>
+            </a:r>
+            <a:r>
+              <a:rPr lang="sr-Latn-RS" altLang="en-US" dirty="0"/>
+              <a:t>operativni sistemi </a:t>
+            </a:r>
+            <a:r>
+              <a:rPr lang="sr-Latn-RS" altLang="en-US" dirty="0" smtClean="0"/>
+              <a:t>sadr</a:t>
+            </a:r>
+            <a:r>
+              <a:rPr lang="sr-Latn-RS" altLang="en-US" dirty="0"/>
+              <a:t>ž</a:t>
+            </a:r>
+            <a:r>
+              <a:rPr lang="sr-Latn-RS" altLang="en-US" dirty="0" smtClean="0"/>
+              <a:t>e </a:t>
+            </a:r>
+            <a:r>
+              <a:rPr lang="sr-Latn-RS" altLang="en-US" dirty="0"/>
+              <a:t>sve nivoe </a:t>
+            </a:r>
+            <a:r>
+              <a:rPr lang="sr-Latn-RS" altLang="en-US" dirty="0" smtClean="0"/>
+              <a:t>mre</a:t>
+            </a:r>
+            <a:r>
+              <a:rPr lang="sr-Latn-RS" altLang="en-US" dirty="0"/>
+              <a:t>ž</a:t>
+            </a:r>
+            <a:r>
+              <a:rPr lang="sr-Latn-RS" altLang="en-US" dirty="0" smtClean="0"/>
+              <a:t>nog </a:t>
+            </a:r>
+            <a:r>
+              <a:rPr lang="sr-Latn-RS" altLang="en-US" dirty="0"/>
+              <a:t>softvera, </a:t>
+            </a:r>
+            <a:r>
+              <a:rPr lang="sr-Latn-RS" altLang="en-US" dirty="0" smtClean="0"/>
+              <a:t>osim aplikativnog</a:t>
+            </a:r>
           </a:p>
         </p:txBody>
       </p:sp>
@@ -14846,33 +15165,15 @@
                                   </p:childTnLst>
                                 </p:cTn>
                               </p:par>
-                            </p:childTnLst>
-                          </p:cTn>
-                        </p:par>
-                      </p:childTnLst>
-                    </p:cTn>
-                  </p:par>
-                  <p:par>
-                    <p:cTn id="8" fill="hold">
-                      <p:stCondLst>
-                        <p:cond delay="indefinite"/>
-                      </p:stCondLst>
-                      <p:childTnLst>
-                        <p:par>
-                          <p:cTn id="9" fill="hold">
-                            <p:stCondLst>
-                              <p:cond delay="0"/>
-                            </p:stCondLst>
-                            <p:childTnLst>
                               <p:par>
-                                <p:cTn id="10" presetID="10" presetClass="entr" presetSubtype="0" fill="hold" nodeType="clickEffect">
+                                <p:cTn id="8" presetID="10" presetClass="entr" presetSubtype="0" fill="hold" nodeType="withEffect">
                                   <p:stCondLst>
                                     <p:cond delay="0"/>
                                   </p:stCondLst>
                                   <p:childTnLst>
                                     <p:set>
                                       <p:cBhvr>
-                                        <p:cTn id="11" dur="1" fill="hold">
+                                        <p:cTn id="9" dur="1" fill="hold">
                                           <p:stCondLst>
                                             <p:cond delay="0"/>
                                           </p:stCondLst>
@@ -14894,7 +15195,7 @@
                                     </p:set>
                                     <p:animEffect transition="in" filter="fade">
                                       <p:cBhvr>
-                                        <p:cTn id="12" dur="500"/>
+                                        <p:cTn id="10" dur="500"/>
                                         <p:tgtEl>
                                           <p:spTgt spid="29701">
                                             <p:txEl>
@@ -14914,26 +15215,26 @@
                     </p:cTn>
                   </p:par>
                   <p:par>
-                    <p:cTn id="13" fill="hold">
+                    <p:cTn id="11" fill="hold">
                       <p:stCondLst>
                         <p:cond delay="indefinite"/>
                       </p:stCondLst>
                       <p:childTnLst>
                         <p:par>
-                          <p:cTn id="14" fill="hold">
+                          <p:cTn id="12" fill="hold">
                             <p:stCondLst>
                               <p:cond delay="0"/>
                             </p:stCondLst>
                             <p:childTnLst>
                               <p:par>
-                                <p:cTn id="15" presetID="10" presetClass="entr" presetSubtype="0" fill="hold" nodeType="clickEffect">
+                                <p:cTn id="13" presetID="10" presetClass="entr" presetSubtype="0" fill="hold" nodeType="clickEffect">
                                   <p:stCondLst>
                                     <p:cond delay="0"/>
                                   </p:stCondLst>
                                   <p:childTnLst>
                                     <p:set>
                                       <p:cBhvr>
-                                        <p:cTn id="16" dur="1" fill="hold">
+                                        <p:cTn id="14" dur="1" fill="hold">
                                           <p:stCondLst>
                                             <p:cond delay="0"/>
                                           </p:stCondLst>
@@ -14955,7 +15256,7 @@
                                     </p:set>
                                     <p:animEffect transition="in" filter="fade">
                                       <p:cBhvr>
-                                        <p:cTn id="17" dur="500"/>
+                                        <p:cTn id="15" dur="500"/>
                                         <p:tgtEl>
                                           <p:spTgt spid="29701">
                                             <p:txEl>
@@ -15431,33 +15732,15 @@
                                   </p:childTnLst>
                                 </p:cTn>
                               </p:par>
-                            </p:childTnLst>
-                          </p:cTn>
-                        </p:par>
-                      </p:childTnLst>
-                    </p:cTn>
-                  </p:par>
-                  <p:par>
-                    <p:cTn id="8" fill="hold">
-                      <p:stCondLst>
-                        <p:cond delay="indefinite"/>
-                      </p:stCondLst>
-                      <p:childTnLst>
-                        <p:par>
-                          <p:cTn id="9" fill="hold">
-                            <p:stCondLst>
-                              <p:cond delay="0"/>
-                            </p:stCondLst>
-                            <p:childTnLst>
                               <p:par>
-                                <p:cTn id="10" presetID="10" presetClass="entr" presetSubtype="0" fill="hold" nodeType="clickEffect">
+                                <p:cTn id="8" presetID="10" presetClass="entr" presetSubtype="0" fill="hold" nodeType="withEffect">
                                   <p:stCondLst>
                                     <p:cond delay="0"/>
                                   </p:stCondLst>
                                   <p:childTnLst>
                                     <p:set>
                                       <p:cBhvr>
-                                        <p:cTn id="11" dur="1" fill="hold">
+                                        <p:cTn id="9" dur="1" fill="hold">
                                           <p:stCondLst>
                                             <p:cond delay="0"/>
                                           </p:stCondLst>
@@ -15479,7 +15762,7 @@
                                     </p:set>
                                     <p:animEffect transition="in" filter="fade">
                                       <p:cBhvr>
-                                        <p:cTn id="12" dur="500"/>
+                                        <p:cTn id="10" dur="500"/>
                                         <p:tgtEl>
                                           <p:spTgt spid="29701">
                                             <p:txEl>
@@ -15499,26 +15782,26 @@
                     </p:cTn>
                   </p:par>
                   <p:par>
-                    <p:cTn id="13" fill="hold">
+                    <p:cTn id="11" fill="hold">
                       <p:stCondLst>
                         <p:cond delay="indefinite"/>
                       </p:stCondLst>
                       <p:childTnLst>
                         <p:par>
-                          <p:cTn id="14" fill="hold">
+                          <p:cTn id="12" fill="hold">
                             <p:stCondLst>
                               <p:cond delay="0"/>
                             </p:stCondLst>
                             <p:childTnLst>
                               <p:par>
-                                <p:cTn id="15" presetID="10" presetClass="entr" presetSubtype="0" fill="hold" nodeType="clickEffect">
+                                <p:cTn id="13" presetID="10" presetClass="entr" presetSubtype="0" fill="hold" nodeType="clickEffect">
                                   <p:stCondLst>
                                     <p:cond delay="0"/>
                                   </p:stCondLst>
                                   <p:childTnLst>
                                     <p:set>
                                       <p:cBhvr>
-                                        <p:cTn id="16" dur="1" fill="hold">
+                                        <p:cTn id="14" dur="1" fill="hold">
                                           <p:stCondLst>
                                             <p:cond delay="0"/>
                                           </p:stCondLst>
@@ -15540,7 +15823,7 @@
                                     </p:set>
                                     <p:animEffect transition="in" filter="fade">
                                       <p:cBhvr>
-                                        <p:cTn id="17" dur="500"/>
+                                        <p:cTn id="15" dur="500"/>
                                         <p:tgtEl>
                                           <p:spTgt spid="29701">
                                             <p:txEl>
@@ -16194,15 +16477,7 @@
             <a:pPr eaLnBrk="1" hangingPunct="1"/>
             <a:r>
               <a:rPr lang="sr-Latn-RS" altLang="en-US" dirty="0" smtClean="0"/>
-              <a:t>Radi </a:t>
-            </a:r>
-            <a:r>
-              <a:rPr lang="sr-Latn-RS" altLang="en-US" dirty="0"/>
-              <a:t>jednostavnosti, </a:t>
-            </a:r>
-            <a:r>
-              <a:rPr lang="sr-Latn-RS" altLang="en-US" dirty="0" smtClean="0"/>
-              <a:t>dalje neće </a:t>
+              <a:t>Radi jednostavnosti razmatranja, dalje neće </a:t>
             </a:r>
             <a:r>
               <a:rPr lang="sr-Latn-RS" altLang="en-US" dirty="0"/>
@@ -16519,33 +16794,15 @@
                                   </p:childTnLst>
                                 </p:cTn>
                               </p:par>
-                            </p:childTnLst>
-                          </p:cTn>
-                        </p:par>
-                      </p:childTnLst>
-                    </p:cTn>
-                  </p:par>
-                  <p:par>
-                    <p:cTn id="19" fill="hold">
-                      <p:stCondLst>
-                        <p:cond delay="indefinite"/>
-                      </p:stCondLst>
-                      <p:childTnLst>
-                        <p:par>
-                          <p:cTn id="20" fill="hold">
-                            <p:stCondLst>
-                              <p:cond delay="0"/>
-                            </p:stCondLst>
-                            <p:childTnLst>
                               <p:par>
-                                <p:cTn id="21" presetID="10" presetClass="entr" presetSubtype="0" fill="hold" nodeType="clickEffect">
+                                <p:cTn id="19" presetID="10" presetClass="entr" presetSubtype="0" fill="hold" nodeType="withEffect">
                                   <p:stCondLst>
                                     <p:cond delay="0"/>
                                   </p:stCondLst>
                                   <p:childTnLst>
                                     <p:set>
                                       <p:cBhvr>
-                                        <p:cTn id="22" dur="1" fill="hold">
+                                        <p:cTn id="20" dur="1" fill="hold">
                                           <p:stCondLst>
                                             <p:cond delay="0"/>
                                           </p:stCondLst>
@@ -16563,7 +16820,7 @@
                                     </p:set>
                                     <p:animEffect transition="in" filter="fade">
                                       <p:cBhvr>
-                                        <p:cTn id="23" dur="500"/>
+                                        <p:cTn id="21" dur="500"/>
                                         <p:tgtEl>
                                           <p:spTgt spid="4098"/>
                                         </p:tgtEl>
@@ -16579,26 +16836,26 @@
                     </p:cTn>
                   </p:par>
                   <p:par>
-                    <p:cTn id="24" fill="hold">
+                    <p:cTn id="22" fill="hold">
                       <p:stCondLst>
                         <p:cond delay="indefinite"/>
                       </p:stCondLst>
                       <p:childTnLst>
                         <p:par>
-                          <p:cTn id="25" fill="hold">
+                          <p:cTn id="23" fill="hold">
                             <p:stCondLst>
                               <p:cond delay="0"/>
                             </p:stCondLst>
                             <p:childTnLst>
                               <p:par>
-                                <p:cTn id="26" presetID="10" presetClass="entr" presetSubtype="0" fill="hold" nodeType="clickEffect">
+                                <p:cTn id="24" presetID="10" presetClass="entr" presetSubtype="0" fill="hold" nodeType="clickEffect">
                                   <p:stCondLst>
                                     <p:cond delay="0"/>
                                   </p:stCondLst>
                                   <p:childTnLst>
                                     <p:set>
                                       <p:cBhvr>
-                                        <p:cTn id="27" dur="1" fill="hold">
+                                        <p:cTn id="25" dur="1" fill="hold">
                                           <p:stCondLst>
                                             <p:cond delay="0"/>
                                           </p:stCondLst>
@@ -16620,7 +16877,7 @@
                                     </p:set>
                                     <p:animEffect transition="in" filter="fade">
                                       <p:cBhvr>
-                                        <p:cTn id="28" dur="500"/>
+                                        <p:cTn id="26" dur="500"/>
                                         <p:tgtEl>
                                           <p:spTgt spid="29701">
                                             <p:txEl>
@@ -19504,33 +19761,15 @@
                                   </p:childTnLst>
                                 </p:cTn>
                               </p:par>
-                            </p:childTnLst>
-                          </p:cTn>
-                        </p:par>
-                      </p:childTnLst>
-                    </p:cTn>
-                  </p:par>
-                  <p:par>
-                    <p:cTn id="8" fill="hold">
-                      <p:stCondLst>
-                        <p:cond delay="indefinite"/>
-                      </p:stCondLst>
-                      <p:childTnLst>
-                        <p:par>
-                          <p:cTn id="9" fill="hold">
-                            <p:stCondLst>
-                              <p:cond delay="0"/>
-                            </p:stCondLst>
-                            <p:childTnLst>
                               <p:par>
-                                <p:cTn id="10" presetID="10" presetClass="entr" presetSubtype="0" fill="hold" nodeType="clickEffect">
+                                <p:cTn id="8" presetID="10" presetClass="entr" presetSubtype="0" fill="hold" nodeType="withEffect">
                                   <p:stCondLst>
                                     <p:cond delay="0"/>
                                   </p:stCondLst>
                                   <p:childTnLst>
                                     <p:set>
                                       <p:cBhvr>
-                                        <p:cTn id="11" dur="1" fill="hold">
+                                        <p:cTn id="9" dur="1" fill="hold">
                                           <p:stCondLst>
                                             <p:cond delay="0"/>
                                           </p:stCondLst>
@@ -19552,7 +19791,7 @@
                                     </p:set>
                                     <p:animEffect transition="in" filter="fade">
                                       <p:cBhvr>
-                                        <p:cTn id="12" dur="500"/>
+                                        <p:cTn id="10" dur="500"/>
                                         <p:tgtEl>
                                           <p:spTgt spid="29701">
                                             <p:txEl>
@@ -19572,26 +19811,26 @@
                     </p:cTn>
                   </p:par>
                   <p:par>
-                    <p:cTn id="13" fill="hold">
+                    <p:cTn id="11" fill="hold">
                       <p:stCondLst>
                         <p:cond delay="indefinite"/>
                       </p:stCondLst>
                       <p:childTnLst>
                         <p:par>
-                          <p:cTn id="14" fill="hold">
+                          <p:cTn id="12" fill="hold">
                             <p:stCondLst>
                               <p:cond delay="0"/>
                             </p:stCondLst>
                             <p:childTnLst>
                               <p:par>
-                                <p:cTn id="15" presetID="10" presetClass="entr" presetSubtype="0" fill="hold" nodeType="clickEffect">
+                                <p:cTn id="13" presetID="10" presetClass="entr" presetSubtype="0" fill="hold" nodeType="clickEffect">
                                   <p:stCondLst>
                                     <p:cond delay="0"/>
                                   </p:stCondLst>
                                   <p:childTnLst>
                                     <p:set>
                                       <p:cBhvr>
-                                        <p:cTn id="16" dur="1" fill="hold">
+                                        <p:cTn id="14" dur="1" fill="hold">
                                           <p:stCondLst>
                                             <p:cond delay="0"/>
                                           </p:stCondLst>
@@ -19613,7 +19852,7 @@
                                     </p:set>
                                     <p:animEffect transition="in" filter="fade">
                                       <p:cBhvr>
-                                        <p:cTn id="17" dur="500"/>
+                                        <p:cTn id="15" dur="500"/>
                                         <p:tgtEl>
                                           <p:spTgt spid="29701">
                                             <p:txEl>
@@ -19627,14 +19866,14 @@
                                 </p:cTn>
                               </p:par>
                               <p:par>
-                                <p:cTn id="18" presetID="10" presetClass="entr" presetSubtype="0" fill="hold" nodeType="withEffect">
+                                <p:cTn id="16" presetID="10" presetClass="entr" presetSubtype="0" fill="hold" nodeType="withEffect">
                                   <p:stCondLst>
                                     <p:cond delay="0"/>
                                   </p:stCondLst>
                                   <p:childTnLst>
                                     <p:set>
                                       <p:cBhvr>
-                                        <p:cTn id="19" dur="1" fill="hold">
+                                        <p:cTn id="17" dur="1" fill="hold">
                                           <p:stCondLst>
                                             <p:cond delay="0"/>
                                           </p:stCondLst>
@@ -19656,7 +19895,7 @@
                                     </p:set>
                                     <p:animEffect transition="in" filter="fade">
                                       <p:cBhvr>
-                                        <p:cTn id="20" dur="500"/>
+                                        <p:cTn id="18" dur="500"/>
                                         <p:tgtEl>
                                           <p:spTgt spid="29701">
                                             <p:txEl>
@@ -19670,14 +19909,14 @@
                                 </p:cTn>
                               </p:par>
                               <p:par>
-                                <p:cTn id="21" presetID="10" presetClass="entr" presetSubtype="0" fill="hold" nodeType="withEffect">
+                                <p:cTn id="19" presetID="10" presetClass="entr" presetSubtype="0" fill="hold" nodeType="withEffect">
                                   <p:stCondLst>
                                     <p:cond delay="0"/>
                                   </p:stCondLst>
                                   <p:childTnLst>
                                     <p:set>
                                       <p:cBhvr>
-                                        <p:cTn id="22" dur="1" fill="hold">
+                                        <p:cTn id="20" dur="1" fill="hold">
                                           <p:stCondLst>
                                             <p:cond delay="0"/>
                                           </p:stCondLst>
@@ -19699,7 +19938,7 @@
                                     </p:set>
                                     <p:animEffect transition="in" filter="fade">
                                       <p:cBhvr>
-                                        <p:cTn id="23" dur="500"/>
+                                        <p:cTn id="21" dur="500"/>
                                         <p:tgtEl>
                                           <p:spTgt spid="29701">
                                             <p:txEl>
@@ -20107,12 +20346,92 @@
           <a:p>
             <a:pPr eaLnBrk="1" hangingPunct="1"/>
             <a:r>
+              <a:rPr lang="pl-PL" altLang="en-US" sz="3200" dirty="0" err="1" smtClean="0">
+                <a:solidFill>
+                  <a:schemeClr val="hlink"/>
+                </a:solidFill>
+              </a:rPr>
+              <a:t>Topologije</a:t>
+            </a:r>
+            <a:r>
               <a:rPr lang="pl-PL" altLang="en-US" sz="3200" dirty="0" smtClean="0">
                 <a:solidFill>
                   <a:schemeClr val="hlink"/>
                 </a:solidFill>
               </a:rPr>
-              <a:t>Tipovi topologije mreže</a:t>
+              <a:t> </a:t>
+            </a:r>
+            <a:r>
+              <a:rPr lang="pl-PL" altLang="en-US" sz="3200" dirty="0" err="1" smtClean="0">
+                <a:solidFill>
+                  <a:schemeClr val="hlink"/>
+                </a:solidFill>
+              </a:rPr>
+              <a:t>mreža</a:t>
+            </a:r>
+            <a:r>
+              <a:rPr lang="pl-PL" altLang="en-US" sz="3200" dirty="0" smtClean="0">
+                <a:solidFill>
+                  <a:schemeClr val="hlink"/>
+                </a:solidFill>
+              </a:rPr>
+              <a:t> </a:t>
+            </a:r>
+            <a:r>
+              <a:rPr lang="pl-PL" altLang="en-US" sz="3200" dirty="0" err="1" smtClean="0">
+                <a:solidFill>
+                  <a:schemeClr val="hlink"/>
+                </a:solidFill>
+              </a:rPr>
+              <a:t>sa</a:t>
+            </a:r>
+            <a:r>
+              <a:rPr lang="pl-PL" altLang="en-US" sz="3200" dirty="0" smtClean="0">
+                <a:solidFill>
+                  <a:schemeClr val="hlink"/>
+                </a:solidFill>
+              </a:rPr>
+              <a:t> </a:t>
+            </a:r>
+            <a:r>
+              <a:rPr lang="pl-PL" altLang="en-US" sz="3200" dirty="0" err="1" smtClean="0">
+                <a:solidFill>
+                  <a:schemeClr val="hlink"/>
+                </a:solidFill>
+              </a:rPr>
+              <a:t>zajedničkim</a:t>
+            </a:r>
+            <a:r>
+              <a:rPr lang="pl-PL" altLang="en-US" sz="3200" dirty="0" smtClean="0">
+                <a:solidFill>
+                  <a:schemeClr val="hlink"/>
+                </a:solidFill>
+              </a:rPr>
+              <a:t> </a:t>
+            </a:r>
+            <a:r>
+              <a:rPr lang="pl-PL" altLang="en-US" sz="3200" dirty="0" err="1" smtClean="0">
+                <a:solidFill>
+                  <a:schemeClr val="hlink"/>
+                </a:solidFill>
+              </a:rPr>
+              <a:t>komunikacionim</a:t>
+            </a:r>
+            <a:r>
+              <a:rPr lang="pl-PL" altLang="en-US" sz="3200" dirty="0" smtClean="0">
+                <a:solidFill>
+                  <a:schemeClr val="hlink"/>
+                </a:solidFill>
+              </a:rPr>
+              <a:t> </a:t>
+            </a:r>
+            <a:r>
+              <a:rPr lang="pl-PL" altLang="en-US" sz="3200" dirty="0" err="1" smtClean="0">
+                <a:solidFill>
+                  <a:schemeClr val="hlink"/>
+                </a:solidFill>
+              </a:rPr>
+              <a:t>kanalom</a:t>
             </a:r>
             <a:endParaRPr lang="en-US" altLang="en-US" b="1" dirty="0" smtClean="0"/>
           </a:p>
@@ -20750,12 +21069,116 @@
           <a:p>
             <a:pPr eaLnBrk="1" hangingPunct="1"/>
             <a:r>
+              <a:rPr lang="pl-PL" altLang="en-US" sz="3200" dirty="0" err="1">
+                <a:solidFill>
+                  <a:schemeClr val="hlink"/>
+                </a:solidFill>
+              </a:rPr>
+              <a:t>Topologije</a:t>
+            </a:r>
+            <a:r>
+              <a:rPr lang="pl-PL" altLang="en-US" sz="3200" dirty="0">
+                <a:solidFill>
+                  <a:schemeClr val="hlink"/>
+                </a:solidFill>
+              </a:rPr>
+              <a:t> </a:t>
+            </a:r>
+            <a:r>
+              <a:rPr lang="pl-PL" altLang="en-US" sz="3200" dirty="0" err="1">
+                <a:solidFill>
+                  <a:schemeClr val="hlink"/>
+                </a:solidFill>
+              </a:rPr>
+              <a:t>mreža</a:t>
+            </a:r>
+            <a:r>
+              <a:rPr lang="pl-PL" altLang="en-US" sz="3200" dirty="0">
+                <a:solidFill>
+                  <a:schemeClr val="hlink"/>
+                </a:solidFill>
+              </a:rPr>
+              <a:t> </a:t>
+            </a:r>
+            <a:r>
+              <a:rPr lang="pl-PL" altLang="en-US" sz="3200" dirty="0" err="1">
+                <a:solidFill>
+                  <a:schemeClr val="hlink"/>
+                </a:solidFill>
+              </a:rPr>
+              <a:t>sa</a:t>
+            </a:r>
+            <a:r>
+              <a:rPr lang="pl-PL" altLang="en-US" sz="3200" dirty="0">
+                <a:solidFill>
+                  <a:schemeClr val="hlink"/>
+                </a:solidFill>
+              </a:rPr>
+              <a:t> </a:t>
+            </a:r>
+            <a:r>
+              <a:rPr lang="pl-PL" altLang="en-US" sz="3200" dirty="0" err="1">
+                <a:solidFill>
+                  <a:schemeClr val="hlink"/>
+                </a:solidFill>
+              </a:rPr>
+              <a:t>zajedničkim</a:t>
+            </a:r>
+            <a:r>
+              <a:rPr lang="pl-PL" altLang="en-US" sz="3200" dirty="0">
+                <a:solidFill>
+                  <a:schemeClr val="hlink"/>
+                </a:solidFill>
+              </a:rPr>
+              <a:t> </a:t>
+            </a:r>
+            <a:r>
+              <a:rPr lang="pl-PL" altLang="en-US" sz="3200" dirty="0" err="1">
+                <a:solidFill>
+                  <a:schemeClr val="hlink"/>
+                </a:solidFill>
+              </a:rPr>
+              <a:t>komunikacionim</a:t>
+            </a:r>
+            <a:r>
+              <a:rPr lang="pl-PL" altLang="en-US" sz="3200" dirty="0">
+                <a:solidFill>
+                  <a:schemeClr val="hlink"/>
+                </a:solidFill>
+              </a:rPr>
+              <a:t> </a:t>
+            </a:r>
+            <a:r>
+              <a:rPr lang="pl-PL" altLang="en-US" sz="3200" dirty="0" err="1" smtClean="0">
+                <a:solidFill>
+                  <a:schemeClr val="hlink"/>
+                </a:solidFill>
+              </a:rPr>
+              <a:t>kanalom</a:t>
+            </a:r>
+            <a:r>
               <a:rPr lang="pl-PL" altLang="en-US" sz="3200" dirty="0" smtClean="0">
                 <a:solidFill>
                   <a:schemeClr val="hlink"/>
                 </a:solidFill>
               </a:rPr>
-              <a:t>Tipovi topologije mreže (2)</a:t>
+              <a:t> (</a:t>
+            </a:r>
+            <a:r>
+              <a:rPr lang="pl-PL" altLang="en-US" sz="3200" dirty="0">
+                <a:solidFill>
+                  <a:schemeClr val="hlink"/>
+                </a:solidFill>
+              </a:rPr>
+              <a:t>2</a:t>
+            </a:r>
+            <a:r>
+              <a:rPr lang="pl-PL" altLang="en-US" sz="3200" dirty="0" smtClean="0">
+                <a:solidFill>
+                  <a:schemeClr val="hlink"/>
+                </a:solidFill>
+              </a:rPr>
+              <a:t>)</a:t>
             </a:r>
             <a:endParaRPr lang="en-US" altLang="en-US" b="1" dirty="0" smtClean="0"/>
           </a:p>
@@ -20964,33 +21387,15 @@
                                   </p:childTnLst>
                                 </p:cTn>
                               </p:par>
-                            </p:childTnLst>
-                          </p:cTn>
-                        </p:par>
-                      </p:childTnLst>
-                    </p:cTn>
-                  </p:par>
-                  <p:par>
-                    <p:cTn id="8" fill="hold">
-                      <p:stCondLst>
-                        <p:cond delay="indefinite"/>
-                      </p:stCondLst>
-                      <p:childTnLst>
-                        <p:par>
-                          <p:cTn id="9" fill="hold">
-                            <p:stCondLst>
-                              <p:cond delay="0"/>
-                            </p:stCondLst>
-                            <p:childTnLst>
                               <p:par>
-                                <p:cTn id="10" presetID="10" presetClass="entr" presetSubtype="0" fill="hold" nodeType="clickEffect">
+                                <p:cTn id="8" presetID="10" presetClass="entr" presetSubtype="0" fill="hold" nodeType="withEffect">
                                   <p:stCondLst>
                                     <p:cond delay="0"/>
                                   </p:stCondLst>
                                   <p:childTnLst>
                                     <p:set>
                                       <p:cBhvr>
-                                        <p:cTn id="11" dur="1" fill="hold">
+                                        <p:cTn id="9" dur="1" fill="hold">
                                           <p:stCondLst>
                                             <p:cond delay="0"/>
                                           </p:stCondLst>
@@ -21012,7 +21417,7 @@
                                     </p:set>
                                     <p:animEffect transition="in" filter="fade">
                                       <p:cBhvr>
-                                        <p:cTn id="12" dur="500"/>
+                                        <p:cTn id="10" dur="500"/>
                                         <p:tgtEl>
                                           <p:spTgt spid="29701">
                                             <p:txEl>
@@ -21026,14 +21431,14 @@
                                 </p:cTn>
                               </p:par>
                               <p:par>
-                                <p:cTn id="13" presetID="10" presetClass="entr" presetSubtype="0" fill="hold" nodeType="withEffect">
+                                <p:cTn id="11" presetID="10" presetClass="entr" presetSubtype="0" fill="hold" nodeType="withEffect">
                                   <p:stCondLst>
                                     <p:cond delay="0"/>
                                   </p:stCondLst>
                                   <p:childTnLst>
                                     <p:set>
                                       <p:cBhvr>
-                                        <p:cTn id="14" dur="1" fill="hold">
+                                        <p:cTn id="12" dur="1" fill="hold">
                                           <p:stCondLst>
                                             <p:cond delay="0"/>
                                           </p:stCondLst>
@@ -21055,7 +21460,7 @@
                                     </p:set>
                                     <p:animEffect transition="in" filter="fade">
                                       <p:cBhvr>
-                                        <p:cTn id="15" dur="500"/>
+                                        <p:cTn id="13" dur="500"/>
                                         <p:tgtEl>
                                           <p:spTgt spid="29701">
                                             <p:txEl>
@@ -21069,14 +21474,14 @@
                                 </p:cTn>
                               </p:par>
                               <p:par>
-                                <p:cTn id="16" presetID="10" presetClass="entr" presetSubtype="0" fill="hold" nodeType="withEffect">
+                                <p:cTn id="14" presetID="10" presetClass="entr" presetSubtype="0" fill="hold" nodeType="withEffect">
                                   <p:stCondLst>
                                     <p:cond delay="0"/>
                                   </p:stCondLst>
                                   <p:childTnLst>
                                     <p:set>
                                       <p:cBhvr>
-                                        <p:cTn id="17" dur="1" fill="hold">
+                                        <p:cTn id="15" dur="1" fill="hold">
                                           <p:stCondLst>
                                             <p:cond delay="0"/>
                                           </p:stCondLst>
@@ -21098,7 +21503,7 @@
                                     </p:set>
                                     <p:animEffect transition="in" filter="fade">
                                       <p:cBhvr>
-                                        <p:cTn id="18" dur="500"/>
+                                        <p:cTn id="16" dur="500"/>
                                         <p:tgtEl>
                                           <p:spTgt spid="29701">
                                             <p:txEl>
@@ -21112,14 +21517,14 @@
                                 </p:cTn>
                               </p:par>
                               <p:par>
-                                <p:cTn id="19" presetID="10" presetClass="entr" presetSubtype="0" fill="hold" nodeType="withEffect">
+                                <p:cTn id="17" presetID="10" presetClass="entr" presetSubtype="0" fill="hold" nodeType="withEffect">
                                   <p:stCondLst>
                                     <p:cond delay="0"/>
                                   </p:stCondLst>
                                   <p:childTnLst>
                                     <p:set>
                                       <p:cBhvr>
-                                        <p:cTn id="20" dur="1" fill="hold">
+                                        <p:cTn id="18" dur="1" fill="hold">
                                           <p:stCondLst>
                                             <p:cond delay="0"/>
                                           </p:stCondLst>
@@ -21141,7 +21546,7 @@
                                     </p:set>
                                     <p:animEffect transition="in" filter="fade">
                                       <p:cBhvr>
-                                        <p:cTn id="21" dur="500"/>
+                                        <p:cTn id="19" dur="500"/>
                                         <p:tgtEl>
                                           <p:spTgt spid="29701">
                                             <p:txEl>
@@ -21161,26 +21566,26 @@
                     </p:cTn>
                   </p:par>
                   <p:par>
-                    <p:cTn id="22" fill="hold">
+                    <p:cTn id="20" fill="hold">
                       <p:stCondLst>
                         <p:cond delay="indefinite"/>
                       </p:stCondLst>
                       <p:childTnLst>
                         <p:par>
-                          <p:cTn id="23" fill="hold">
+                          <p:cTn id="21" fill="hold">
                             <p:stCondLst>
                               <p:cond delay="0"/>
                             </p:stCondLst>
                             <p:childTnLst>
                               <p:par>
-                                <p:cTn id="24" presetID="10" presetClass="entr" presetSubtype="0" fill="hold" nodeType="clickEffect">
+                                <p:cTn id="22" presetID="10" presetClass="entr" presetSubtype="0" fill="hold" nodeType="clickEffect">
                                   <p:stCondLst>
                                     <p:cond delay="0"/>
                                   </p:stCondLst>
                                   <p:childTnLst>
                                     <p:set>
                                       <p:cBhvr>
-                                        <p:cTn id="25" dur="1" fill="hold">
+                                        <p:cTn id="23" dur="1" fill="hold">
                                           <p:stCondLst>
                                             <p:cond delay="0"/>
                                           </p:stCondLst>
@@ -21202,7 +21607,7 @@
                                     </p:set>
                                     <p:animEffect transition="in" filter="fade">
                                       <p:cBhvr>
-                                        <p:cTn id="26" dur="500"/>
+                                        <p:cTn id="24" dur="500"/>
                                         <p:tgtEl>
                                           <p:spTgt spid="29701">
                                             <p:txEl>
@@ -21216,14 +21621,14 @@
                                 </p:cTn>
                               </p:par>
                               <p:par>
-                                <p:cTn id="27" presetID="10" presetClass="entr" presetSubtype="0" fill="hold" nodeType="withEffect">
+                                <p:cTn id="25" presetID="10" presetClass="entr" presetSubtype="0" fill="hold" nodeType="withEffect">
                                   <p:stCondLst>
                                     <p:cond delay="0"/>
                                   </p:stCondLst>
                                   <p:childTnLst>
                                     <p:set>
                                       <p:cBhvr>
-                                        <p:cTn id="28" dur="1" fill="hold">
+                                        <p:cTn id="26" dur="1" fill="hold">
                                           <p:stCondLst>
                                             <p:cond delay="0"/>
                                           </p:stCondLst>
@@ -21245,7 +21650,7 @@
                                     </p:set>
                                     <p:animEffect transition="in" filter="fade">
                                       <p:cBhvr>
-                                        <p:cTn id="29" dur="500"/>
+                                        <p:cTn id="27" dur="500"/>
                                         <p:tgtEl>
                                           <p:spTgt spid="29701">
                                             <p:txEl>
@@ -21259,14 +21664,14 @@
                                 </p:cTn>
                               </p:par>
                               <p:par>
-                                <p:cTn id="30" presetID="10" presetClass="entr" presetSubtype="0" fill="hold" nodeType="withEffect">
+                                <p:cTn id="28" presetID="10" presetClass="entr" presetSubtype="0" fill="hold" nodeType="withEffect">
                                   <p:stCondLst>
                                     <p:cond delay="0"/>
                                   </p:stCondLst>
                                   <p:childTnLst>
                                     <p:set>
                                       <p:cBhvr>
-                                        <p:cTn id="31" dur="1" fill="hold">
+                                        <p:cTn id="29" dur="1" fill="hold">
                                           <p:stCondLst>
                                             <p:cond delay="0"/>
                                           </p:stCondLst>
@@ -21288,7 +21693,7 @@
                                     </p:set>
                                     <p:animEffect transition="in" filter="fade">
                                       <p:cBhvr>
-                                        <p:cTn id="32" dur="500"/>
+                                        <p:cTn id="30" dur="500"/>
                                         <p:tgtEl>
                                           <p:spTgt spid="29701">
                                             <p:txEl>
@@ -21371,12 +21776,116 @@
           <a:p>
             <a:pPr eaLnBrk="1" hangingPunct="1"/>
             <a:r>
+              <a:rPr lang="pl-PL" altLang="en-US" sz="3200" dirty="0" err="1">
+                <a:solidFill>
+                  <a:schemeClr val="hlink"/>
+                </a:solidFill>
+              </a:rPr>
+              <a:t>Topologije</a:t>
+            </a:r>
+            <a:r>
+              <a:rPr lang="pl-PL" altLang="en-US" sz="3200" dirty="0">
+                <a:solidFill>
+                  <a:schemeClr val="hlink"/>
+                </a:solidFill>
+              </a:rPr>
+              <a:t> </a:t>
+            </a:r>
+            <a:r>
+              <a:rPr lang="pl-PL" altLang="en-US" sz="3200" dirty="0" err="1">
+                <a:solidFill>
+                  <a:schemeClr val="hlink"/>
+                </a:solidFill>
+              </a:rPr>
+              <a:t>mreža</a:t>
+            </a:r>
+            <a:r>
+              <a:rPr lang="pl-PL" altLang="en-US" sz="3200" dirty="0">
+                <a:solidFill>
+                  <a:schemeClr val="hlink"/>
+                </a:solidFill>
+              </a:rPr>
+              <a:t> </a:t>
+            </a:r>
+            <a:r>
+              <a:rPr lang="pl-PL" altLang="en-US" sz="3200" dirty="0" err="1">
+                <a:solidFill>
+                  <a:schemeClr val="hlink"/>
+                </a:solidFill>
+              </a:rPr>
+              <a:t>sa</a:t>
+            </a:r>
+            <a:r>
+              <a:rPr lang="pl-PL" altLang="en-US" sz="3200" dirty="0">
+                <a:solidFill>
+                  <a:schemeClr val="hlink"/>
+                </a:solidFill>
+              </a:rPr>
+              <a:t> </a:t>
+            </a:r>
+            <a:r>
+              <a:rPr lang="pl-PL" altLang="en-US" sz="3200" dirty="0" err="1">
+                <a:solidFill>
+                  <a:schemeClr val="hlink"/>
+                </a:solidFill>
+              </a:rPr>
+              <a:t>zajedničkim</a:t>
+            </a:r>
+            <a:r>
+              <a:rPr lang="pl-PL" altLang="en-US" sz="3200" dirty="0">
+                <a:solidFill>
+                  <a:schemeClr val="hlink"/>
+                </a:solidFill>
+              </a:rPr>
+              <a:t> </a:t>
+            </a:r>
+            <a:r>
+              <a:rPr lang="pl-PL" altLang="en-US" sz="3200" dirty="0" err="1">
+                <a:solidFill>
+                  <a:schemeClr val="hlink"/>
+                </a:solidFill>
+              </a:rPr>
+              <a:t>komunikacionim</a:t>
+            </a:r>
+            <a:r>
+              <a:rPr lang="pl-PL" altLang="en-US" sz="3200" dirty="0">
+                <a:solidFill>
+                  <a:schemeClr val="hlink"/>
+                </a:solidFill>
+              </a:rPr>
+              <a:t> </a:t>
+            </a:r>
+            <a:r>
+              <a:rPr lang="pl-PL" altLang="en-US" sz="3200" dirty="0" err="1" smtClean="0">
+                <a:solidFill>
+                  <a:schemeClr val="hlink"/>
+                </a:solidFill>
+              </a:rPr>
+              <a:t>kanalom</a:t>
+            </a:r>
+            <a:r>
               <a:rPr lang="pl-PL" altLang="en-US" sz="3200" dirty="0" smtClean="0">
                 <a:solidFill>
                   <a:schemeClr val="hlink"/>
                 </a:solidFill>
               </a:rPr>
-              <a:t>Tipovi topologije mreže (3)</a:t>
+              <a:t> (</a:t>
+            </a:r>
+            <a:r>
+              <a:rPr lang="pl-PL" altLang="en-US" sz="3200" dirty="0">
+                <a:solidFill>
+                  <a:schemeClr val="hlink"/>
+                </a:solidFill>
+              </a:rPr>
+              <a:t>3</a:t>
+            </a:r>
+            <a:r>
+              <a:rPr lang="pl-PL" altLang="en-US" sz="3200" dirty="0" smtClean="0">
+                <a:solidFill>
+                  <a:schemeClr val="hlink"/>
+                </a:solidFill>
+              </a:rPr>
+              <a:t>)</a:t>
             </a:r>
             <a:endParaRPr lang="en-US" altLang="en-US" b="1" dirty="0" smtClean="0"/>
           </a:p>
@@ -22376,6 +22885,67 @@
                       </p:childTnLst>
                     </p:cTn>
                   </p:par>
+                  <p:par>
+                    <p:cTn id="18" fill="hold">
+                      <p:stCondLst>
+                        <p:cond delay="indefinite"/>
+                      </p:stCondLst>
+                      <p:childTnLst>
+                        <p:par>
+                          <p:cTn id="19" fill="hold">
+                            <p:stCondLst>
+                              <p:cond delay="0"/>
+                            </p:stCondLst>
+                            <p:childTnLst>
+                              <p:par>
+                                <p:cTn id="20" presetID="10" presetClass="entr" presetSubtype="0" fill="hold" nodeType="clickEffect">
+                                  <p:stCondLst>
+                                    <p:cond delay="0"/>
+                                  </p:stCondLst>
+                                  <p:childTnLst>
+                                    <p:set>
+                                      <p:cBhvr>
+                                        <p:cTn id="21" dur="1" fill="hold">
+                                          <p:stCondLst>
+                                            <p:cond delay="0"/>
+                                          </p:stCondLst>
+                                        </p:cTn>
+                                        <p:tgtEl>
+                                          <p:spTgt spid="29701">
+                                            <p:txEl>
+                                              <p:pRg st="3" end="3"/>
+                                            </p:txEl>
+                                          </p:spTgt>
+                                        </p:tgtEl>
+                                        <p:attrNameLst>
+                                          <p:attrName>style.visibility</p:attrName>
+                                        </p:attrNameLst>
+                                      </p:cBhvr>
+                                      <p:to>
+                                        <p:strVal val="visible"/>
+                                      </p:to>
+                                    </p:set>
+                                    <p:animEffect transition="in" filter="fade">
+                                      <p:cBhvr>
+                                        <p:cTn id="22" dur="500"/>
+                                        <p:tgtEl>
+                                          <p:spTgt spid="29701">
+                                            <p:txEl>
+                                              <p:pRg st="3" end="3"/>
+                                            </p:txEl>
+                                          </p:spTgt>
+                                        </p:tgtEl>
+                                      </p:cBhvr>
+                                    </p:animEffect>
+                                  </p:childTnLst>
+                                </p:cTn>
+                              </p:par>
+                            </p:childTnLst>
+                          </p:cTn>
+                        </p:par>
+                      </p:childTnLst>
+                    </p:cTn>
+                  </p:par>
                 </p:childTnLst>
               </p:cTn>
               <p:prevCondLst>
@@ -25190,33 +25760,15 @@
                                   </p:childTnLst>
                                 </p:cTn>
                               </p:par>
-                            </p:childTnLst>
-                          </p:cTn>
-                        </p:par>
-                      </p:childTnLst>
-                    </p:cTn>
-                  </p:par>
-                  <p:par>
-                    <p:cTn id="8" fill="hold">
-                      <p:stCondLst>
-                        <p:cond delay="indefinite"/>
-                      </p:stCondLst>
-                      <p:childTnLst>
-                        <p:par>
-                          <p:cTn id="9" fill="hold">
-                            <p:stCondLst>
-                              <p:cond delay="0"/>
-                            </p:stCondLst>
-                            <p:childTnLst>
                               <p:par>
-                                <p:cTn id="10" presetID="10" presetClass="entr" presetSubtype="0" fill="hold" nodeType="clickEffect">
+                                <p:cTn id="8" presetID="10" presetClass="entr" presetSubtype="0" fill="hold" nodeType="withEffect">
                                   <p:stCondLst>
                                     <p:cond delay="0"/>
                                   </p:stCondLst>
                                   <p:childTnLst>
                                     <p:set>
                                       <p:cBhvr>
-                                        <p:cTn id="11" dur="1" fill="hold">
+                                        <p:cTn id="9" dur="1" fill="hold">
                                           <p:stCondLst>
                                             <p:cond delay="0"/>
                                           </p:stCondLst>
@@ -25238,7 +25790,7 @@
                                     </p:set>
                                     <p:animEffect transition="in" filter="fade">
                                       <p:cBhvr>
-                                        <p:cTn id="12" dur="500"/>
+                                        <p:cTn id="10" dur="500"/>
                                         <p:tgtEl>
                                           <p:spTgt spid="29701">
                                             <p:txEl>
@@ -25252,14 +25804,14 @@
                                 </p:cTn>
                               </p:par>
                               <p:par>
-                                <p:cTn id="13" presetID="10" presetClass="entr" presetSubtype="0" fill="hold" nodeType="withEffect">
+                                <p:cTn id="11" presetID="10" presetClass="entr" presetSubtype="0" fill="hold" nodeType="withEffect">
                                   <p:stCondLst>
                                     <p:cond delay="0"/>
                                   </p:stCondLst>
                                   <p:childTnLst>
                                     <p:set>
                                       <p:cBhvr>
-                                        <p:cTn id="14" dur="1" fill="hold">
+                                        <p:cTn id="12" dur="1" fill="hold">
                                           <p:stCondLst>
                                             <p:cond delay="0"/>
                                           </p:stCondLst>
@@ -25281,7 +25833,7 @@
                                     </p:set>
                                     <p:animEffect transition="in" filter="fade">
                                       <p:cBhvr>
-                                        <p:cTn id="15" dur="500"/>
+                                        <p:cTn id="13" dur="500"/>
                                         <p:tgtEl>
                                           <p:spTgt spid="29701">
                                             <p:txEl>
@@ -25295,14 +25847,14 @@
                                 </p:cTn>
                               </p:par>
                               <p:par>
-                                <p:cTn id="16" presetID="10" presetClass="entr" presetSubtype="0" fill="hold" nodeType="withEffect">
+                                <p:cTn id="14" presetID="10" presetClass="entr" presetSubtype="0" fill="hold" nodeType="withEffect">
                                   <p:stCondLst>
                                     <p:cond delay="0"/>
                                   </p:stCondLst>
                                   <p:childTnLst>
                                     <p:set>
                                       <p:cBhvr>
-                                        <p:cTn id="17" dur="1" fill="hold">
+                                        <p:cTn id="15" dur="1" fill="hold">
                                           <p:stCondLst>
                                             <p:cond delay="0"/>
                                           </p:stCondLst>
@@ -25324,7 +25876,7 @@
                                     </p:set>
                                     <p:animEffect transition="in" filter="fade">
                                       <p:cBhvr>
-                                        <p:cTn id="18" dur="500"/>
+                                        <p:cTn id="16" dur="500"/>
                                         <p:tgtEl>
                                           <p:spTgt spid="29701">
                                             <p:txEl>
@@ -25338,14 +25890,14 @@
                                 </p:cTn>
                               </p:par>
                               <p:par>
-                                <p:cTn id="19" presetID="10" presetClass="entr" presetSubtype="0" fill="hold" nodeType="withEffect">
+                                <p:cTn id="17" presetID="10" presetClass="entr" presetSubtype="0" fill="hold" nodeType="withEffect">
                                   <p:stCondLst>
                                     <p:cond delay="0"/>
                                   </p:stCondLst>
                                   <p:childTnLst>
                                     <p:set>
                                       <p:cBhvr>
-                                        <p:cTn id="20" dur="1" fill="hold">
+                                        <p:cTn id="18" dur="1" fill="hold">
                                           <p:stCondLst>
                                             <p:cond delay="0"/>
                                           </p:stCondLst>
@@ -25367,7 +25919,7 @@
                                     </p:set>
                                     <p:animEffect transition="in" filter="fade">
                                       <p:cBhvr>
-                                        <p:cTn id="21" dur="500"/>
+                                        <p:cTn id="19" dur="500"/>
                                         <p:tgtEl>
                                           <p:spTgt spid="29701">
                                             <p:txEl>
@@ -26496,7 +27048,7 @@
         <p:spPr>
           <a:xfrm>
             <a:off x="323529" y="1476499"/>
-            <a:ext cx="8496943" cy="2168525"/>
+            <a:ext cx="8640959" cy="2168525"/>
           </a:xfrm>
         </p:spPr>
         <p:txBody>
@@ -28196,7 +28748,7 @@
             </a:pPr>
             <a:r>
               <a:rPr lang="sr-Latn-RS" altLang="en-US" dirty="0" smtClean="0"/>
-              <a:t>Sledi opis uloga najznačajnijih slojeva u okviru referentnog modela:</a:t>
+              <a:t>Sledi opis uloga najznačajnijih slojeva u okviru referentnog OSI modela:</a:t>
             </a:r>
           </a:p>
           <a:p>
@@ -30019,11 +30571,7 @@
               <a:t>Komunikacija</a:t>
             </a:r>
             <a:r>
-              <a:rPr lang="sr-Latn-RS" altLang="en-US" dirty="0" smtClean="0"/>
-              <a:t> - </a:t>
-            </a:r>
-            <a:r>
-              <a:rPr lang="pl-PL" altLang="en-US" dirty="0"/>
+              <a:rPr lang="pl-PL" altLang="en-US" dirty="0" smtClean="0"/>
               <a:t>: </a:t>
             </a:r>
             <a:r>
@@ -30117,6 +30665,14 @@
             <a:r>
               <a:rPr lang="en-US" altLang="en-US" dirty="0" err="1" smtClean="0"/>
               <a:t>podataka</a:t>
+            </a:r>
+            <a:r>
+              <a:rPr lang="en-US" altLang="en-US" dirty="0" smtClean="0"/>
+              <a:t>: </a:t>
+            </a:r>
+            <a:r>
+              <a:rPr lang="sr-Latn-RS" altLang="en-US" dirty="0" smtClean="0"/>
+              <a:t>raspored časova, red vožnje itd.</a:t>
             </a:r>
             <a:endParaRPr lang="sr-Latn-RS" altLang="en-US" dirty="0" smtClean="0"/>
           </a:p>
@@ -30351,43 +30907,21 @@
                                   </p:childTnLst>
                                 </p:cTn>
                               </p:par>
-                            </p:childTnLst>
-                          </p:cTn>
-                        </p:par>
-                      </p:childTnLst>
-                    </p:cTn>
-                  </p:par>
-                  <p:par>
-                    <p:cTn id="8" fill="hold">
-                      <p:stCondLst>
-                        <p:cond delay="indefinite"/>
-                      </p:stCondLst>
-                      <p:childTnLst>
-                        <p:par>
-                          <p:cTn id="9" fill="hold">
-                            <p:stCondLst>
-                              <p:cond delay="0"/>
-                            </p:stCondLst>
-                            <p:childTnLst>
                               <p:par>
-                                <p:cTn id="10" presetID="10" presetClass="entr" presetSubtype="0" fill="hold" nodeType="clickEffect">
+                                <p:cTn id="8" presetID="10" presetClass="entr" presetSubtype="0" fill="hold" nodeType="withEffect">
                                   <p:stCondLst>
                                     <p:cond delay="0"/>
                                   </p:stCondLst>
                                   <p:childTnLst>
                                     <p:set>
                                       <p:cBhvr>
-                                        <p:cTn id="11" dur="1" fill="hold">
+                                        <p:cTn id="9" dur="1" fill="hold">
                                           <p:stCondLst>
                                             <p:cond delay="0"/>
                                           </p:stCondLst>
                                         </p:cTn>
                                         <p:tgtEl>
-                                          <p:spTgt spid="29701">
-                                            <p:txEl>
-                                              <p:pRg st="1" end="1"/>
-                                            </p:txEl>
-                                          </p:spTgt>
+                                          <p:spTgt spid="2050"/>
                                         </p:tgtEl>
                                         <p:attrNameLst>
                                           <p:attrName>style.visibility</p:attrName>
@@ -30399,13 +30933,9 @@
                                     </p:set>
                                     <p:animEffect transition="in" filter="fade">
                                       <p:cBhvr>
-                                        <p:cTn id="12" dur="500"/>
-                                        <p:tgtEl>
-                                          <p:spTgt spid="29701">
-                                            <p:txEl>
-                                              <p:pRg st="1" end="1"/>
-                                            </p:txEl>
-                                          </p:spTgt>
+                                        <p:cTn id="10" dur="500"/>
+                                        <p:tgtEl>
+                                          <p:spTgt spid="2050"/>
                                         </p:tgtEl>
                                       </p:cBhvr>
                                     </p:animEffect>
@@ -30419,26 +30949,26 @@
                     </p:cTn>
                   </p:par>
                   <p:par>
-                    <p:cTn id="13" fill="hold">
+                    <p:cTn id="11" fill="hold">
                       <p:stCondLst>
                         <p:cond delay="indefinite"/>
                       </p:stCondLst>
                       <p:childTnLst>
                         <p:par>
-                          <p:cTn id="14" fill="hold">
+                          <p:cTn id="12" fill="hold">
                             <p:stCondLst>
                               <p:cond delay="0"/>
                             </p:stCondLst>
                             <p:childTnLst>
                               <p:par>
-                                <p:cTn id="15" presetID="10" presetClass="entr" presetSubtype="0" fill="hold" nodeType="clickEffect">
+                                <p:cTn id="13" presetID="10" presetClass="entr" presetSubtype="0" fill="hold" nodeType="clickEffect">
                                   <p:stCondLst>
                                     <p:cond delay="0"/>
                                   </p:stCondLst>
                                   <p:childTnLst>
                                     <p:set>
                                       <p:cBhvr>
-                                        <p:cTn id="16" dur="1" fill="hold">
+                                        <p:cTn id="14" dur="1" fill="hold">
                                           <p:stCondLst>
                                             <p:cond delay="0"/>
                                           </p:stCondLst>
@@ -30446,7 +30976,7 @@
                                         <p:tgtEl>
                                           <p:spTgt spid="29701">
                                             <p:txEl>
-                                              <p:pRg st="2" end="2"/>
+                                              <p:pRg st="1" end="1"/>
                                             </p:txEl>
                                           </p:spTgt>
                                         </p:tgtEl>
@@ -30460,11 +30990,11 @@
                                     </p:set>
                                     <p:animEffect transition="in" filter="fade">
                                       <p:cBhvr>
-                                        <p:cTn id="17" dur="500"/>
-                                        <p:tgtEl>
-                                          <p:spTgt spid="29701">
-                                            <p:txEl>
-                                              <p:pRg st="2" end="2"/>
+                                        <p:cTn id="15" dur="500"/>
+                                        <p:tgtEl>
+                                          <p:spTgt spid="29701">
+                                            <p:txEl>
+                                              <p:pRg st="1" end="1"/>
                                             </p:txEl>
                                           </p:spTgt>
                                         </p:tgtEl>
@@ -30480,26 +31010,26 @@
                     </p:cTn>
                   </p:par>
                   <p:par>
-                    <p:cTn id="18" fill="hold">
+                    <p:cTn id="16" fill="hold">
                       <p:stCondLst>
                         <p:cond delay="indefinite"/>
                       </p:stCondLst>
                       <p:childTnLst>
                         <p:par>
-                          <p:cTn id="19" fill="hold">
+                          <p:cTn id="17" fill="hold">
                             <p:stCondLst>
                               <p:cond delay="0"/>
                             </p:stCondLst>
                             <p:childTnLst>
                               <p:par>
-                                <p:cTn id="20" presetID="10" presetClass="entr" presetSubtype="0" fill="hold" nodeType="clickEffect">
+                                <p:cTn id="18" presetID="10" presetClass="entr" presetSubtype="0" fill="hold" nodeType="clickEffect">
                                   <p:stCondLst>
                                     <p:cond delay="0"/>
                                   </p:stCondLst>
                                   <p:childTnLst>
                                     <p:set>
                                       <p:cBhvr>
-                                        <p:cTn id="21" dur="1" fill="hold">
+                                        <p:cTn id="19" dur="1" fill="hold">
                                           <p:stCondLst>
                                             <p:cond delay="0"/>
                                           </p:stCondLst>
@@ -30507,7 +31037,7 @@
                                         <p:tgtEl>
                                           <p:spTgt spid="29701">
                                             <p:txEl>
-                                              <p:pRg st="3" end="3"/>
+                                              <p:pRg st="2" end="2"/>
                                             </p:txEl>
                                           </p:spTgt>
                                         </p:tgtEl>
@@ -30521,11 +31051,11 @@
                                     </p:set>
                                     <p:animEffect transition="in" filter="fade">
                                       <p:cBhvr>
-                                        <p:cTn id="22" dur="500"/>
-                                        <p:tgtEl>
-                                          <p:spTgt spid="29701">
-                                            <p:txEl>
-                                              <p:pRg st="3" end="3"/>
+                                        <p:cTn id="20" dur="500"/>
+                                        <p:tgtEl>
+                                          <p:spTgt spid="29701">
+                                            <p:txEl>
+                                              <p:pRg st="2" end="2"/>
                                             </p:txEl>
                                           </p:spTgt>
                                         </p:tgtEl>
@@ -30541,26 +31071,26 @@
                     </p:cTn>
                   </p:par>
                   <p:par>
-                    <p:cTn id="23" fill="hold">
+                    <p:cTn id="21" fill="hold">
                       <p:stCondLst>
                         <p:cond delay="indefinite"/>
                       </p:stCondLst>
                       <p:childTnLst>
                         <p:par>
-                          <p:cTn id="24" fill="hold">
+                          <p:cTn id="22" fill="hold">
                             <p:stCondLst>
                               <p:cond delay="0"/>
                             </p:stCondLst>
                             <p:childTnLst>
                               <p:par>
-                                <p:cTn id="25" presetID="10" presetClass="entr" presetSubtype="0" fill="hold" nodeType="clickEffect">
+                                <p:cTn id="23" presetID="10" presetClass="entr" presetSubtype="0" fill="hold" nodeType="clickEffect">
                                   <p:stCondLst>
                                     <p:cond delay="0"/>
                                   </p:stCondLst>
                                   <p:childTnLst>
                                     <p:set>
                                       <p:cBhvr>
-                                        <p:cTn id="26" dur="1" fill="hold">
+                                        <p:cTn id="24" dur="1" fill="hold">
                                           <p:stCondLst>
                                             <p:cond delay="0"/>
                                           </p:stCondLst>
@@ -30568,7 +31098,7 @@
                                         <p:tgtEl>
                                           <p:spTgt spid="29701">
                                             <p:txEl>
-                                              <p:pRg st="4" end="4"/>
+                                              <p:pRg st="3" end="3"/>
                                             </p:txEl>
                                           </p:spTgt>
                                         </p:tgtEl>
@@ -30582,11 +31112,11 @@
                                     </p:set>
                                     <p:animEffect transition="in" filter="fade">
                                       <p:cBhvr>
-                                        <p:cTn id="27" dur="500"/>
-                                        <p:tgtEl>
-                                          <p:spTgt spid="29701">
-                                            <p:txEl>
-                                              <p:pRg st="4" end="4"/>
+                                        <p:cTn id="25" dur="500"/>
+                                        <p:tgtEl>
+                                          <p:spTgt spid="29701">
+                                            <p:txEl>
+                                              <p:pRg st="3" end="3"/>
                                             </p:txEl>
                                           </p:spTgt>
                                         </p:tgtEl>
@@ -30595,8 +31125,26 @@
                                   </p:childTnLst>
                                 </p:cTn>
                               </p:par>
+                            </p:childTnLst>
+                          </p:cTn>
+                        </p:par>
+                      </p:childTnLst>
+                    </p:cTn>
+                  </p:par>
+                  <p:par>
+                    <p:cTn id="26" fill="hold">
+                      <p:stCondLst>
+                        <p:cond delay="indefinite"/>
+                      </p:stCondLst>
+                      <p:childTnLst>
+                        <p:par>
+                          <p:cTn id="27" fill="hold">
+                            <p:stCondLst>
+                              <p:cond delay="0"/>
+                            </p:stCondLst>
+                            <p:childTnLst>
                               <p:par>
-                                <p:cTn id="28" presetID="10" presetClass="entr" presetSubtype="0" fill="hold" nodeType="withEffect">
+                                <p:cTn id="28" presetID="10" presetClass="entr" presetSubtype="0" fill="hold" nodeType="clickEffect">
                                   <p:stCondLst>
                                     <p:cond delay="0"/>
                                   </p:stCondLst>
@@ -30609,7 +31157,11 @@
                                           </p:stCondLst>
                                         </p:cTn>
                                         <p:tgtEl>
-                                          <p:spTgt spid="2050"/>
+                                          <p:spTgt spid="29701">
+                                            <p:txEl>
+                                              <p:pRg st="4" end="4"/>
+                                            </p:txEl>
+                                          </p:spTgt>
                                         </p:tgtEl>
                                         <p:attrNameLst>
                                           <p:attrName>style.visibility</p:attrName>
@@ -30623,7 +31175,11 @@
                                       <p:cBhvr>
                                         <p:cTn id="30" dur="500"/>
                                         <p:tgtEl>
-                                          <p:spTgt spid="2050"/>
+                                          <p:spTgt spid="29701">
+                                            <p:txEl>
+                                              <p:pRg st="4" end="4"/>
+                                            </p:txEl>
+                                          </p:spTgt>
                                         </p:tgtEl>
                                       </p:cBhvr>
                                     </p:animEffect>
@@ -33109,33 +33665,15 @@
                                   </p:childTnLst>
                                 </p:cTn>
                               </p:par>
-                            </p:childTnLst>
-                          </p:cTn>
-                        </p:par>
-                      </p:childTnLst>
-                    </p:cTn>
-                  </p:par>
-                  <p:par>
-                    <p:cTn id="8" fill="hold">
-                      <p:stCondLst>
-                        <p:cond delay="indefinite"/>
-                      </p:stCondLst>
-                      <p:childTnLst>
-                        <p:par>
-                          <p:cTn id="9" fill="hold">
-                            <p:stCondLst>
-                              <p:cond delay="0"/>
-                            </p:stCondLst>
-                            <p:childTnLst>
                               <p:par>
-                                <p:cTn id="10" presetID="10" presetClass="entr" presetSubtype="0" fill="hold" nodeType="clickEffect">
+                                <p:cTn id="8" presetID="10" presetClass="entr" presetSubtype="0" fill="hold" nodeType="withEffect">
                                   <p:stCondLst>
                                     <p:cond delay="0"/>
                                   </p:stCondLst>
                                   <p:childTnLst>
                                     <p:set>
                                       <p:cBhvr>
-                                        <p:cTn id="11" dur="1" fill="hold">
+                                        <p:cTn id="9" dur="1" fill="hold">
                                           <p:stCondLst>
                                             <p:cond delay="0"/>
                                           </p:stCondLst>
@@ -33157,7 +33695,7 @@
                                     </p:set>
                                     <p:animEffect transition="in" filter="fade">
                                       <p:cBhvr>
-                                        <p:cTn id="12" dur="500"/>
+                                        <p:cTn id="10" dur="500"/>
                                         <p:tgtEl>
                                           <p:spTgt spid="92163">
                                             <p:txEl>
@@ -33171,14 +33709,14 @@
                                 </p:cTn>
                               </p:par>
                               <p:par>
-                                <p:cTn id="13" presetID="10" presetClass="entr" presetSubtype="0" fill="hold" nodeType="withEffect">
+                                <p:cTn id="11" presetID="10" presetClass="entr" presetSubtype="0" fill="hold" nodeType="withEffect">
                                   <p:stCondLst>
                                     <p:cond delay="0"/>
                                   </p:stCondLst>
                                   <p:childTnLst>
                                     <p:set>
                                       <p:cBhvr>
-                                        <p:cTn id="14" dur="1" fill="hold">
+                                        <p:cTn id="12" dur="1" fill="hold">
                                           <p:stCondLst>
                                             <p:cond delay="0"/>
                                           </p:stCondLst>
@@ -33200,7 +33738,7 @@
                                     </p:set>
                                     <p:animEffect transition="in" filter="fade">
                                       <p:cBhvr>
-                                        <p:cTn id="15" dur="500"/>
+                                        <p:cTn id="13" dur="500"/>
                                         <p:tgtEl>
                                           <p:spTgt spid="92163">
                                             <p:txEl>
@@ -33214,14 +33752,14 @@
                                 </p:cTn>
                               </p:par>
                               <p:par>
-                                <p:cTn id="16" presetID="10" presetClass="entr" presetSubtype="0" fill="hold" nodeType="withEffect">
+                                <p:cTn id="14" presetID="10" presetClass="entr" presetSubtype="0" fill="hold" nodeType="withEffect">
                                   <p:stCondLst>
                                     <p:cond delay="0"/>
                                   </p:stCondLst>
                                   <p:childTnLst>
                                     <p:set>
                                       <p:cBhvr>
-                                        <p:cTn id="17" dur="1" fill="hold">
+                                        <p:cTn id="15" dur="1" fill="hold">
                                           <p:stCondLst>
                                             <p:cond delay="0"/>
                                           </p:stCondLst>
@@ -33243,7 +33781,7 @@
                                     </p:set>
                                     <p:animEffect transition="in" filter="fade">
                                       <p:cBhvr>
-                                        <p:cTn id="18" dur="500"/>
+                                        <p:cTn id="16" dur="500"/>
                                         <p:tgtEl>
                                           <p:spTgt spid="92163">
                                             <p:txEl>
@@ -33471,82 +34009,340 @@
           </a:p>
           <a:p>
             <a:pPr eaLnBrk="1" hangingPunct="1"/>
-            <a:r>
-              <a:rPr lang="en-US" altLang="en-US" dirty="0" err="1"/>
-              <a:t>Centralizovana</a:t>
-            </a:r>
-            <a:r>
-              <a:rPr lang="en-US" altLang="en-US" dirty="0"/>
+            <a:endParaRPr lang="en-US" altLang="en-US" dirty="0" smtClean="0"/>
+          </a:p>
+          <a:p>
+            <a:pPr eaLnBrk="1" hangingPunct="1"/>
+            <a:endParaRPr lang="en-US" altLang="en-US" dirty="0"/>
+          </a:p>
+          <a:p>
+            <a:pPr eaLnBrk="1" hangingPunct="1"/>
+            <a:endParaRPr lang="en-US" altLang="en-US" dirty="0" smtClean="0"/>
+          </a:p>
+          <a:p>
+            <a:pPr eaLnBrk="1" hangingPunct="1"/>
+            <a:endParaRPr lang="en-US" altLang="en-US" dirty="0"/>
+          </a:p>
+          <a:p>
+            <a:pPr eaLnBrk="1" hangingPunct="1"/>
+            <a:endParaRPr lang="en-US" altLang="en-US" dirty="0" smtClean="0"/>
+          </a:p>
+          <a:p>
+            <a:pPr eaLnBrk="1" hangingPunct="1"/>
+            <a:r>
+              <a:rPr lang="en-US" altLang="en-US" dirty="0" err="1" smtClean="0"/>
+              <a:t>Klijent</a:t>
+            </a:r>
+            <a:r>
+              <a:rPr lang="en-US" altLang="en-US" dirty="0" smtClean="0"/>
+              <a:t>-server </a:t>
+            </a:r>
+            <a:r>
+              <a:rPr lang="en-US" altLang="en-US" dirty="0" err="1" smtClean="0"/>
+              <a:t>okru</a:t>
+            </a:r>
+            <a:r>
+              <a:rPr lang="sr-Latn-RS" altLang="en-US" dirty="0"/>
+              <a:t>ž</a:t>
+            </a:r>
+            <a:r>
+              <a:rPr lang="en-US" altLang="en-US" dirty="0" err="1" smtClean="0"/>
+              <a:t>enje</a:t>
+            </a:r>
+            <a:r>
+              <a:rPr lang="en-US" altLang="en-US" dirty="0" smtClean="0"/>
+              <a:t>: </a:t>
+            </a:r>
+            <a:r>
+              <a:rPr lang="sr-Latn-RS" dirty="0" err="1"/>
+              <a:t>koriscenje</a:t>
+            </a:r>
+            <a:r>
+              <a:rPr lang="sr-Latn-RS" dirty="0"/>
+              <a:t> veba, elektronske </a:t>
+            </a:r>
+            <a:r>
+              <a:rPr lang="sr-Latn-RS" dirty="0" smtClean="0"/>
+              <a:t>poste</a:t>
+            </a:r>
+            <a:endParaRPr lang="en-US" altLang="en-US" dirty="0" smtClean="0"/>
+          </a:p>
+          <a:p>
+            <a:pPr lvl="1" eaLnBrk="1" hangingPunct="1"/>
+            <a:r>
+              <a:rPr lang="sr-Latn-RS" altLang="en-US" sz="2200" dirty="0">
+                <a:solidFill>
+                  <a:schemeClr val="accent1">
+                    <a:lumMod val="25000"/>
+                  </a:schemeClr>
+                </a:solidFill>
+              </a:rPr>
+              <a:t>server</a:t>
+            </a:r>
+            <a:r>
+              <a:rPr lang="sr-Latn-RS" altLang="en-US" sz="2200" dirty="0"/>
               <a:t> </a:t>
             </a:r>
             <a:r>
-              <a:rPr lang="en-US" altLang="en-US" dirty="0" err="1" smtClean="0"/>
-              <a:t>obrada</a:t>
+              <a:rPr lang="sr-Latn-RS" altLang="en-US" sz="2200" dirty="0" smtClean="0"/>
+              <a:t>pruža </a:t>
+            </a:r>
+            <a:r>
+              <a:rPr lang="sr-Latn-RS" altLang="en-US" sz="2200" dirty="0"/>
+              <a:t>svoje resurse (veb serveri, serveri BP,...),</a:t>
+            </a:r>
+          </a:p>
+          <a:p>
+            <a:pPr lvl="1" eaLnBrk="1" hangingPunct="1"/>
+            <a:r>
+              <a:rPr lang="sr-Latn-RS" altLang="en-US" sz="2200" dirty="0">
+                <a:solidFill>
+                  <a:schemeClr val="accent1">
+                    <a:lumMod val="25000"/>
+                  </a:schemeClr>
+                </a:solidFill>
+              </a:rPr>
+              <a:t>klijent</a:t>
+            </a:r>
+            <a:r>
+              <a:rPr lang="sr-Latn-RS" altLang="en-US" sz="2200" dirty="0"/>
+              <a:t> inicira kontakt radi </a:t>
+            </a:r>
+            <a:r>
+              <a:rPr lang="sr-Latn-RS" altLang="en-US" sz="2200" dirty="0" smtClean="0"/>
+              <a:t>korišćenja </a:t>
+            </a:r>
+            <a:r>
+              <a:rPr lang="sr-Latn-RS" altLang="en-US" sz="2200" dirty="0"/>
+              <a:t>tih resursa</a:t>
+            </a:r>
+          </a:p>
+          <a:p>
+            <a:pPr lvl="2" eaLnBrk="1" hangingPunct="1"/>
+            <a:r>
+              <a:rPr lang="sr-Latn-RS" altLang="en-US" dirty="0"/>
+              <a:t>proksi serveri </a:t>
+            </a:r>
+            <a:r>
+              <a:rPr lang="sr-Latn-RS" altLang="en-US" dirty="0" smtClean="0"/>
+              <a:t>- ke</a:t>
+            </a:r>
+            <a:r>
+              <a:rPr lang="sr-Latn-RS" altLang="en-US" dirty="0"/>
+              <a:t>š</a:t>
+            </a:r>
+            <a:r>
+              <a:rPr lang="sr-Latn-RS" altLang="en-US" dirty="0" smtClean="0"/>
+              <a:t>iraju </a:t>
+            </a:r>
+            <a:r>
+              <a:rPr lang="sr-Latn-RS" altLang="en-US" dirty="0" smtClean="0"/>
+              <a:t>veb strane </a:t>
+            </a:r>
+            <a:r>
+              <a:rPr lang="sr-Latn-RS" altLang="en-US" dirty="0"/>
+              <a:t>kojima se pristupa</a:t>
+            </a:r>
+          </a:p>
+          <a:p>
+            <a:pPr lvl="2" eaLnBrk="1" hangingPunct="1"/>
+            <a:r>
+              <a:rPr lang="sr-Latn-RS" altLang="en-US" dirty="0" smtClean="0"/>
+              <a:t>najčešće </a:t>
+            </a:r>
+            <a:r>
+              <a:rPr lang="sr-Latn-RS" altLang="en-US" dirty="0"/>
+              <a:t>se </a:t>
+            </a:r>
+            <a:r>
+              <a:rPr lang="sr-Latn-RS" altLang="en-US" dirty="0" smtClean="0"/>
+              <a:t>vi</a:t>
+            </a:r>
+            <a:r>
+              <a:rPr lang="sr-Latn-RS" altLang="en-US" dirty="0"/>
+              <a:t>š</a:t>
+            </a:r>
+            <a:r>
+              <a:rPr lang="sr-Latn-RS" altLang="en-US" dirty="0" smtClean="0"/>
+              <a:t>e </a:t>
+            </a:r>
+            <a:r>
+              <a:rPr lang="sr-Latn-RS" altLang="en-US" dirty="0"/>
+              <a:t>klijenata </a:t>
+            </a:r>
+            <a:r>
+              <a:rPr lang="sr-Latn-RS" altLang="en-US" dirty="0" smtClean="0"/>
+              <a:t>obra</a:t>
+            </a:r>
+            <a:r>
+              <a:rPr lang="sr-Latn-RS" altLang="en-US" dirty="0"/>
+              <a:t>ć</a:t>
+            </a:r>
+            <a:r>
+              <a:rPr lang="sr-Latn-RS" altLang="en-US" dirty="0" smtClean="0"/>
+              <a:t>a </a:t>
+            </a:r>
+            <a:r>
+              <a:rPr lang="sr-Latn-RS" altLang="en-US" dirty="0"/>
+              <a:t>jednom serveru</a:t>
+            </a:r>
+          </a:p>
+          <a:p>
+            <a:pPr lvl="2" eaLnBrk="1" hangingPunct="1"/>
+            <a:r>
+              <a:rPr lang="sr-Latn-RS" altLang="en-US" dirty="0"/>
+              <a:t>č</a:t>
+            </a:r>
+            <a:r>
+              <a:rPr lang="sr-Latn-RS" altLang="en-US" dirty="0" smtClean="0"/>
+              <a:t>esto se tražene </a:t>
+            </a:r>
+            <a:r>
+              <a:rPr lang="sr-Latn-RS" altLang="en-US" dirty="0"/>
+              <a:t>usluge </a:t>
+            </a:r>
+            <a:r>
+              <a:rPr lang="sr-Latn-RS" altLang="en-US" dirty="0" smtClean="0"/>
+              <a:t>distribuiraju ve</a:t>
+            </a:r>
+            <a:r>
+              <a:rPr lang="sr-Latn-RS" altLang="en-US" dirty="0"/>
+              <a:t>ć</a:t>
+            </a:r>
+            <a:r>
+              <a:rPr lang="sr-Latn-RS" altLang="en-US" dirty="0" smtClean="0"/>
+              <a:t>em </a:t>
+            </a:r>
+            <a:r>
+              <a:rPr lang="sr-Latn-RS" altLang="en-US" dirty="0"/>
+              <a:t>broju servera</a:t>
             </a:r>
             <a:endParaRPr lang="sr-Latn-RS" altLang="en-US" dirty="0" smtClean="0"/>
           </a:p>
           <a:p>
             <a:pPr eaLnBrk="1" hangingPunct="1"/>
             <a:r>
+              <a:rPr lang="en-US" altLang="en-US" dirty="0" err="1" smtClean="0"/>
+              <a:t>Mre</a:t>
+            </a:r>
+            <a:r>
+              <a:rPr lang="sr-Latn-RS" altLang="en-US" dirty="0"/>
+              <a:t>ž</a:t>
+            </a:r>
+            <a:r>
+              <a:rPr lang="en-US" altLang="en-US" dirty="0" smtClean="0"/>
+              <a:t>a </a:t>
+            </a:r>
+            <a:r>
               <a:rPr lang="en-US" altLang="en-US" dirty="0" err="1"/>
-              <a:t>Klijent</a:t>
+              <a:t>ravnopravnih</a:t>
             </a:r>
             <a:r>
               <a:rPr lang="en-US" altLang="en-US" dirty="0"/>
-              <a:t>-server </a:t>
+              <a:t> </a:t>
             </a:r>
             <a:r>
               <a:rPr lang="en-US" altLang="en-US" dirty="0" err="1" smtClean="0"/>
-              <a:t>okru</a:t>
-            </a:r>
-            <a:r>
-              <a:rPr lang="sr-Latn-RS" altLang="en-US" dirty="0"/>
-              <a:t>ž</a:t>
+              <a:t>ra</a:t>
+            </a:r>
+            <a:r>
+              <a:rPr lang="sr-Latn-RS" altLang="en-US" dirty="0"/>
+              <a:t>č</a:t>
             </a:r>
             <a:r>
               <a:rPr lang="en-US" altLang="en-US" dirty="0" err="1" smtClean="0"/>
-              <a:t>enje</a:t>
-            </a:r>
-            <a:endParaRPr lang="sr-Latn-RS" altLang="en-US" dirty="0" smtClean="0"/>
+              <a:t>unara</a:t>
+            </a:r>
+            <a:r>
+              <a:rPr lang="en-US" altLang="en-US" dirty="0" smtClean="0"/>
+              <a:t> </a:t>
+            </a:r>
+            <a:r>
+              <a:rPr lang="sr-Latn-RS" dirty="0"/>
+              <a:t>(</a:t>
+            </a:r>
+            <a:r>
+              <a:rPr lang="sr-Latn-RS" dirty="0" err="1"/>
+              <a:t>peer</a:t>
+            </a:r>
+            <a:r>
+              <a:rPr lang="sr-Latn-RS" dirty="0"/>
+              <a:t>-to-</a:t>
+            </a:r>
+            <a:r>
+              <a:rPr lang="sr-Latn-RS" dirty="0" err="1"/>
+              <a:t>peer</a:t>
+            </a:r>
+            <a:r>
+              <a:rPr lang="sr-Latn-RS" dirty="0"/>
+              <a:t>, P2P): </a:t>
+            </a:r>
+            <a:r>
+              <a:rPr lang="sr-Latn-RS" dirty="0" err="1"/>
+              <a:t>BitTorrent</a:t>
+            </a:r>
+            <a:endParaRPr lang="sr-Latn-RS" dirty="0"/>
           </a:p>
           <a:p>
-            <a:pPr eaLnBrk="1" hangingPunct="1"/>
-            <a:r>
-              <a:rPr lang="en-US" altLang="en-US" dirty="0" err="1" smtClean="0"/>
-              <a:t>Mre</a:t>
-            </a:r>
-            <a:r>
-              <a:rPr lang="sr-Latn-RS" altLang="en-US" dirty="0"/>
-              <a:t>ž</a:t>
-            </a:r>
-            <a:r>
-              <a:rPr lang="en-US" altLang="en-US" dirty="0" smtClean="0"/>
-              <a:t>a </a:t>
-            </a:r>
-            <a:r>
-              <a:rPr lang="en-US" altLang="en-US" dirty="0" err="1"/>
-              <a:t>ravnopravnih</a:t>
-            </a:r>
-            <a:r>
-              <a:rPr lang="en-US" altLang="en-US" dirty="0"/>
-              <a:t> </a:t>
-            </a:r>
-            <a:r>
-              <a:rPr lang="en-US" altLang="en-US" dirty="0" err="1" smtClean="0"/>
-              <a:t>ra</a:t>
-            </a:r>
-            <a:r>
-              <a:rPr lang="sr-Latn-RS" altLang="en-US" dirty="0"/>
-              <a:t>č</a:t>
-            </a:r>
-            <a:r>
-              <a:rPr lang="en-US" altLang="en-US" dirty="0" err="1" smtClean="0"/>
-              <a:t>unara</a:t>
-            </a:r>
+            <a:pPr marL="0" indent="0" eaLnBrk="1" hangingPunct="1">
+              <a:buNone/>
+            </a:pPr>
             <a:endParaRPr lang="en-US" altLang="en-US" sz="2200" dirty="0" smtClean="0"/>
           </a:p>
         </p:txBody>
       </p:sp>
+      <p:pic>
+        <p:nvPicPr>
+          <p:cNvPr id="1026" name="Picture 2"/>
+          <p:cNvPicPr>
+            <a:picLocks noChangeAspect="1" noChangeArrowheads="1"/>
+          </p:cNvPicPr>
+          <p:nvPr/>
+        </p:nvPicPr>
+        <p:blipFill rotWithShape="1">
+          <a:blip r:embed="rId2">
+            <a:extLst>
+              <a:ext uri="{28A0092B-C50C-407E-A947-70E740481C1C}">
+                <a14:useLocalDpi xmlns:a14="http://schemas.microsoft.com/office/drawing/2010/main" val="0"/>
+              </a:ext>
+            </a:extLst>
+          </a:blip>
+          <a:srcRect t="4249" r="2041"/>
+          <a:stretch/>
+        </p:blipFill>
+        <p:spPr bwMode="auto">
+          <a:xfrm>
+            <a:off x="2339753" y="2066544"/>
+            <a:ext cx="4170776" cy="1751096"/>
+          </a:xfrm>
+          <a:prstGeom prst="rect">
+            <a:avLst/>
+          </a:prstGeom>
+          <a:noFill/>
+          <a:ln>
+            <a:noFill/>
+          </a:ln>
+          <a:extLst>
+            <a:ext uri="{909E8E84-426E-40DD-AFC4-6F175D3DCCD1}">
+              <a14:hiddenFill xmlns:a14="http://schemas.microsoft.com/office/drawing/2010/main">
+                <a:solidFill>
+                  <a:schemeClr val="accent1"/>
+                </a:solidFill>
+              </a14:hiddenFill>
+            </a:ext>
+            <a:ext uri="{91240B29-F687-4F45-9708-019B960494DF}">
+              <a14:hiddenLine xmlns:a14="http://schemas.microsoft.com/office/drawing/2010/main" w="9525">
+                <a:solidFill>
+                  <a:schemeClr val="tx1"/>
+                </a:solidFill>
+                <a:miter lim="800000"/>
+                <a:headEnd/>
+                <a:tailEnd/>
+              </a14:hiddenLine>
+            </a:ext>
+          </a:extLst>
+        </p:spPr>
+      </p:pic>
     </p:spTree>
     <p:extLst>
       <p:ext uri="{BB962C8B-B14F-4D97-AF65-F5344CB8AC3E}">
@@ -33620,43 +34416,21 @@
                                   </p:childTnLst>
                                 </p:cTn>
                               </p:par>
-                            </p:childTnLst>
-                          </p:cTn>
-                        </p:par>
-                      </p:childTnLst>
-                    </p:cTn>
-                  </p:par>
-                  <p:par>
-                    <p:cTn id="8" fill="hold">
-                      <p:stCondLst>
-                        <p:cond delay="indefinite"/>
-                      </p:stCondLst>
-                      <p:childTnLst>
-                        <p:par>
-                          <p:cTn id="9" fill="hold">
-                            <p:stCondLst>
-                              <p:cond delay="0"/>
-                            </p:stCondLst>
-                            <p:childTnLst>
                               <p:par>
-                                <p:cTn id="10" presetID="10" presetClass="entr" presetSubtype="0" fill="hold" nodeType="clickEffect">
+                                <p:cTn id="8" presetID="10" presetClass="entr" presetSubtype="0" fill="hold" nodeType="withEffect">
                                   <p:stCondLst>
                                     <p:cond delay="0"/>
                                   </p:stCondLst>
                                   <p:childTnLst>
                                     <p:set>
                                       <p:cBhvr>
-                                        <p:cTn id="11" dur="1" fill="hold">
+                                        <p:cTn id="9" dur="1" fill="hold">
                                           <p:stCondLst>
                                             <p:cond delay="0"/>
                                           </p:stCondLst>
                                         </p:cTn>
                                         <p:tgtEl>
-                                          <p:spTgt spid="29701">
-                                            <p:txEl>
-                                              <p:pRg st="1" end="1"/>
-                                            </p:txEl>
-                                          </p:spTgt>
+                                          <p:spTgt spid="1026"/>
                                         </p:tgtEl>
                                         <p:attrNameLst>
                                           <p:attrName>style.visibility</p:attrName>
@@ -33668,13 +34442,9 @@
                                     </p:set>
                                     <p:animEffect transition="in" filter="fade">
                                       <p:cBhvr>
-                                        <p:cTn id="12" dur="500"/>
-                                        <p:tgtEl>
-                                          <p:spTgt spid="29701">
-                                            <p:txEl>
-                                              <p:pRg st="1" end="1"/>
-                                            </p:txEl>
-                                          </p:spTgt>
+                                        <p:cTn id="10" dur="500"/>
+                                        <p:tgtEl>
+                                          <p:spTgt spid="1026"/>
                                         </p:tgtEl>
                                       </p:cBhvr>
                                     </p:animEffect>
@@ -33688,26 +34458,26 @@
                     </p:cTn>
                   </p:par>
                   <p:par>
-                    <p:cTn id="13" fill="hold">
+                    <p:cTn id="11" fill="hold">
                       <p:stCondLst>
                         <p:cond delay="indefinite"/>
                       </p:stCondLst>
                       <p:childTnLst>
                         <p:par>
-                          <p:cTn id="14" fill="hold">
+                          <p:cTn id="12" fill="hold">
                             <p:stCondLst>
                               <p:cond delay="0"/>
                             </p:stCondLst>
                             <p:childTnLst>
                               <p:par>
-                                <p:cTn id="15" presetID="10" presetClass="entr" presetSubtype="0" fill="hold" nodeType="clickEffect">
+                                <p:cTn id="13" presetID="10" presetClass="entr" presetSubtype="0" fill="hold" nodeType="clickEffect">
                                   <p:stCondLst>
                                     <p:cond delay="0"/>
                                   </p:stCondLst>
                                   <p:childTnLst>
                                     <p:set>
                                       <p:cBhvr>
-                                        <p:cTn id="16" dur="1" fill="hold">
+                                        <p:cTn id="14" dur="1" fill="hold">
                                           <p:stCondLst>
                                             <p:cond delay="0"/>
                                           </p:stCondLst>
@@ -33715,7 +34485,7 @@
                                         <p:tgtEl>
                                           <p:spTgt spid="29701">
                                             <p:txEl>
-                                              <p:pRg st="2" end="2"/>
+                                              <p:pRg st="6" end="6"/>
                                             </p:txEl>
                                           </p:spTgt>
                                         </p:tgtEl>
@@ -33729,11 +34499,226 @@
                                     </p:set>
                                     <p:animEffect transition="in" filter="fade">
                                       <p:cBhvr>
-                                        <p:cTn id="17" dur="500"/>
-                                        <p:tgtEl>
-                                          <p:spTgt spid="29701">
-                                            <p:txEl>
-                                              <p:pRg st="2" end="2"/>
+                                        <p:cTn id="15" dur="500"/>
+                                        <p:tgtEl>
+                                          <p:spTgt spid="29701">
+                                            <p:txEl>
+                                              <p:pRg st="6" end="6"/>
+                                            </p:txEl>
+                                          </p:spTgt>
+                                        </p:tgtEl>
+                                      </p:cBhvr>
+                                    </p:animEffect>
+                                  </p:childTnLst>
+                                </p:cTn>
+                              </p:par>
+                              <p:par>
+                                <p:cTn id="16" presetID="10" presetClass="entr" presetSubtype="0" fill="hold" nodeType="withEffect">
+                                  <p:stCondLst>
+                                    <p:cond delay="0"/>
+                                  </p:stCondLst>
+                                  <p:childTnLst>
+                                    <p:set>
+                                      <p:cBhvr>
+                                        <p:cTn id="17" dur="1" fill="hold">
+                                          <p:stCondLst>
+                                            <p:cond delay="0"/>
+                                          </p:stCondLst>
+                                        </p:cTn>
+                                        <p:tgtEl>
+                                          <p:spTgt spid="29701">
+                                            <p:txEl>
+                                              <p:pRg st="7" end="7"/>
+                                            </p:txEl>
+                                          </p:spTgt>
+                                        </p:tgtEl>
+                                        <p:attrNameLst>
+                                          <p:attrName>style.visibility</p:attrName>
+                                        </p:attrNameLst>
+                                      </p:cBhvr>
+                                      <p:to>
+                                        <p:strVal val="visible"/>
+                                      </p:to>
+                                    </p:set>
+                                    <p:animEffect transition="in" filter="fade">
+                                      <p:cBhvr>
+                                        <p:cTn id="18" dur="500"/>
+                                        <p:tgtEl>
+                                          <p:spTgt spid="29701">
+                                            <p:txEl>
+                                              <p:pRg st="7" end="7"/>
+                                            </p:txEl>
+                                          </p:spTgt>
+                                        </p:tgtEl>
+                                      </p:cBhvr>
+                                    </p:animEffect>
+                                  </p:childTnLst>
+                                </p:cTn>
+                              </p:par>
+                              <p:par>
+                                <p:cTn id="19" presetID="10" presetClass="entr" presetSubtype="0" fill="hold" nodeType="withEffect">
+                                  <p:stCondLst>
+                                    <p:cond delay="0"/>
+                                  </p:stCondLst>
+                                  <p:childTnLst>
+                                    <p:set>
+                                      <p:cBhvr>
+                                        <p:cTn id="20" dur="1" fill="hold">
+                                          <p:stCondLst>
+                                            <p:cond delay="0"/>
+                                          </p:stCondLst>
+                                        </p:cTn>
+                                        <p:tgtEl>
+                                          <p:spTgt spid="29701">
+                                            <p:txEl>
+                                              <p:pRg st="8" end="8"/>
+                                            </p:txEl>
+                                          </p:spTgt>
+                                        </p:tgtEl>
+                                        <p:attrNameLst>
+                                          <p:attrName>style.visibility</p:attrName>
+                                        </p:attrNameLst>
+                                      </p:cBhvr>
+                                      <p:to>
+                                        <p:strVal val="visible"/>
+                                      </p:to>
+                                    </p:set>
+                                    <p:animEffect transition="in" filter="fade">
+                                      <p:cBhvr>
+                                        <p:cTn id="21" dur="500"/>
+                                        <p:tgtEl>
+                                          <p:spTgt spid="29701">
+                                            <p:txEl>
+                                              <p:pRg st="8" end="8"/>
+                                            </p:txEl>
+                                          </p:spTgt>
+                                        </p:tgtEl>
+                                      </p:cBhvr>
+                                    </p:animEffect>
+                                  </p:childTnLst>
+                                </p:cTn>
+                              </p:par>
+                              <p:par>
+                                <p:cTn id="22" presetID="10" presetClass="entr" presetSubtype="0" fill="hold" nodeType="withEffect">
+                                  <p:stCondLst>
+                                    <p:cond delay="0"/>
+                                  </p:stCondLst>
+                                  <p:childTnLst>
+                                    <p:set>
+                                      <p:cBhvr>
+                                        <p:cTn id="23" dur="1" fill="hold">
+                                          <p:stCondLst>
+                                            <p:cond delay="0"/>
+                                          </p:stCondLst>
+                                        </p:cTn>
+                                        <p:tgtEl>
+                                          <p:spTgt spid="29701">
+                                            <p:txEl>
+                                              <p:pRg st="9" end="9"/>
+                                            </p:txEl>
+                                          </p:spTgt>
+                                        </p:tgtEl>
+                                        <p:attrNameLst>
+                                          <p:attrName>style.visibility</p:attrName>
+                                        </p:attrNameLst>
+                                      </p:cBhvr>
+                                      <p:to>
+                                        <p:strVal val="visible"/>
+                                      </p:to>
+                                    </p:set>
+                                    <p:animEffect transition="in" filter="fade">
+                                      <p:cBhvr>
+                                        <p:cTn id="24" dur="500"/>
+                                        <p:tgtEl>
+                                          <p:spTgt spid="29701">
+                                            <p:txEl>
+                                              <p:pRg st="9" end="9"/>
+                                            </p:txEl>
+                                          </p:spTgt>
+                                        </p:tgtEl>
+                                      </p:cBhvr>
+                                    </p:animEffect>
+                                  </p:childTnLst>
+                                </p:cTn>
+                              </p:par>
+                              <p:par>
+                                <p:cTn id="25" presetID="10" presetClass="entr" presetSubtype="0" fill="hold" nodeType="withEffect">
+                                  <p:stCondLst>
+                                    <p:cond delay="0"/>
+                                  </p:stCondLst>
+                                  <p:childTnLst>
+                                    <p:set>
+                                      <p:cBhvr>
+                                        <p:cTn id="26" dur="1" fill="hold">
+                                          <p:stCondLst>
+                                            <p:cond delay="0"/>
+                                          </p:stCondLst>
+                                        </p:cTn>
+                                        <p:tgtEl>
+                                          <p:spTgt spid="29701">
+                                            <p:txEl>
+                                              <p:pRg st="10" end="10"/>
+                                            </p:txEl>
+                                          </p:spTgt>
+                                        </p:tgtEl>
+                                        <p:attrNameLst>
+                                          <p:attrName>style.visibility</p:attrName>
+                                        </p:attrNameLst>
+                                      </p:cBhvr>
+                                      <p:to>
+                                        <p:strVal val="visible"/>
+                                      </p:to>
+                                    </p:set>
+                                    <p:animEffect transition="in" filter="fade">
+                                      <p:cBhvr>
+                                        <p:cTn id="27" dur="500"/>
+                                        <p:tgtEl>
+                                          <p:spTgt spid="29701">
+                                            <p:txEl>
+                                              <p:pRg st="10" end="10"/>
+                                            </p:txEl>
+                                          </p:spTgt>
+                                        </p:tgtEl>
+                                      </p:cBhvr>
+                                    </p:animEffect>
+                                  </p:childTnLst>
+                                </p:cTn>
+                              </p:par>
+                              <p:par>
+                                <p:cTn id="28" presetID="10" presetClass="entr" presetSubtype="0" fill="hold" nodeType="withEffect">
+                                  <p:stCondLst>
+                                    <p:cond delay="0"/>
+                                  </p:stCondLst>
+                                  <p:childTnLst>
+                                    <p:set>
+                                      <p:cBhvr>
+                                        <p:cTn id="29" dur="1" fill="hold">
+                                          <p:stCondLst>
+                                            <p:cond delay="0"/>
+                                          </p:stCondLst>
+                                        </p:cTn>
+                                        <p:tgtEl>
+                                          <p:spTgt spid="29701">
+                                            <p:txEl>
+                                              <p:pRg st="11" end="11"/>
+                                            </p:txEl>
+                                          </p:spTgt>
+                                        </p:tgtEl>
+                                        <p:attrNameLst>
+                                          <p:attrName>style.visibility</p:attrName>
+                                        </p:attrNameLst>
+                                      </p:cBhvr>
+                                      <p:to>
+                                        <p:strVal val="visible"/>
+                                      </p:to>
+                                    </p:set>
+                                    <p:animEffect transition="in" filter="fade">
+                                      <p:cBhvr>
+                                        <p:cTn id="30" dur="500"/>
+                                        <p:tgtEl>
+                                          <p:spTgt spid="29701">
+                                            <p:txEl>
+                                              <p:pRg st="11" end="11"/>
                                             </p:txEl>
                                           </p:spTgt>
                                         </p:tgtEl>
@@ -33749,26 +34734,26 @@
                     </p:cTn>
                   </p:par>
                   <p:par>
-                    <p:cTn id="18" fill="hold">
+                    <p:cTn id="31" fill="hold">
                       <p:stCondLst>
                         <p:cond delay="indefinite"/>
                       </p:stCondLst>
                       <p:childTnLst>
                         <p:par>
-                          <p:cTn id="19" fill="hold">
+                          <p:cTn id="32" fill="hold">
                             <p:stCondLst>
                               <p:cond delay="0"/>
                             </p:stCondLst>
                             <p:childTnLst>
                               <p:par>
-                                <p:cTn id="20" presetID="10" presetClass="entr" presetSubtype="0" fill="hold" nodeType="clickEffect">
+                                <p:cTn id="33" presetID="10" presetClass="entr" presetSubtype="0" fill="hold" nodeType="clickEffect">
                                   <p:stCondLst>
                                     <p:cond delay="0"/>
                                   </p:stCondLst>
                                   <p:childTnLst>
                                     <p:set>
                                       <p:cBhvr>
-                                        <p:cTn id="21" dur="1" fill="hold">
+                                        <p:cTn id="34" dur="1" fill="hold">
                                           <p:stCondLst>
                                             <p:cond delay="0"/>
                                           </p:stCondLst>
@@ -33776,7 +34761,7 @@
                                         <p:tgtEl>
                                           <p:spTgt spid="29701">
                                             <p:txEl>
-                                              <p:pRg st="3" end="3"/>
+                                              <p:pRg st="12" end="12"/>
                                             </p:txEl>
                                           </p:spTgt>
                                         </p:tgtEl>
@@ -33790,11 +34775,11 @@
                                     </p:set>
                                     <p:animEffect transition="in" filter="fade">
                                       <p:cBhvr>
-                                        <p:cTn id="22" dur="500"/>
-                                        <p:tgtEl>
-                                          <p:spTgt spid="29701">
-                                            <p:txEl>
-                                              <p:pRg st="3" end="3"/>
+                                        <p:cTn id="35" dur="500"/>
+                                        <p:tgtEl>
+                                          <p:spTgt spid="29701">
+                                            <p:txEl>
+                                              <p:pRg st="12" end="12"/>
                                             </p:txEl>
                                           </p:spTgt>
                                         </p:tgtEl>
@@ -34619,41 +35604,6 @@
                                   </p:childTnLst>
                                 </p:cTn>
                               </p:par>
-                              <p:par>
-                                <p:cTn id="8" presetID="10" presetClass="entr" presetSubtype="0" fill="hold" nodeType="withEffect">
-                                  <p:stCondLst>
-                                    <p:cond delay="0"/>
-                                  </p:stCondLst>
-                                  <p:childTnLst>
-                                    <p:set>
-                                      <p:cBhvr>
-                                        <p:cTn id="9" dur="1" fill="hold">
-                                          <p:stCondLst>
-                                            <p:cond delay="0"/>
-                                          </p:stCondLst>
-                                        </p:cTn>
-                                        <p:tgtEl>
-                                          <p:spTgt spid="1026"/>
-                                        </p:tgtEl>
-                                        <p:attrNameLst>
-                                          <p:attrName>style.visibility</p:attrName>
-                                        </p:attrNameLst>
-                                      </p:cBhvr>
-                                      <p:to>
-                                        <p:strVal val="visible"/>
-                                      </p:to>
-                                    </p:set>
-                                    <p:animEffect transition="in" filter="fade">
-                                      <p:cBhvr>
-                                        <p:cTn id="10" dur="500"/>
-                                        <p:tgtEl>
-                                          <p:spTgt spid="1026"/>
-                                        </p:tgtEl>
-                                      </p:cBhvr>
-                                    </p:animEffect>
-                                  </p:childTnLst>
-                                </p:cTn>
-                              </p:par>
                             </p:childTnLst>
                           </p:cTn>
                         </p:par>
@@ -34661,25 +35611,68 @@
                     </p:cTn>
                   </p:par>
                   <p:par>
-                    <p:cTn id="11" fill="hold">
+                    <p:cTn id="8" fill="hold">
                       <p:stCondLst>
                         <p:cond delay="indefinite"/>
                       </p:stCondLst>
                       <p:childTnLst>
                         <p:par>
-                          <p:cTn id="12" fill="hold">
+                          <p:cTn id="9" fill="hold">
                             <p:stCondLst>
                               <p:cond delay="0"/>
                             </p:stCondLst>
                             <p:childTnLst>
                               <p:par>
-                                <p:cTn id="13" presetID="10" presetClass="entr" presetSubtype="0" fill="hold" nodeType="clickEffect">
+                                <p:cTn id="10" presetID="10" presetClass="entr" presetSubtype="0" fill="hold" nodeType="clickEffect">
                                   <p:stCondLst>
                                     <p:cond delay="0"/>
                                   </p:stCondLst>
                                   <p:childTnLst>
                                     <p:set>
                                       <p:cBhvr>
+                                        <p:cTn id="11" dur="1" fill="hold">
+                                          <p:stCondLst>
+                                            <p:cond delay="0"/>
+                                          </p:stCondLst>
+                                        </p:cTn>
+                                        <p:tgtEl>
+                                          <p:spTgt spid="29701">
+                                            <p:txEl>
+                                              <p:pRg st="2" end="2"/>
+                                            </p:txEl>
+                                          </p:spTgt>
+                                        </p:tgtEl>
+                                        <p:attrNameLst>
+                                          <p:attrName>style.visibility</p:attrName>
+                                        </p:attrNameLst>
+                                      </p:cBhvr>
+                                      <p:to>
+                                        <p:strVal val="visible"/>
+                                      </p:to>
+                                    </p:set>
+                                    <p:animEffect transition="in" filter="fade">
+                                      <p:cBhvr>
+                                        <p:cTn id="12" dur="500"/>
+                                        <p:tgtEl>
+                                          <p:spTgt spid="29701">
+                                            <p:txEl>
+                                              <p:pRg st="2" end="2"/>
+                                            </p:txEl>
+                                          </p:spTgt>
+                                        </p:tgtEl>
+                                      </p:cBhvr>
+                                    </p:animEffect>
+                                  </p:childTnLst>
+                                </p:cTn>
+                              </p:par>
+                              <p:par>
+                                <p:cTn id="13" presetID="10" presetClass="entr" presetSubtype="0" fill="hold" nodeType="withEffect">
+                                  <p:stCondLst>
+                                    <p:cond delay="0"/>
+                                  </p:stCondLst>
+                                  <p:childTnLst>
+                                    <p:set>
+                                      <p:cBhvr>
                                         <p:cTn id="14" dur="1" fill="hold">
                                           <p:stCondLst>
                                             <p:cond delay="0"/>
@@ -34688,7 +35681,7 @@
                                         <p:tgtEl>
                                           <p:spTgt spid="29701">
                                             <p:txEl>
-                                              <p:pRg st="2" end="2"/>
+                                              <p:pRg st="3" end="3"/>
                                             </p:txEl>
                                           </p:spTgt>
                                         </p:tgtEl>
@@ -34706,7 +35699,7 @@
                                         <p:tgtEl>
                                           <p:spTgt spid="29701">
                                             <p:txEl>
-                                              <p:pRg st="2" end="2"/>
+                                              <p:pRg st="3" end="3"/>
                                             </p:txEl>
                                           </p:spTgt>
                                         </p:tgtEl>
@@ -34715,33 +35708,15 @@
                                   </p:childTnLst>
                                 </p:cTn>
                               </p:par>
-                            </p:childTnLst>
-                          </p:cTn>
-                        </p:par>
-                      </p:childTnLst>
-                    </p:cTn>
-                  </p:par>
-                  <p:par>
-                    <p:cTn id="16" fill="hold">
-                      <p:stCondLst>
-                        <p:cond delay="indefinite"/>
-                      </p:stCondLst>
-                      <p:childTnLst>
-                        <p:par>
-                          <p:cTn id="17" fill="hold">
-                            <p:stCondLst>
-                              <p:cond delay="0"/>
-                            </p:stCondLst>
-                            <p:childTnLst>
                               <p:par>
-                                <p:cTn id="18" presetID="10" presetClass="entr" presetSubtype="0" fill="hold" nodeType="clickEffect">
+                                <p:cTn id="16" presetID="10" presetClass="entr" presetSubtype="0" fill="hold" nodeType="withEffect">
                                   <p:stCondLst>
                                     <p:cond delay="0"/>
                                   </p:stCondLst>
                                   <p:childTnLst>
                                     <p:set>
                                       <p:cBhvr>
-                                        <p:cTn id="19" dur="1" fill="hold">
+                                        <p:cTn id="17" dur="1" fill="hold">
                                           <p:stCondLst>
                                             <p:cond delay="0"/>
                                           </p:stCondLst>
@@ -34749,7 +35724,7 @@
                                         <p:tgtEl>
                                           <p:spTgt spid="29701">
                                             <p:txEl>
-                                              <p:pRg st="3" end="3"/>
+                                              <p:pRg st="4" end="4"/>
                                             </p:txEl>
                                           </p:spTgt>
                                         </p:tgtEl>
@@ -34763,11 +35738,11 @@
                                     </p:set>
                                     <p:animEffect transition="in" filter="fade">
                                       <p:cBhvr>
-                                        <p:cTn id="20" dur="500"/>
-                                        <p:tgtEl>
-                                          <p:spTgt spid="29701">
-                                            <p:txEl>
-                                              <p:pRg st="3" end="3"/>
+                                        <p:cTn id="18" dur="500"/>
+                                        <p:tgtEl>
+                                          <p:spTgt spid="29701">
+                                            <p:txEl>
+                                              <p:pRg st="4" end="4"/>
                                             </p:txEl>
                                           </p:spTgt>
                                         </p:tgtEl>
@@ -34776,33 +35751,15 @@
                                   </p:childTnLst>
                                 </p:cTn>
                               </p:par>
-                            </p:childTnLst>
-                          </p:cTn>
-                        </p:par>
-                      </p:childTnLst>
-                    </p:cTn>
-                  </p:par>
-                  <p:par>
-                    <p:cTn id="21" fill="hold">
-                      <p:stCondLst>
-                        <p:cond delay="indefinite"/>
-                      </p:stCondLst>
-                      <p:childTnLst>
-                        <p:par>
-                          <p:cTn id="22" fill="hold">
-                            <p:stCondLst>
-                              <p:cond delay="0"/>
-                            </p:stCondLst>
-                            <p:childTnLst>
                               <p:par>
-                                <p:cTn id="23" presetID="10" presetClass="entr" presetSubtype="0" fill="hold" nodeType="clickEffect">
+                                <p:cTn id="19" presetID="10" presetClass="entr" presetSubtype="0" fill="hold" nodeType="withEffect">
                                   <p:stCondLst>
                                     <p:cond delay="0"/>
                                   </p:stCondLst>
                                   <p:childTnLst>
                                     <p:set>
                                       <p:cBhvr>
-                                        <p:cTn id="24" dur="1" fill="hold">
+                                        <p:cTn id="20" dur="1" fill="hold">
                                           <p:stCondLst>
                                             <p:cond delay="0"/>
                                           </p:stCondLst>
@@ -34810,7 +35767,7 @@
                                         <p:tgtEl>
                                           <p:spTgt spid="29701">
                                             <p:txEl>
-                                              <p:pRg st="4" end="4"/>
+                                              <p:pRg st="5" end="5"/>
                                             </p:txEl>
                                           </p:spTgt>
                                         </p:tgtEl>
@@ -34824,11 +35781,11 @@
                                     </p:set>
                                     <p:animEffect transition="in" filter="fade">
                                       <p:cBhvr>
-                                        <p:cTn id="25" dur="500"/>
-                                        <p:tgtEl>
-                                          <p:spTgt spid="29701">
-                                            <p:txEl>
-                                              <p:pRg st="4" end="4"/>
+                                        <p:cTn id="21" dur="500"/>
+                                        <p:tgtEl>
+                                          <p:spTgt spid="29701">
+                                            <p:txEl>
+                                              <p:pRg st="5" end="5"/>
                                             </p:txEl>
                                           </p:spTgt>
                                         </p:tgtEl>
@@ -34837,43 +35794,21 @@
                                   </p:childTnLst>
                                 </p:cTn>
                               </p:par>
-                            </p:childTnLst>
-                          </p:cTn>
-                        </p:par>
-                      </p:childTnLst>
-                    </p:cTn>
-                  </p:par>
-                  <p:par>
-                    <p:cTn id="26" fill="hold">
-                      <p:stCondLst>
-                        <p:cond delay="indefinite"/>
-                      </p:stCondLst>
-                      <p:childTnLst>
-                        <p:par>
-                          <p:cTn id="27" fill="hold">
-                            <p:stCondLst>
-                              <p:cond delay="0"/>
-                            </p:stCondLst>
-                            <p:childTnLst>
                               <p:par>
-                                <p:cTn id="28" presetID="10" presetClass="entr" presetSubtype="0" fill="hold" nodeType="clickEffect">
+                                <p:cTn id="22" presetID="10" presetClass="entr" presetSubtype="0" fill="hold" nodeType="withEffect">
                                   <p:stCondLst>
                                     <p:cond delay="0"/>
                                   </p:stCondLst>
                                   <p:childTnLst>
                                     <p:set>
                                       <p:cBhvr>
-                                        <p:cTn id="29" dur="1" fill="hold">
+                                        <p:cTn id="23" dur="1" fill="hold">
                                           <p:stCondLst>
                                             <p:cond delay="0"/>
                                           </p:stCondLst>
                                         </p:cTn>
                                         <p:tgtEl>
-                                          <p:spTgt spid="29701">
-                                            <p:txEl>
-                                              <p:pRg st="5" end="5"/>
-                                            </p:txEl>
-                                          </p:spTgt>
+                                          <p:spTgt spid="1026"/>
                                         </p:tgtEl>
                                         <p:attrNameLst>
                                           <p:attrName>style.visibility</p:attrName>
@@ -34885,13 +35820,9 @@
                                     </p:set>
                                     <p:animEffect transition="in" filter="fade">
                                       <p:cBhvr>
-                                        <p:cTn id="30" dur="500"/>
-                                        <p:tgtEl>
-                                          <p:spTgt spid="29701">
-                                            <p:txEl>
-                                              <p:pRg st="5" end="5"/>
-                                            </p:txEl>
-                                          </p:spTgt>
+                                        <p:cTn id="24" dur="500"/>
+                                        <p:tgtEl>
+                                          <p:spTgt spid="1026"/>
                                         </p:tgtEl>
                                       </p:cBhvr>
                                     </p:animEffect>

--- a/predavanja/prezentacije/UVIT01-01-Uvod u racunarske mreze.pptx
+++ b/predavanja/prezentacije/UVIT01-01-Uvod u racunarske mreze.pptx
@@ -274,7 +274,7 @@
           <a:p>
             <a:fld id="{6B3683FA-0560-4266-A2CA-8A7D404C35FD}" type="datetimeFigureOut">
               <a:rPr lang="en-US" smtClean="0"/>
-              <a:t>10/3/2018</a:t>
+              <a:t>10/4/2018</a:t>
             </a:fld>
             <a:endParaRPr lang="en-US"/>
           </a:p>
@@ -12334,28 +12334,40 @@
               <a:t> </a:t>
             </a:r>
             <a:r>
+              <a:rPr lang="sv-SE" dirty="0" err="1" smtClean="0"/>
+              <a:t>olak</a:t>
+            </a:r>
+            <a:r>
+              <a:rPr lang="sr-Latn-RS" dirty="0" smtClean="0"/>
+              <a:t>š</a:t>
+            </a:r>
+            <a:r>
+              <a:rPr lang="sv-SE" dirty="0" err="1" smtClean="0"/>
+              <a:t>ava</a:t>
+            </a:r>
+            <a:r>
+              <a:rPr lang="sv-SE" dirty="0" smtClean="0"/>
+              <a:t> </a:t>
+            </a:r>
+            <a:r>
               <a:rPr lang="sv-SE" dirty="0" err="1"/>
-              <a:t>olaksava</a:t>
+              <a:t>programiranje</a:t>
             </a:r>
             <a:r>
               <a:rPr lang="sv-SE" dirty="0"/>
               <a:t> </a:t>
             </a:r>
             <a:r>
-              <a:rPr lang="sv-SE" dirty="0" err="1"/>
-              <a:t>programiranje</a:t>
-            </a:r>
-            <a:r>
-              <a:rPr lang="sv-SE" dirty="0"/>
-              <a:t> </a:t>
-            </a:r>
-            <a:r>
-              <a:rPr lang="sv-SE" dirty="0" err="1"/>
-              <a:t>mreznog</a:t>
-            </a:r>
-            <a:r>
-              <a:rPr lang="sv-SE" dirty="0"/>
-              <a:t> </a:t>
+              <a:rPr lang="sv-SE" dirty="0" err="1" smtClean="0"/>
+              <a:t>mre</a:t>
+            </a:r>
+            <a:r>
+              <a:rPr lang="sr-Latn-RS" smtClean="0"/>
+              <a:t>ž</a:t>
+            </a:r>
+            <a:r>
+              <a:rPr lang="sv-SE" smtClean="0"/>
+              <a:t>nog </a:t>
             </a:r>
             <a:r>
               <a:rPr lang="sv-SE" dirty="0" err="1" smtClean="0"/>
@@ -30674,7 +30686,6 @@
               <a:rPr lang="sr-Latn-RS" altLang="en-US" dirty="0" smtClean="0"/>
               <a:t>raspored časova, red vožnje itd.</a:t>
             </a:r>
-            <a:endParaRPr lang="sr-Latn-RS" altLang="en-US" dirty="0" smtClean="0"/>
           </a:p>
           <a:p>
             <a:r>
@@ -34133,11 +34144,7 @@
             </a:r>
             <a:r>
               <a:rPr lang="sr-Latn-RS" altLang="en-US" dirty="0" smtClean="0"/>
-              <a:t>iraju </a:t>
-            </a:r>
-            <a:r>
-              <a:rPr lang="sr-Latn-RS" altLang="en-US" dirty="0" smtClean="0"/>
-              <a:t>veb strane </a:t>
+              <a:t>iraju veb strane </a:t>
             </a:r>
             <a:r>
               <a:rPr lang="sr-Latn-RS" altLang="en-US" dirty="0"/>
